--- a/Presentation Slides/airbnbPresentationFinal.pptx
+++ b/Presentation Slides/airbnbPresentationFinal.pptx
@@ -6,14 +6,31 @@
   </p:sldMasterIdLst>
   <p:sldIdLst>
     <p:sldId id="256" r:id="rId2"/>
-    <p:sldId id="279" r:id="rId3"/>
-    <p:sldId id="285" r:id="rId4"/>
-    <p:sldId id="286" r:id="rId5"/>
-    <p:sldId id="287" r:id="rId6"/>
-    <p:sldId id="288" r:id="rId7"/>
-    <p:sldId id="289" r:id="rId8"/>
-    <p:sldId id="290" r:id="rId9"/>
-    <p:sldId id="291" r:id="rId10"/>
+    <p:sldId id="257" r:id="rId3"/>
+    <p:sldId id="258" r:id="rId4"/>
+    <p:sldId id="260" r:id="rId5"/>
+    <p:sldId id="279" r:id="rId6"/>
+    <p:sldId id="285" r:id="rId7"/>
+    <p:sldId id="286" r:id="rId8"/>
+    <p:sldId id="287" r:id="rId9"/>
+    <p:sldId id="288" r:id="rId10"/>
+    <p:sldId id="289" r:id="rId11"/>
+    <p:sldId id="290" r:id="rId12"/>
+    <p:sldId id="291" r:id="rId13"/>
+    <p:sldId id="292" r:id="rId14"/>
+    <p:sldId id="261" r:id="rId15"/>
+    <p:sldId id="293" r:id="rId16"/>
+    <p:sldId id="262" r:id="rId17"/>
+    <p:sldId id="263" r:id="rId18"/>
+    <p:sldId id="264" r:id="rId19"/>
+    <p:sldId id="265" r:id="rId20"/>
+    <p:sldId id="266" r:id="rId21"/>
+    <p:sldId id="294" r:id="rId22"/>
+    <p:sldId id="295" r:id="rId23"/>
+    <p:sldId id="259" r:id="rId24"/>
+    <p:sldId id="296" r:id="rId25"/>
+    <p:sldId id="298" r:id="rId26"/>
+    <p:sldId id="297" r:id="rId27"/>
   </p:sldIdLst>
   <p:sldSz cx="12192000" cy="6858000"/>
   <p:notesSz cx="6858000" cy="9144000"/>
@@ -269,7 +286,7 @@
           <a:p>
             <a:fld id="{AD7A5333-4396-0044-A82A-8EEB2C0AB190}" type="datetimeFigureOut">
               <a:rPr lang="en-US" smtClean="0"/>
-              <a:t>1/20/21</a:t>
+              <a:t>1/21/21</a:t>
             </a:fld>
             <a:endParaRPr lang="en-US"/>
           </a:p>
@@ -469,7 +486,7 @@
           <a:p>
             <a:fld id="{AD7A5333-4396-0044-A82A-8EEB2C0AB190}" type="datetimeFigureOut">
               <a:rPr lang="en-US" smtClean="0"/>
-              <a:t>1/20/21</a:t>
+              <a:t>1/21/21</a:t>
             </a:fld>
             <a:endParaRPr lang="en-US"/>
           </a:p>
@@ -679,7 +696,7 @@
           <a:p>
             <a:fld id="{AD7A5333-4396-0044-A82A-8EEB2C0AB190}" type="datetimeFigureOut">
               <a:rPr lang="en-US" smtClean="0"/>
-              <a:t>1/20/21</a:t>
+              <a:t>1/21/21</a:t>
             </a:fld>
             <a:endParaRPr lang="en-US"/>
           </a:p>
@@ -879,7 +896,7 @@
           <a:p>
             <a:fld id="{AD7A5333-4396-0044-A82A-8EEB2C0AB190}" type="datetimeFigureOut">
               <a:rPr lang="en-US" smtClean="0"/>
-              <a:t>1/20/21</a:t>
+              <a:t>1/21/21</a:t>
             </a:fld>
             <a:endParaRPr lang="en-US"/>
           </a:p>
@@ -1155,7 +1172,7 @@
           <a:p>
             <a:fld id="{AD7A5333-4396-0044-A82A-8EEB2C0AB190}" type="datetimeFigureOut">
               <a:rPr lang="en-US" smtClean="0"/>
-              <a:t>1/20/21</a:t>
+              <a:t>1/21/21</a:t>
             </a:fld>
             <a:endParaRPr lang="en-US"/>
           </a:p>
@@ -1423,7 +1440,7 @@
           <a:p>
             <a:fld id="{AD7A5333-4396-0044-A82A-8EEB2C0AB190}" type="datetimeFigureOut">
               <a:rPr lang="en-US" smtClean="0"/>
-              <a:t>1/20/21</a:t>
+              <a:t>1/21/21</a:t>
             </a:fld>
             <a:endParaRPr lang="en-US"/>
           </a:p>
@@ -1838,7 +1855,7 @@
           <a:p>
             <a:fld id="{AD7A5333-4396-0044-A82A-8EEB2C0AB190}" type="datetimeFigureOut">
               <a:rPr lang="en-US" smtClean="0"/>
-              <a:t>1/20/21</a:t>
+              <a:t>1/21/21</a:t>
             </a:fld>
             <a:endParaRPr lang="en-US"/>
           </a:p>
@@ -1980,7 +1997,7 @@
           <a:p>
             <a:fld id="{AD7A5333-4396-0044-A82A-8EEB2C0AB190}" type="datetimeFigureOut">
               <a:rPr lang="en-US" smtClean="0"/>
-              <a:t>1/20/21</a:t>
+              <a:t>1/21/21</a:t>
             </a:fld>
             <a:endParaRPr lang="en-US"/>
           </a:p>
@@ -2093,7 +2110,7 @@
           <a:p>
             <a:fld id="{AD7A5333-4396-0044-A82A-8EEB2C0AB190}" type="datetimeFigureOut">
               <a:rPr lang="en-US" smtClean="0"/>
-              <a:t>1/20/21</a:t>
+              <a:t>1/21/21</a:t>
             </a:fld>
             <a:endParaRPr lang="en-US"/>
           </a:p>
@@ -2406,7 +2423,7 @@
           <a:p>
             <a:fld id="{AD7A5333-4396-0044-A82A-8EEB2C0AB190}" type="datetimeFigureOut">
               <a:rPr lang="en-US" smtClean="0"/>
-              <a:t>1/20/21</a:t>
+              <a:t>1/21/21</a:t>
             </a:fld>
             <a:endParaRPr lang="en-US"/>
           </a:p>
@@ -2695,7 +2712,7 @@
           <a:p>
             <a:fld id="{AD7A5333-4396-0044-A82A-8EEB2C0AB190}" type="datetimeFigureOut">
               <a:rPr lang="en-US" smtClean="0"/>
-              <a:t>1/20/21</a:t>
+              <a:t>1/21/21</a:t>
             </a:fld>
             <a:endParaRPr lang="en-US"/>
           </a:p>
@@ -2938,7 +2955,7 @@
           <a:p>
             <a:fld id="{AD7A5333-4396-0044-A82A-8EEB2C0AB190}" type="datetimeFigureOut">
               <a:rPr lang="en-US" smtClean="0"/>
-              <a:t>1/20/21</a:t>
+              <a:t>1/21/21</a:t>
             </a:fld>
             <a:endParaRPr lang="en-US"/>
           </a:p>
@@ -3688,7 +3705,9 @@
           <a:p>
             <a:pPr algn="l"/>
             <a:r>
-              <a:rPr lang="en-US" dirty="0"/>
+              <a:rPr lang="en-US" dirty="0">
+                <a:latin typeface="Arial Rounded MT Bold" panose="020F0704030504030204" pitchFamily="34" charset="77"/>
+              </a:rPr>
               <a:t>Group Members:</a:t>
             </a:r>
           </a:p>
@@ -3698,7 +3717,9 @@
               <a:buChar char="•"/>
             </a:pPr>
             <a:r>
-              <a:rPr lang="en-US" dirty="0"/>
+              <a:rPr lang="en-US" dirty="0">
+                <a:latin typeface="Arial Rounded MT Bold" panose="020F0704030504030204" pitchFamily="34" charset="77"/>
+              </a:rPr>
               <a:t>Linda Levy</a:t>
             </a:r>
           </a:p>
@@ -3708,11 +3729,15 @@
               <a:buChar char="•"/>
             </a:pPr>
             <a:r>
-              <a:rPr lang="en-US" dirty="0" err="1"/>
+              <a:rPr lang="en-US" dirty="0" err="1">
+                <a:latin typeface="Arial Rounded MT Bold" panose="020F0704030504030204" pitchFamily="34" charset="77"/>
+              </a:rPr>
               <a:t>Raph</a:t>
             </a:r>
             <a:r>
-              <a:rPr lang="en-US" dirty="0"/>
+              <a:rPr lang="en-US" dirty="0">
+                <a:latin typeface="Arial Rounded MT Bold" panose="020F0704030504030204" pitchFamily="34" charset="77"/>
+              </a:rPr>
               <a:t> Serrano</a:t>
             </a:r>
           </a:p>
@@ -3722,11 +3747,15 @@
               <a:buChar char="•"/>
             </a:pPr>
             <a:r>
-              <a:rPr lang="en-US" dirty="0" err="1"/>
+              <a:rPr lang="en-US" dirty="0" err="1">
+                <a:latin typeface="Arial Rounded MT Bold" panose="020F0704030504030204" pitchFamily="34" charset="77"/>
+              </a:rPr>
               <a:t>Swobabika</a:t>
             </a:r>
             <a:r>
-              <a:rPr lang="en-US" dirty="0"/>
+              <a:rPr lang="en-US" dirty="0">
+                <a:latin typeface="Arial Rounded MT Bold" panose="020F0704030504030204" pitchFamily="34" charset="77"/>
+              </a:rPr>
               <a:t> Jena</a:t>
             </a:r>
           </a:p>
@@ -3736,7 +3765,9 @@
               <a:buChar char="•"/>
             </a:pPr>
             <a:r>
-              <a:rPr lang="en-US" dirty="0"/>
+              <a:rPr lang="en-US" dirty="0">
+                <a:latin typeface="Arial Rounded MT Bold" panose="020F0704030504030204" pitchFamily="34" charset="77"/>
+              </a:rPr>
               <a:t>Jason Sutton</a:t>
             </a:r>
           </a:p>
@@ -3781,6 +3812,2698 @@
     <p:extLst>
       <p:ext uri="{BB962C8B-B14F-4D97-AF65-F5344CB8AC3E}">
         <p14:creationId xmlns:p14="http://schemas.microsoft.com/office/powerpoint/2010/main" val="3445556231"/>
+      </p:ext>
+    </p:extLst>
+  </p:cSld>
+  <p:clrMapOvr>
+    <a:masterClrMapping/>
+  </p:clrMapOvr>
+</p:sld>
+</file>
+
+<file path=ppt/slides/slide10.xml><?xml version="1.0" encoding="utf-8"?>
+<p:sld xmlns:a="http://schemas.openxmlformats.org/drawingml/2006/main" xmlns:r="http://schemas.openxmlformats.org/officeDocument/2006/relationships" xmlns:p="http://schemas.openxmlformats.org/presentationml/2006/main">
+  <p:cSld>
+    <p:spTree>
+      <p:nvGrpSpPr>
+        <p:cNvPr id="1" name=""/>
+        <p:cNvGrpSpPr/>
+        <p:nvPr/>
+      </p:nvGrpSpPr>
+      <p:grpSpPr>
+        <a:xfrm>
+          <a:off x="0" y="0"/>
+          <a:ext cx="0" cy="0"/>
+          <a:chOff x="0" y="0"/>
+          <a:chExt cx="0" cy="0"/>
+        </a:xfrm>
+      </p:grpSpPr>
+      <p:sp>
+        <p:nvSpPr>
+          <p:cNvPr id="7" name="Rectangle 6">
+            <a:extLst>
+              <a:ext uri="{FF2B5EF4-FFF2-40B4-BE49-F238E27FC236}">
+                <a16:creationId xmlns:a16="http://schemas.microsoft.com/office/drawing/2014/main" id="{2E40D634-B637-AD40-9A07-4D10AFF75408}"/>
+              </a:ext>
+            </a:extLst>
+          </p:cNvPr>
+          <p:cNvSpPr/>
+          <p:nvPr/>
+        </p:nvSpPr>
+        <p:spPr>
+          <a:xfrm>
+            <a:off x="1610036" y="471496"/>
+            <a:ext cx="8413842" cy="643831"/>
+          </a:xfrm>
+          <a:prstGeom prst="rect">
+            <a:avLst/>
+          </a:prstGeom>
+        </p:spPr>
+        <p:txBody>
+          <a:bodyPr wrap="none">
+            <a:spAutoFit/>
+          </a:bodyPr>
+          <a:lstStyle/>
+          <a:p>
+            <a:pPr>
+              <a:lnSpc>
+                <a:spcPct val="120000"/>
+              </a:lnSpc>
+            </a:pPr>
+            <a:r>
+              <a:rPr lang="en-AU" sz="3200" dirty="0"/>
+              <a:t>Third Wave - Decision to only analyse apartments</a:t>
+            </a:r>
+          </a:p>
+        </p:txBody>
+      </p:sp>
+      <p:pic>
+        <p:nvPicPr>
+          <p:cNvPr id="9" name="Picture 8">
+            <a:extLst>
+              <a:ext uri="{FF2B5EF4-FFF2-40B4-BE49-F238E27FC236}">
+                <a16:creationId xmlns:a16="http://schemas.microsoft.com/office/drawing/2014/main" id="{3880D3C2-3857-F440-9F12-8A256029171A}"/>
+              </a:ext>
+            </a:extLst>
+          </p:cNvPr>
+          <p:cNvPicPr>
+            <a:picLocks noChangeAspect="1"/>
+          </p:cNvPicPr>
+          <p:nvPr/>
+        </p:nvPicPr>
+        <p:blipFill>
+          <a:blip r:embed="rId2"/>
+          <a:stretch>
+            <a:fillRect/>
+          </a:stretch>
+        </p:blipFill>
+        <p:spPr>
+          <a:xfrm>
+            <a:off x="4734517" y="1315708"/>
+            <a:ext cx="6772716" cy="3158461"/>
+          </a:xfrm>
+          <a:prstGeom prst="rect">
+            <a:avLst/>
+          </a:prstGeom>
+          <a:effectLst>
+            <a:outerShdw blurRad="152400" dist="38100" dir="2700000" algn="tl" rotWithShape="0">
+              <a:prstClr val="black">
+                <a:alpha val="40000"/>
+              </a:prstClr>
+            </a:outerShdw>
+          </a:effectLst>
+        </p:spPr>
+      </p:pic>
+      <p:pic>
+        <p:nvPicPr>
+          <p:cNvPr id="3" name="Picture 2">
+            <a:extLst>
+              <a:ext uri="{FF2B5EF4-FFF2-40B4-BE49-F238E27FC236}">
+                <a16:creationId xmlns:a16="http://schemas.microsoft.com/office/drawing/2014/main" id="{FEAB15D5-1361-8F45-BD0B-637D2BDB6C39}"/>
+              </a:ext>
+            </a:extLst>
+          </p:cNvPr>
+          <p:cNvPicPr>
+            <a:picLocks noChangeAspect="1"/>
+          </p:cNvPicPr>
+          <p:nvPr/>
+        </p:nvPicPr>
+        <p:blipFill rotWithShape="1">
+          <a:blip r:embed="rId3"/>
+          <a:srcRect l="4613" r="20573"/>
+          <a:stretch/>
+        </p:blipFill>
+        <p:spPr>
+          <a:xfrm>
+            <a:off x="6466916" y="2515975"/>
+            <a:ext cx="5400000" cy="4059267"/>
+          </a:xfrm>
+          <a:prstGeom prst="rect">
+            <a:avLst/>
+          </a:prstGeom>
+          <a:effectLst>
+            <a:outerShdw blurRad="152400" dist="38100" dir="2700000" algn="tl" rotWithShape="0">
+              <a:prstClr val="black">
+                <a:alpha val="40000"/>
+              </a:prstClr>
+            </a:outerShdw>
+          </a:effectLst>
+        </p:spPr>
+      </p:pic>
+      <p:pic>
+        <p:nvPicPr>
+          <p:cNvPr id="12" name="Picture 11">
+            <a:extLst>
+              <a:ext uri="{FF2B5EF4-FFF2-40B4-BE49-F238E27FC236}">
+                <a16:creationId xmlns:a16="http://schemas.microsoft.com/office/drawing/2014/main" id="{D9CAF0D3-C693-6E42-A2DC-B83F4EB894FA}"/>
+              </a:ext>
+            </a:extLst>
+          </p:cNvPr>
+          <p:cNvPicPr>
+            <a:picLocks noChangeAspect="1"/>
+          </p:cNvPicPr>
+          <p:nvPr/>
+        </p:nvPicPr>
+        <p:blipFill>
+          <a:blip r:embed="rId4"/>
+          <a:stretch>
+            <a:fillRect/>
+          </a:stretch>
+        </p:blipFill>
+        <p:spPr>
+          <a:xfrm rot="17902526">
+            <a:off x="6619888" y="2776373"/>
+            <a:ext cx="785737" cy="1309562"/>
+          </a:xfrm>
+          <a:prstGeom prst="rect">
+            <a:avLst/>
+          </a:prstGeom>
+        </p:spPr>
+      </p:pic>
+      <p:sp>
+        <p:nvSpPr>
+          <p:cNvPr id="14" name="Content Placeholder 2">
+            <a:extLst>
+              <a:ext uri="{FF2B5EF4-FFF2-40B4-BE49-F238E27FC236}">
+                <a16:creationId xmlns:a16="http://schemas.microsoft.com/office/drawing/2014/main" id="{D0A93715-D034-9E42-B1DF-86A1508AC155}"/>
+              </a:ext>
+            </a:extLst>
+          </p:cNvPr>
+          <p:cNvSpPr txBox="1">
+            <a:spLocks/>
+          </p:cNvSpPr>
+          <p:nvPr/>
+        </p:nvSpPr>
+        <p:spPr>
+          <a:xfrm>
+            <a:off x="1954924" y="1273751"/>
+            <a:ext cx="9909176" cy="5467514"/>
+          </a:xfrm>
+          <a:prstGeom prst="rect">
+            <a:avLst/>
+          </a:prstGeom>
+        </p:spPr>
+        <p:txBody>
+          <a:bodyPr vert="horz" lIns="91440" tIns="45720" rIns="91440" bIns="45720" rtlCol="0">
+            <a:normAutofit/>
+          </a:bodyPr>
+          <a:lstStyle>
+            <a:lvl1pPr marL="228600" indent="-228600" algn="l" defTabSz="914400" rtl="0" eaLnBrk="1" latinLnBrk="0" hangingPunct="1">
+              <a:lnSpc>
+                <a:spcPct val="90000"/>
+              </a:lnSpc>
+              <a:spcBef>
+                <a:spcPts val="1000"/>
+              </a:spcBef>
+              <a:buFont typeface="Arial" panose="020B0604020202020204" pitchFamily="34" charset="0"/>
+              <a:buChar char="•"/>
+              <a:defRPr sz="2800" kern="1200">
+                <a:solidFill>
+                  <a:schemeClr val="tx1"/>
+                </a:solidFill>
+                <a:latin typeface="+mn-lt"/>
+                <a:ea typeface="+mn-ea"/>
+                <a:cs typeface="+mn-cs"/>
+              </a:defRPr>
+            </a:lvl1pPr>
+            <a:lvl2pPr marL="685800" indent="-228600" algn="l" defTabSz="914400" rtl="0" eaLnBrk="1" latinLnBrk="0" hangingPunct="1">
+              <a:lnSpc>
+                <a:spcPct val="90000"/>
+              </a:lnSpc>
+              <a:spcBef>
+                <a:spcPts val="500"/>
+              </a:spcBef>
+              <a:buFont typeface="Arial" panose="020B0604020202020204" pitchFamily="34" charset="0"/>
+              <a:buChar char="•"/>
+              <a:defRPr sz="2400" kern="1200">
+                <a:solidFill>
+                  <a:schemeClr val="tx1"/>
+                </a:solidFill>
+                <a:latin typeface="+mn-lt"/>
+                <a:ea typeface="+mn-ea"/>
+                <a:cs typeface="+mn-cs"/>
+              </a:defRPr>
+            </a:lvl2pPr>
+            <a:lvl3pPr marL="1143000" indent="-228600" algn="l" defTabSz="914400" rtl="0" eaLnBrk="1" latinLnBrk="0" hangingPunct="1">
+              <a:lnSpc>
+                <a:spcPct val="90000"/>
+              </a:lnSpc>
+              <a:spcBef>
+                <a:spcPts val="500"/>
+              </a:spcBef>
+              <a:buFont typeface="Arial" panose="020B0604020202020204" pitchFamily="34" charset="0"/>
+              <a:buChar char="•"/>
+              <a:defRPr sz="2000" kern="1200">
+                <a:solidFill>
+                  <a:schemeClr val="tx1"/>
+                </a:solidFill>
+                <a:latin typeface="+mn-lt"/>
+                <a:ea typeface="+mn-ea"/>
+                <a:cs typeface="+mn-cs"/>
+              </a:defRPr>
+            </a:lvl3pPr>
+            <a:lvl4pPr marL="1600200" indent="-228600" algn="l" defTabSz="914400" rtl="0" eaLnBrk="1" latinLnBrk="0" hangingPunct="1">
+              <a:lnSpc>
+                <a:spcPct val="90000"/>
+              </a:lnSpc>
+              <a:spcBef>
+                <a:spcPts val="500"/>
+              </a:spcBef>
+              <a:buFont typeface="Arial" panose="020B0604020202020204" pitchFamily="34" charset="0"/>
+              <a:buChar char="•"/>
+              <a:defRPr sz="1800" kern="1200">
+                <a:solidFill>
+                  <a:schemeClr val="tx1"/>
+                </a:solidFill>
+                <a:latin typeface="+mn-lt"/>
+                <a:ea typeface="+mn-ea"/>
+                <a:cs typeface="+mn-cs"/>
+              </a:defRPr>
+            </a:lvl4pPr>
+            <a:lvl5pPr marL="2057400" indent="-228600" algn="l" defTabSz="914400" rtl="0" eaLnBrk="1" latinLnBrk="0" hangingPunct="1">
+              <a:lnSpc>
+                <a:spcPct val="90000"/>
+              </a:lnSpc>
+              <a:spcBef>
+                <a:spcPts val="500"/>
+              </a:spcBef>
+              <a:buFont typeface="Arial" panose="020B0604020202020204" pitchFamily="34" charset="0"/>
+              <a:buChar char="•"/>
+              <a:defRPr sz="1800" kern="1200">
+                <a:solidFill>
+                  <a:schemeClr val="tx1"/>
+                </a:solidFill>
+                <a:latin typeface="+mn-lt"/>
+                <a:ea typeface="+mn-ea"/>
+                <a:cs typeface="+mn-cs"/>
+              </a:defRPr>
+            </a:lvl5pPr>
+            <a:lvl6pPr marL="2514600" indent="-228600" algn="l" defTabSz="914400" rtl="0" eaLnBrk="1" latinLnBrk="0" hangingPunct="1">
+              <a:lnSpc>
+                <a:spcPct val="90000"/>
+              </a:lnSpc>
+              <a:spcBef>
+                <a:spcPts val="500"/>
+              </a:spcBef>
+              <a:buFont typeface="Arial" panose="020B0604020202020204" pitchFamily="34" charset="0"/>
+              <a:buChar char="•"/>
+              <a:defRPr sz="1800" kern="1200">
+                <a:solidFill>
+                  <a:schemeClr val="tx1"/>
+                </a:solidFill>
+                <a:latin typeface="+mn-lt"/>
+                <a:ea typeface="+mn-ea"/>
+                <a:cs typeface="+mn-cs"/>
+              </a:defRPr>
+            </a:lvl6pPr>
+            <a:lvl7pPr marL="2971800" indent="-228600" algn="l" defTabSz="914400" rtl="0" eaLnBrk="1" latinLnBrk="0" hangingPunct="1">
+              <a:lnSpc>
+                <a:spcPct val="90000"/>
+              </a:lnSpc>
+              <a:spcBef>
+                <a:spcPts val="500"/>
+              </a:spcBef>
+              <a:buFont typeface="Arial" panose="020B0604020202020204" pitchFamily="34" charset="0"/>
+              <a:buChar char="•"/>
+              <a:defRPr sz="1800" kern="1200">
+                <a:solidFill>
+                  <a:schemeClr val="tx1"/>
+                </a:solidFill>
+                <a:latin typeface="+mn-lt"/>
+                <a:ea typeface="+mn-ea"/>
+                <a:cs typeface="+mn-cs"/>
+              </a:defRPr>
+            </a:lvl7pPr>
+            <a:lvl8pPr marL="3429000" indent="-228600" algn="l" defTabSz="914400" rtl="0" eaLnBrk="1" latinLnBrk="0" hangingPunct="1">
+              <a:lnSpc>
+                <a:spcPct val="90000"/>
+              </a:lnSpc>
+              <a:spcBef>
+                <a:spcPts val="500"/>
+              </a:spcBef>
+              <a:buFont typeface="Arial" panose="020B0604020202020204" pitchFamily="34" charset="0"/>
+              <a:buChar char="•"/>
+              <a:defRPr sz="1800" kern="1200">
+                <a:solidFill>
+                  <a:schemeClr val="tx1"/>
+                </a:solidFill>
+                <a:latin typeface="+mn-lt"/>
+                <a:ea typeface="+mn-ea"/>
+                <a:cs typeface="+mn-cs"/>
+              </a:defRPr>
+            </a:lvl8pPr>
+            <a:lvl9pPr marL="3886200" indent="-228600" algn="l" defTabSz="914400" rtl="0" eaLnBrk="1" latinLnBrk="0" hangingPunct="1">
+              <a:lnSpc>
+                <a:spcPct val="90000"/>
+              </a:lnSpc>
+              <a:spcBef>
+                <a:spcPts val="500"/>
+              </a:spcBef>
+              <a:buFont typeface="Arial" panose="020B0604020202020204" pitchFamily="34" charset="0"/>
+              <a:buChar char="•"/>
+              <a:defRPr sz="1800" kern="1200">
+                <a:solidFill>
+                  <a:schemeClr val="tx1"/>
+                </a:solidFill>
+                <a:latin typeface="+mn-lt"/>
+                <a:ea typeface="+mn-ea"/>
+                <a:cs typeface="+mn-cs"/>
+              </a:defRPr>
+            </a:lvl9pPr>
+          </a:lstStyle>
+          <a:p>
+            <a:pPr>
+              <a:lnSpc>
+                <a:spcPct val="120000"/>
+              </a:lnSpc>
+            </a:pPr>
+            <a:r>
+              <a:rPr lang="en-US" sz="2400" dirty="0"/>
+              <a:t>Apartments were</a:t>
+            </a:r>
+            <a:br>
+              <a:rPr lang="en-US" sz="2400" dirty="0"/>
+            </a:br>
+            <a:r>
+              <a:rPr lang="en-US" sz="2400" dirty="0"/>
+              <a:t>the vast majority</a:t>
+            </a:r>
+            <a:br>
+              <a:rPr lang="en-US" sz="2400" dirty="0"/>
+            </a:br>
+            <a:r>
+              <a:rPr lang="en-US" sz="2400" dirty="0"/>
+              <a:t>of property types.</a:t>
+            </a:r>
+          </a:p>
+          <a:p>
+            <a:pPr>
+              <a:lnSpc>
+                <a:spcPct val="120000"/>
+              </a:lnSpc>
+            </a:pPr>
+            <a:r>
+              <a:rPr lang="en-US" sz="2400" dirty="0"/>
+              <a:t>Three other </a:t>
+            </a:r>
+            <a:br>
+              <a:rPr lang="en-US" sz="2400" dirty="0"/>
+            </a:br>
+            <a:r>
+              <a:rPr lang="en-US" sz="2400" dirty="0"/>
+              <a:t>property types</a:t>
+            </a:r>
+            <a:br>
+              <a:rPr lang="en-US" sz="2400" dirty="0"/>
+            </a:br>
+            <a:r>
+              <a:rPr lang="en-US" sz="2400" dirty="0"/>
+              <a:t>were showing</a:t>
+            </a:r>
+            <a:br>
+              <a:rPr lang="en-US" sz="2400" dirty="0"/>
+            </a:br>
+            <a:r>
+              <a:rPr lang="en-US" sz="2400" dirty="0"/>
+              <a:t>higher rates per</a:t>
+            </a:r>
+            <a:br>
+              <a:rPr lang="en-US" sz="2400" dirty="0"/>
+            </a:br>
+            <a:r>
+              <a:rPr lang="en-US" sz="2400" dirty="0"/>
+              <a:t>person</a:t>
+            </a:r>
+          </a:p>
+          <a:p>
+            <a:pPr>
+              <a:lnSpc>
+                <a:spcPct val="120000"/>
+              </a:lnSpc>
+            </a:pPr>
+            <a:r>
+              <a:rPr lang="en-US" sz="2400" dirty="0"/>
+              <a:t>It felt unwise to be basing</a:t>
+            </a:r>
+            <a:br>
+              <a:rPr lang="en-US" sz="2400" dirty="0"/>
+            </a:br>
+            <a:r>
+              <a:rPr lang="en-US" sz="2400" dirty="0"/>
+              <a:t>decisions on anything other than</a:t>
+            </a:r>
+            <a:br>
+              <a:rPr lang="en-US" sz="2400" dirty="0"/>
+            </a:br>
+            <a:r>
+              <a:rPr lang="en-US" sz="2400" dirty="0"/>
+              <a:t>apartments</a:t>
+            </a:r>
+          </a:p>
+        </p:txBody>
+      </p:sp>
+      <p:sp>
+        <p:nvSpPr>
+          <p:cNvPr id="10" name="Rectangle 9">
+            <a:extLst>
+              <a:ext uri="{FF2B5EF4-FFF2-40B4-BE49-F238E27FC236}">
+                <a16:creationId xmlns:a16="http://schemas.microsoft.com/office/drawing/2014/main" id="{6CAA653E-B137-E644-A7D7-1C2FF1D6463D}"/>
+              </a:ext>
+            </a:extLst>
+          </p:cNvPr>
+          <p:cNvSpPr/>
+          <p:nvPr/>
+        </p:nvSpPr>
+        <p:spPr>
+          <a:xfrm>
+            <a:off x="0" y="0"/>
+            <a:ext cx="504497" cy="6936828"/>
+          </a:xfrm>
+          <a:prstGeom prst="rect">
+            <a:avLst/>
+          </a:prstGeom>
+          <a:solidFill>
+            <a:srgbClr val="F9B322"/>
+          </a:solidFill>
+          <a:ln>
+            <a:noFill/>
+          </a:ln>
+        </p:spPr>
+        <p:style>
+          <a:lnRef idx="2">
+            <a:schemeClr val="accent1">
+              <a:shade val="50000"/>
+            </a:schemeClr>
+          </a:lnRef>
+          <a:fillRef idx="1">
+            <a:schemeClr val="accent1"/>
+          </a:fillRef>
+          <a:effectRef idx="0">
+            <a:schemeClr val="accent1"/>
+          </a:effectRef>
+          <a:fontRef idx="minor">
+            <a:schemeClr val="lt1"/>
+          </a:fontRef>
+        </p:style>
+        <p:txBody>
+          <a:bodyPr rtlCol="0" anchor="ctr"/>
+          <a:lstStyle/>
+          <a:p>
+            <a:pPr algn="ctr"/>
+            <a:endParaRPr lang="en-US"/>
+          </a:p>
+        </p:txBody>
+      </p:sp>
+    </p:spTree>
+    <p:extLst>
+      <p:ext uri="{BB962C8B-B14F-4D97-AF65-F5344CB8AC3E}">
+        <p14:creationId xmlns:p14="http://schemas.microsoft.com/office/powerpoint/2010/main" val="1116884221"/>
+      </p:ext>
+    </p:extLst>
+  </p:cSld>
+  <p:clrMapOvr>
+    <a:masterClrMapping/>
+  </p:clrMapOvr>
+</p:sld>
+</file>
+
+<file path=ppt/slides/slide11.xml><?xml version="1.0" encoding="utf-8"?>
+<p:sld xmlns:a="http://schemas.openxmlformats.org/drawingml/2006/main" xmlns:r="http://schemas.openxmlformats.org/officeDocument/2006/relationships" xmlns:p="http://schemas.openxmlformats.org/presentationml/2006/main">
+  <p:cSld>
+    <p:spTree>
+      <p:nvGrpSpPr>
+        <p:cNvPr id="1" name=""/>
+        <p:cNvGrpSpPr/>
+        <p:nvPr/>
+      </p:nvGrpSpPr>
+      <p:grpSpPr>
+        <a:xfrm>
+          <a:off x="0" y="0"/>
+          <a:ext cx="0" cy="0"/>
+          <a:chOff x="0" y="0"/>
+          <a:chExt cx="0" cy="0"/>
+        </a:xfrm>
+      </p:grpSpPr>
+      <p:pic>
+        <p:nvPicPr>
+          <p:cNvPr id="3" name="Picture 2">
+            <a:extLst>
+              <a:ext uri="{FF2B5EF4-FFF2-40B4-BE49-F238E27FC236}">
+                <a16:creationId xmlns:a16="http://schemas.microsoft.com/office/drawing/2014/main" id="{5454DFBF-B196-AA4F-B803-45F1D28332E4}"/>
+              </a:ext>
+            </a:extLst>
+          </p:cNvPr>
+          <p:cNvPicPr>
+            <a:picLocks noChangeAspect="1"/>
+          </p:cNvPicPr>
+          <p:nvPr/>
+        </p:nvPicPr>
+        <p:blipFill>
+          <a:blip r:embed="rId2"/>
+          <a:stretch>
+            <a:fillRect/>
+          </a:stretch>
+        </p:blipFill>
+        <p:spPr>
+          <a:xfrm>
+            <a:off x="6725823" y="2681785"/>
+            <a:ext cx="5061965" cy="3817391"/>
+          </a:xfrm>
+          <a:prstGeom prst="rect">
+            <a:avLst/>
+          </a:prstGeom>
+          <a:effectLst>
+            <a:outerShdw blurRad="152400" dist="38100" dir="2700000" algn="tl" rotWithShape="0">
+              <a:prstClr val="black">
+                <a:alpha val="40000"/>
+              </a:prstClr>
+            </a:outerShdw>
+          </a:effectLst>
+        </p:spPr>
+      </p:pic>
+      <p:sp>
+        <p:nvSpPr>
+          <p:cNvPr id="6" name="Content Placeholder 2">
+            <a:extLst>
+              <a:ext uri="{FF2B5EF4-FFF2-40B4-BE49-F238E27FC236}">
+                <a16:creationId xmlns:a16="http://schemas.microsoft.com/office/drawing/2014/main" id="{DBD3A432-9AC2-914E-AE28-086F832CB8A9}"/>
+              </a:ext>
+            </a:extLst>
+          </p:cNvPr>
+          <p:cNvSpPr>
+            <a:spLocks noGrp="1"/>
+          </p:cNvSpPr>
+          <p:nvPr>
+            <p:ph idx="1"/>
+          </p:nvPr>
+        </p:nvSpPr>
+        <p:spPr>
+          <a:xfrm>
+            <a:off x="1954924" y="1240221"/>
+            <a:ext cx="9335814" cy="5467514"/>
+          </a:xfrm>
+        </p:spPr>
+        <p:txBody>
+          <a:bodyPr>
+            <a:normAutofit fontScale="85000" lnSpcReduction="20000"/>
+          </a:bodyPr>
+          <a:lstStyle/>
+          <a:p>
+            <a:pPr>
+              <a:lnSpc>
+                <a:spcPct val="120000"/>
+              </a:lnSpc>
+            </a:pPr>
+            <a:r>
+              <a:rPr lang="en-US" dirty="0"/>
+              <a:t>This led to further exploration of the data and we found </a:t>
+            </a:r>
+            <a:br>
+              <a:rPr lang="en-US" dirty="0"/>
+            </a:br>
+            <a:r>
+              <a:rPr lang="en-US" dirty="0"/>
+              <a:t>a number of results didn’t ring true.</a:t>
+            </a:r>
+            <a:br>
+              <a:rPr lang="en-US" dirty="0"/>
+            </a:br>
+            <a:endParaRPr lang="en-US" dirty="0"/>
+          </a:p>
+          <a:p>
+            <a:pPr>
+              <a:lnSpc>
+                <a:spcPct val="120000"/>
+              </a:lnSpc>
+            </a:pPr>
+            <a:r>
+              <a:rPr lang="en-US" dirty="0"/>
+              <a:t>Was Brooklyn really getting </a:t>
+            </a:r>
+            <a:br>
+              <a:rPr lang="en-US" dirty="0"/>
+            </a:br>
+            <a:r>
+              <a:rPr lang="en-US" dirty="0"/>
+              <a:t>the most reviews per month?</a:t>
+            </a:r>
+            <a:br>
+              <a:rPr lang="en-US" dirty="0"/>
+            </a:br>
+            <a:r>
+              <a:rPr lang="en-US" dirty="0"/>
+              <a:t> </a:t>
+            </a:r>
+          </a:p>
+          <a:p>
+            <a:pPr>
+              <a:lnSpc>
+                <a:spcPct val="120000"/>
+              </a:lnSpc>
+            </a:pPr>
+            <a:r>
+              <a:rPr lang="en-US" dirty="0"/>
+              <a:t>Areas of very small data sets</a:t>
+            </a:r>
+            <a:br>
+              <a:rPr lang="en-US" dirty="0"/>
+            </a:br>
+            <a:r>
+              <a:rPr lang="en-US" dirty="0"/>
+              <a:t>were dramatically skewing the</a:t>
+            </a:r>
+            <a:br>
+              <a:rPr lang="en-US" dirty="0"/>
+            </a:br>
+            <a:r>
+              <a:rPr lang="en-US" dirty="0"/>
+              <a:t>results in a number of areas.</a:t>
+            </a:r>
+          </a:p>
+        </p:txBody>
+      </p:sp>
+      <p:sp>
+        <p:nvSpPr>
+          <p:cNvPr id="7" name="Rectangle 6">
+            <a:extLst>
+              <a:ext uri="{FF2B5EF4-FFF2-40B4-BE49-F238E27FC236}">
+                <a16:creationId xmlns:a16="http://schemas.microsoft.com/office/drawing/2014/main" id="{2E40D634-B637-AD40-9A07-4D10AFF75408}"/>
+              </a:ext>
+            </a:extLst>
+          </p:cNvPr>
+          <p:cNvSpPr/>
+          <p:nvPr/>
+        </p:nvSpPr>
+        <p:spPr>
+          <a:xfrm>
+            <a:off x="1610036" y="471496"/>
+            <a:ext cx="8060412" cy="643831"/>
+          </a:xfrm>
+          <a:prstGeom prst="rect">
+            <a:avLst/>
+          </a:prstGeom>
+        </p:spPr>
+        <p:txBody>
+          <a:bodyPr wrap="none">
+            <a:spAutoFit/>
+          </a:bodyPr>
+          <a:lstStyle/>
+          <a:p>
+            <a:pPr>
+              <a:lnSpc>
+                <a:spcPct val="120000"/>
+              </a:lnSpc>
+            </a:pPr>
+            <a:r>
+              <a:rPr lang="en-AU" sz="3200" dirty="0"/>
+              <a:t>Fourth Wave - small data misleading outcomes </a:t>
+            </a:r>
+          </a:p>
+        </p:txBody>
+      </p:sp>
+      <p:pic>
+        <p:nvPicPr>
+          <p:cNvPr id="7186" name="Picture 18" descr="Download Free png Red-arrow Free PNG Images &amp; Clipart Download #1212838 -  Sccpre.Cat - DLPNG.com">
+            <a:extLst>
+              <a:ext uri="{FF2B5EF4-FFF2-40B4-BE49-F238E27FC236}">
+                <a16:creationId xmlns:a16="http://schemas.microsoft.com/office/drawing/2014/main" id="{18B7785D-6E7E-4947-A5C3-163A00CEE150}"/>
+              </a:ext>
+            </a:extLst>
+          </p:cNvPr>
+          <p:cNvPicPr>
+            <a:picLocks noChangeAspect="1" noChangeArrowheads="1"/>
+          </p:cNvPicPr>
+          <p:nvPr/>
+        </p:nvPicPr>
+        <p:blipFill>
+          <a:blip r:embed="rId3">
+            <a:extLst>
+              <a:ext uri="{28A0092B-C50C-407E-A947-70E740481C1C}">
+                <a14:useLocalDpi xmlns:a14="http://schemas.microsoft.com/office/drawing/2010/main" val="0"/>
+              </a:ext>
+            </a:extLst>
+          </a:blip>
+          <a:srcRect/>
+          <a:stretch>
+            <a:fillRect/>
+          </a:stretch>
+        </p:blipFill>
+        <p:spPr bwMode="auto">
+          <a:xfrm rot="4670653">
+            <a:off x="8285727" y="3051090"/>
+            <a:ext cx="1362132" cy="1302909"/>
+          </a:xfrm>
+          <a:prstGeom prst="rect">
+            <a:avLst/>
+          </a:prstGeom>
+          <a:noFill/>
+          <a:extLst>
+            <a:ext uri="{909E8E84-426E-40DD-AFC4-6F175D3DCCD1}">
+              <a14:hiddenFill xmlns:a14="http://schemas.microsoft.com/office/drawing/2010/main">
+                <a:solidFill>
+                  <a:srgbClr val="FFFFFF"/>
+                </a:solidFill>
+              </a14:hiddenFill>
+            </a:ext>
+          </a:extLst>
+        </p:spPr>
+      </p:pic>
+      <p:pic>
+        <p:nvPicPr>
+          <p:cNvPr id="7188" name="Picture 20" descr="Red Question Mark Clipart - Free Clipart Images - ClipArt Best - ClipArt  Best">
+            <a:extLst>
+              <a:ext uri="{FF2B5EF4-FFF2-40B4-BE49-F238E27FC236}">
+                <a16:creationId xmlns:a16="http://schemas.microsoft.com/office/drawing/2014/main" id="{362D4FC5-E9B9-104F-BA67-6D256D0E1A21}"/>
+              </a:ext>
+            </a:extLst>
+          </p:cNvPr>
+          <p:cNvPicPr>
+            <a:picLocks noChangeAspect="1" noChangeArrowheads="1"/>
+          </p:cNvPicPr>
+          <p:nvPr/>
+        </p:nvPicPr>
+        <p:blipFill>
+          <a:blip r:embed="rId4">
+            <a:extLst>
+              <a:ext uri="{28A0092B-C50C-407E-A947-70E740481C1C}">
+                <a14:useLocalDpi xmlns:a14="http://schemas.microsoft.com/office/drawing/2010/main" val="0"/>
+              </a:ext>
+            </a:extLst>
+          </a:blip>
+          <a:srcRect/>
+          <a:stretch>
+            <a:fillRect/>
+          </a:stretch>
+        </p:blipFill>
+        <p:spPr bwMode="auto">
+          <a:xfrm rot="1123718">
+            <a:off x="9795727" y="3005600"/>
+            <a:ext cx="1330431" cy="1625355"/>
+          </a:xfrm>
+          <a:prstGeom prst="rect">
+            <a:avLst/>
+          </a:prstGeom>
+          <a:noFill/>
+          <a:extLst>
+            <a:ext uri="{909E8E84-426E-40DD-AFC4-6F175D3DCCD1}">
+              <a14:hiddenFill xmlns:a14="http://schemas.microsoft.com/office/drawing/2010/main">
+                <a:solidFill>
+                  <a:srgbClr val="FFFFFF"/>
+                </a:solidFill>
+              </a14:hiddenFill>
+            </a:ext>
+          </a:extLst>
+        </p:spPr>
+      </p:pic>
+      <p:sp>
+        <p:nvSpPr>
+          <p:cNvPr id="9" name="Rectangle 8">
+            <a:extLst>
+              <a:ext uri="{FF2B5EF4-FFF2-40B4-BE49-F238E27FC236}">
+                <a16:creationId xmlns:a16="http://schemas.microsoft.com/office/drawing/2014/main" id="{A3162FEB-D947-284A-8875-30255CAF40FF}"/>
+              </a:ext>
+            </a:extLst>
+          </p:cNvPr>
+          <p:cNvSpPr/>
+          <p:nvPr/>
+        </p:nvSpPr>
+        <p:spPr>
+          <a:xfrm>
+            <a:off x="0" y="0"/>
+            <a:ext cx="504497" cy="6936828"/>
+          </a:xfrm>
+          <a:prstGeom prst="rect">
+            <a:avLst/>
+          </a:prstGeom>
+          <a:solidFill>
+            <a:srgbClr val="F9B322"/>
+          </a:solidFill>
+          <a:ln>
+            <a:noFill/>
+          </a:ln>
+        </p:spPr>
+        <p:style>
+          <a:lnRef idx="2">
+            <a:schemeClr val="accent1">
+              <a:shade val="50000"/>
+            </a:schemeClr>
+          </a:lnRef>
+          <a:fillRef idx="1">
+            <a:schemeClr val="accent1"/>
+          </a:fillRef>
+          <a:effectRef idx="0">
+            <a:schemeClr val="accent1"/>
+          </a:effectRef>
+          <a:fontRef idx="minor">
+            <a:schemeClr val="lt1"/>
+          </a:fontRef>
+        </p:style>
+        <p:txBody>
+          <a:bodyPr rtlCol="0" anchor="ctr"/>
+          <a:lstStyle/>
+          <a:p>
+            <a:pPr algn="ctr"/>
+            <a:endParaRPr lang="en-US"/>
+          </a:p>
+        </p:txBody>
+      </p:sp>
+    </p:spTree>
+    <p:extLst>
+      <p:ext uri="{BB962C8B-B14F-4D97-AF65-F5344CB8AC3E}">
+        <p14:creationId xmlns:p14="http://schemas.microsoft.com/office/powerpoint/2010/main" val="1233976079"/>
+      </p:ext>
+    </p:extLst>
+  </p:cSld>
+  <p:clrMapOvr>
+    <a:masterClrMapping/>
+  </p:clrMapOvr>
+</p:sld>
+</file>
+
+<file path=ppt/slides/slide12.xml><?xml version="1.0" encoding="utf-8"?>
+<p:sld xmlns:a="http://schemas.openxmlformats.org/drawingml/2006/main" xmlns:r="http://schemas.openxmlformats.org/officeDocument/2006/relationships" xmlns:p="http://schemas.openxmlformats.org/presentationml/2006/main">
+  <p:cSld>
+    <p:spTree>
+      <p:nvGrpSpPr>
+        <p:cNvPr id="1" name=""/>
+        <p:cNvGrpSpPr/>
+        <p:nvPr/>
+      </p:nvGrpSpPr>
+      <p:grpSpPr>
+        <a:xfrm>
+          <a:off x="0" y="0"/>
+          <a:ext cx="0" cy="0"/>
+          <a:chOff x="0" y="0"/>
+          <a:chExt cx="0" cy="0"/>
+        </a:xfrm>
+      </p:grpSpPr>
+      <p:pic>
+        <p:nvPicPr>
+          <p:cNvPr id="8200" name="Picture 8" descr="Black Circle 1393*786 transprent Png Free Download - Happiness,  Calligraphy, Text. - CleanPNG / KissPNG">
+            <a:extLst>
+              <a:ext uri="{FF2B5EF4-FFF2-40B4-BE49-F238E27FC236}">
+                <a16:creationId xmlns:a16="http://schemas.microsoft.com/office/drawing/2014/main" id="{EA6A9771-0723-564B-8787-DB3E5C00C4B7}"/>
+              </a:ext>
+            </a:extLst>
+          </p:cNvPr>
+          <p:cNvPicPr>
+            <a:picLocks noChangeAspect="1" noChangeArrowheads="1"/>
+          </p:cNvPicPr>
+          <p:nvPr/>
+        </p:nvPicPr>
+        <p:blipFill rotWithShape="1">
+          <a:blip r:embed="rId2">
+            <a:extLst>
+              <a:ext uri="{28A0092B-C50C-407E-A947-70E740481C1C}">
+                <a14:useLocalDpi xmlns:a14="http://schemas.microsoft.com/office/drawing/2010/main" val="0"/>
+              </a:ext>
+            </a:extLst>
+          </a:blip>
+          <a:srcRect l="14924" t="45807" r="28196" b="-4514"/>
+          <a:stretch/>
+        </p:blipFill>
+        <p:spPr bwMode="auto">
+          <a:xfrm rot="20795926">
+            <a:off x="1577533" y="4995555"/>
+            <a:ext cx="2808245" cy="1638143"/>
+          </a:xfrm>
+          <a:prstGeom prst="rect">
+            <a:avLst/>
+          </a:prstGeom>
+          <a:noFill/>
+          <a:extLst>
+            <a:ext uri="{909E8E84-426E-40DD-AFC4-6F175D3DCCD1}">
+              <a14:hiddenFill xmlns:a14="http://schemas.microsoft.com/office/drawing/2010/main">
+                <a:solidFill>
+                  <a:srgbClr val="FFFFFF"/>
+                </a:solidFill>
+              </a14:hiddenFill>
+            </a:ext>
+          </a:extLst>
+        </p:spPr>
+      </p:pic>
+      <p:pic>
+        <p:nvPicPr>
+          <p:cNvPr id="11" name="Picture 10">
+            <a:extLst>
+              <a:ext uri="{FF2B5EF4-FFF2-40B4-BE49-F238E27FC236}">
+                <a16:creationId xmlns:a16="http://schemas.microsoft.com/office/drawing/2014/main" id="{9E485ACD-BBB7-1646-825B-23D6E3E0E726}"/>
+              </a:ext>
+            </a:extLst>
+          </p:cNvPr>
+          <p:cNvPicPr>
+            <a:picLocks noChangeAspect="1"/>
+          </p:cNvPicPr>
+          <p:nvPr/>
+        </p:nvPicPr>
+        <p:blipFill rotWithShape="1">
+          <a:blip r:embed="rId3"/>
+          <a:srcRect l="-26" t="10948" r="8090" b="51988"/>
+          <a:stretch/>
+        </p:blipFill>
+        <p:spPr>
+          <a:xfrm>
+            <a:off x="5190365" y="2587956"/>
+            <a:ext cx="6629365" cy="4009021"/>
+          </a:xfrm>
+          <a:prstGeom prst="rect">
+            <a:avLst/>
+          </a:prstGeom>
+          <a:effectLst>
+            <a:outerShdw blurRad="152400" dist="38100" dir="2700000" algn="tl" rotWithShape="0">
+              <a:prstClr val="black">
+                <a:alpha val="40000"/>
+              </a:prstClr>
+            </a:outerShdw>
+          </a:effectLst>
+        </p:spPr>
+      </p:pic>
+      <p:sp>
+        <p:nvSpPr>
+          <p:cNvPr id="6" name="Content Placeholder 2">
+            <a:extLst>
+              <a:ext uri="{FF2B5EF4-FFF2-40B4-BE49-F238E27FC236}">
+                <a16:creationId xmlns:a16="http://schemas.microsoft.com/office/drawing/2014/main" id="{DBD3A432-9AC2-914E-AE28-086F832CB8A9}"/>
+              </a:ext>
+            </a:extLst>
+          </p:cNvPr>
+          <p:cNvSpPr>
+            <a:spLocks noGrp="1"/>
+          </p:cNvSpPr>
+          <p:nvPr>
+            <p:ph idx="1"/>
+          </p:nvPr>
+        </p:nvSpPr>
+        <p:spPr>
+          <a:xfrm>
+            <a:off x="1954924" y="1240221"/>
+            <a:ext cx="9335814" cy="5467514"/>
+          </a:xfrm>
+        </p:spPr>
+        <p:txBody>
+          <a:bodyPr>
+            <a:normAutofit fontScale="85000" lnSpcReduction="20000"/>
+          </a:bodyPr>
+          <a:lstStyle/>
+          <a:p>
+            <a:pPr>
+              <a:lnSpc>
+                <a:spcPct val="120000"/>
+              </a:lnSpc>
+            </a:pPr>
+            <a:r>
+              <a:rPr lang="en-US" dirty="0"/>
+              <a:t>We made a decision to remove any suburbs with low data points as</a:t>
+            </a:r>
+            <a:br>
+              <a:rPr lang="en-US" dirty="0"/>
+            </a:br>
+            <a:r>
+              <a:rPr lang="en-US" dirty="0"/>
+              <a:t>they were too small to be meaningful</a:t>
+            </a:r>
+            <a:br>
+              <a:rPr lang="en-US" dirty="0"/>
+            </a:br>
+            <a:endParaRPr lang="en-US" dirty="0"/>
+          </a:p>
+          <a:p>
+            <a:pPr>
+              <a:lnSpc>
+                <a:spcPct val="120000"/>
+              </a:lnSpc>
+            </a:pPr>
+            <a:r>
+              <a:rPr lang="en-US" dirty="0"/>
+              <a:t>The resulting data</a:t>
+            </a:r>
+            <a:br>
+              <a:rPr lang="en-US" dirty="0"/>
+            </a:br>
+            <a:r>
+              <a:rPr lang="en-US" dirty="0"/>
+              <a:t>passed the common</a:t>
+            </a:r>
+            <a:br>
+              <a:rPr lang="en-US" dirty="0"/>
+            </a:br>
+            <a:r>
+              <a:rPr lang="en-US" dirty="0"/>
+              <a:t>sense test</a:t>
+            </a:r>
+            <a:br>
+              <a:rPr lang="en-US" dirty="0"/>
+            </a:br>
+            <a:endParaRPr lang="en-US" dirty="0"/>
+          </a:p>
+          <a:p>
+            <a:pPr marL="0" indent="0">
+              <a:lnSpc>
+                <a:spcPct val="120000"/>
+              </a:lnSpc>
+              <a:buNone/>
+            </a:pPr>
+            <a:r>
+              <a:rPr lang="en-US" b="1" dirty="0"/>
+              <a:t>At each wave a new</a:t>
+            </a:r>
+            <a:br>
+              <a:rPr lang="en-US" b="1" dirty="0"/>
+            </a:br>
+            <a:r>
+              <a:rPr lang="en-US" b="1" dirty="0"/>
+              <a:t>CSV was exported</a:t>
+            </a:r>
+          </a:p>
+        </p:txBody>
+      </p:sp>
+      <p:sp>
+        <p:nvSpPr>
+          <p:cNvPr id="7" name="Rectangle 6">
+            <a:extLst>
+              <a:ext uri="{FF2B5EF4-FFF2-40B4-BE49-F238E27FC236}">
+                <a16:creationId xmlns:a16="http://schemas.microsoft.com/office/drawing/2014/main" id="{2E40D634-B637-AD40-9A07-4D10AFF75408}"/>
+              </a:ext>
+            </a:extLst>
+          </p:cNvPr>
+          <p:cNvSpPr/>
+          <p:nvPr/>
+        </p:nvSpPr>
+        <p:spPr>
+          <a:xfrm>
+            <a:off x="1610036" y="471496"/>
+            <a:ext cx="8060412" cy="643831"/>
+          </a:xfrm>
+          <a:prstGeom prst="rect">
+            <a:avLst/>
+          </a:prstGeom>
+        </p:spPr>
+        <p:txBody>
+          <a:bodyPr wrap="none">
+            <a:spAutoFit/>
+          </a:bodyPr>
+          <a:lstStyle/>
+          <a:p>
+            <a:pPr>
+              <a:lnSpc>
+                <a:spcPct val="120000"/>
+              </a:lnSpc>
+            </a:pPr>
+            <a:r>
+              <a:rPr lang="en-AU" sz="3200" dirty="0"/>
+              <a:t>Fourth Wave - small data misleading outcomes </a:t>
+            </a:r>
+          </a:p>
+        </p:txBody>
+      </p:sp>
+      <p:sp>
+        <p:nvSpPr>
+          <p:cNvPr id="9" name="Rectangle 8">
+            <a:extLst>
+              <a:ext uri="{FF2B5EF4-FFF2-40B4-BE49-F238E27FC236}">
+                <a16:creationId xmlns:a16="http://schemas.microsoft.com/office/drawing/2014/main" id="{BA593B3B-A06B-F54F-A59A-BAA87501B73E}"/>
+              </a:ext>
+            </a:extLst>
+          </p:cNvPr>
+          <p:cNvSpPr/>
+          <p:nvPr/>
+        </p:nvSpPr>
+        <p:spPr>
+          <a:xfrm>
+            <a:off x="0" y="0"/>
+            <a:ext cx="504497" cy="6936828"/>
+          </a:xfrm>
+          <a:prstGeom prst="rect">
+            <a:avLst/>
+          </a:prstGeom>
+          <a:solidFill>
+            <a:srgbClr val="F9B322"/>
+          </a:solidFill>
+          <a:ln>
+            <a:noFill/>
+          </a:ln>
+        </p:spPr>
+        <p:style>
+          <a:lnRef idx="2">
+            <a:schemeClr val="accent1">
+              <a:shade val="50000"/>
+            </a:schemeClr>
+          </a:lnRef>
+          <a:fillRef idx="1">
+            <a:schemeClr val="accent1"/>
+          </a:fillRef>
+          <a:effectRef idx="0">
+            <a:schemeClr val="accent1"/>
+          </a:effectRef>
+          <a:fontRef idx="minor">
+            <a:schemeClr val="lt1"/>
+          </a:fontRef>
+        </p:style>
+        <p:txBody>
+          <a:bodyPr rtlCol="0" anchor="ctr"/>
+          <a:lstStyle/>
+          <a:p>
+            <a:pPr algn="ctr"/>
+            <a:endParaRPr lang="en-US"/>
+          </a:p>
+        </p:txBody>
+      </p:sp>
+    </p:spTree>
+    <p:extLst>
+      <p:ext uri="{BB962C8B-B14F-4D97-AF65-F5344CB8AC3E}">
+        <p14:creationId xmlns:p14="http://schemas.microsoft.com/office/powerpoint/2010/main" val="2122889585"/>
+      </p:ext>
+    </p:extLst>
+  </p:cSld>
+  <p:clrMapOvr>
+    <a:masterClrMapping/>
+  </p:clrMapOvr>
+</p:sld>
+</file>
+
+<file path=ppt/slides/slide13.xml><?xml version="1.0" encoding="utf-8"?>
+<p:sld xmlns:a="http://schemas.openxmlformats.org/drawingml/2006/main" xmlns:r="http://schemas.openxmlformats.org/officeDocument/2006/relationships" xmlns:p="http://schemas.openxmlformats.org/presentationml/2006/main">
+  <p:cSld>
+    <p:spTree>
+      <p:nvGrpSpPr>
+        <p:cNvPr id="1" name=""/>
+        <p:cNvGrpSpPr/>
+        <p:nvPr/>
+      </p:nvGrpSpPr>
+      <p:grpSpPr>
+        <a:xfrm>
+          <a:off x="0" y="0"/>
+          <a:ext cx="0" cy="0"/>
+          <a:chOff x="0" y="0"/>
+          <a:chExt cx="0" cy="0"/>
+        </a:xfrm>
+      </p:grpSpPr>
+      <p:sp>
+        <p:nvSpPr>
+          <p:cNvPr id="6" name="Title 5">
+            <a:extLst>
+              <a:ext uri="{FF2B5EF4-FFF2-40B4-BE49-F238E27FC236}">
+                <a16:creationId xmlns:a16="http://schemas.microsoft.com/office/drawing/2014/main" id="{25E05E84-05D6-8740-93A0-CC18738B72D4}"/>
+              </a:ext>
+            </a:extLst>
+          </p:cNvPr>
+          <p:cNvSpPr>
+            <a:spLocks noGrp="1"/>
+          </p:cNvSpPr>
+          <p:nvPr>
+            <p:ph type="title"/>
+          </p:nvPr>
+        </p:nvSpPr>
+        <p:spPr>
+          <a:xfrm>
+            <a:off x="3870649" y="1428816"/>
+            <a:ext cx="4713514" cy="2490041"/>
+          </a:xfrm>
+        </p:spPr>
+        <p:txBody>
+          <a:bodyPr>
+            <a:normAutofit/>
+          </a:bodyPr>
+          <a:lstStyle/>
+          <a:p>
+            <a:r>
+              <a:rPr lang="en-US" sz="5400" b="1" dirty="0"/>
+              <a:t>DATA ANALYSIS</a:t>
+            </a:r>
+            <a:endParaRPr lang="en-US" sz="5400" dirty="0"/>
+          </a:p>
+        </p:txBody>
+      </p:sp>
+      <p:sp>
+        <p:nvSpPr>
+          <p:cNvPr id="7" name="Rectangle 6">
+            <a:extLst>
+              <a:ext uri="{FF2B5EF4-FFF2-40B4-BE49-F238E27FC236}">
+                <a16:creationId xmlns:a16="http://schemas.microsoft.com/office/drawing/2014/main" id="{F47C9A1D-23A4-C94F-92F5-65563E7F593C}"/>
+              </a:ext>
+            </a:extLst>
+          </p:cNvPr>
+          <p:cNvSpPr/>
+          <p:nvPr/>
+        </p:nvSpPr>
+        <p:spPr>
+          <a:xfrm>
+            <a:off x="0" y="0"/>
+            <a:ext cx="504497" cy="6936828"/>
+          </a:xfrm>
+          <a:prstGeom prst="rect">
+            <a:avLst/>
+          </a:prstGeom>
+          <a:solidFill>
+            <a:srgbClr val="F9B322"/>
+          </a:solidFill>
+          <a:ln>
+            <a:noFill/>
+          </a:ln>
+        </p:spPr>
+        <p:style>
+          <a:lnRef idx="2">
+            <a:schemeClr val="accent1">
+              <a:shade val="50000"/>
+            </a:schemeClr>
+          </a:lnRef>
+          <a:fillRef idx="1">
+            <a:schemeClr val="accent1"/>
+          </a:fillRef>
+          <a:effectRef idx="0">
+            <a:schemeClr val="accent1"/>
+          </a:effectRef>
+          <a:fontRef idx="minor">
+            <a:schemeClr val="lt1"/>
+          </a:fontRef>
+        </p:style>
+        <p:txBody>
+          <a:bodyPr rtlCol="0" anchor="ctr"/>
+          <a:lstStyle/>
+          <a:p>
+            <a:pPr algn="ctr"/>
+            <a:endParaRPr lang="en-US"/>
+          </a:p>
+        </p:txBody>
+      </p:sp>
+    </p:spTree>
+    <p:extLst>
+      <p:ext uri="{BB962C8B-B14F-4D97-AF65-F5344CB8AC3E}">
+        <p14:creationId xmlns:p14="http://schemas.microsoft.com/office/powerpoint/2010/main" val="3739221252"/>
+      </p:ext>
+    </p:extLst>
+  </p:cSld>
+  <p:clrMapOvr>
+    <a:masterClrMapping/>
+  </p:clrMapOvr>
+</p:sld>
+</file>
+
+<file path=ppt/slides/slide14.xml><?xml version="1.0" encoding="utf-8"?>
+<p:sld xmlns:a="http://schemas.openxmlformats.org/drawingml/2006/main" xmlns:r="http://schemas.openxmlformats.org/officeDocument/2006/relationships" xmlns:p="http://schemas.openxmlformats.org/presentationml/2006/main">
+  <p:cSld>
+    <p:spTree>
+      <p:nvGrpSpPr>
+        <p:cNvPr id="1" name=""/>
+        <p:cNvGrpSpPr/>
+        <p:nvPr/>
+      </p:nvGrpSpPr>
+      <p:grpSpPr>
+        <a:xfrm>
+          <a:off x="0" y="0"/>
+          <a:ext cx="0" cy="0"/>
+          <a:chOff x="0" y="0"/>
+          <a:chExt cx="0" cy="0"/>
+        </a:xfrm>
+      </p:grpSpPr>
+      <p:sp>
+        <p:nvSpPr>
+          <p:cNvPr id="6" name="Title 5">
+            <a:extLst>
+              <a:ext uri="{FF2B5EF4-FFF2-40B4-BE49-F238E27FC236}">
+                <a16:creationId xmlns:a16="http://schemas.microsoft.com/office/drawing/2014/main" id="{25E05E84-05D6-8740-93A0-CC18738B72D4}"/>
+              </a:ext>
+            </a:extLst>
+          </p:cNvPr>
+          <p:cNvSpPr>
+            <a:spLocks noGrp="1"/>
+          </p:cNvSpPr>
+          <p:nvPr>
+            <p:ph type="title"/>
+          </p:nvPr>
+        </p:nvSpPr>
+        <p:spPr>
+          <a:xfrm>
+            <a:off x="838200" y="365126"/>
+            <a:ext cx="10515600" cy="689233"/>
+          </a:xfrm>
+        </p:spPr>
+        <p:txBody>
+          <a:bodyPr>
+            <a:normAutofit fontScale="90000"/>
+          </a:bodyPr>
+          <a:lstStyle/>
+          <a:p>
+            <a:r>
+              <a:rPr lang="en-US" b="1" dirty="0"/>
+              <a:t>Connecting Parameters to Actual Data</a:t>
+            </a:r>
+            <a:endParaRPr lang="en-US" dirty="0"/>
+          </a:p>
+        </p:txBody>
+      </p:sp>
+      <p:graphicFrame>
+        <p:nvGraphicFramePr>
+          <p:cNvPr id="7" name="Table 7">
+            <a:extLst>
+              <a:ext uri="{FF2B5EF4-FFF2-40B4-BE49-F238E27FC236}">
+                <a16:creationId xmlns:a16="http://schemas.microsoft.com/office/drawing/2014/main" id="{159C6DD7-FB38-423E-9955-FA06B09442E3}"/>
+              </a:ext>
+            </a:extLst>
+          </p:cNvPr>
+          <p:cNvGraphicFramePr>
+            <a:graphicFrameLocks noGrp="1"/>
+          </p:cNvGraphicFramePr>
+          <p:nvPr>
+            <p:ph idx="1"/>
+          </p:nvPr>
+        </p:nvGraphicFramePr>
+        <p:xfrm>
+          <a:off x="830424" y="1418253"/>
+          <a:ext cx="10692883" cy="5074620"/>
+        </p:xfrm>
+        <a:graphic>
+          <a:graphicData uri="http://schemas.openxmlformats.org/drawingml/2006/table">
+            <a:tbl>
+              <a:tblPr firstRow="1" bandRow="1">
+                <a:tableStyleId>{5C22544A-7EE6-4342-B048-85BDC9FD1C3A}</a:tableStyleId>
+              </a:tblPr>
+              <a:tblGrid>
+                <a:gridCol w="681135">
+                  <a:extLst>
+                    <a:ext uri="{9D8B030D-6E8A-4147-A177-3AD203B41FA5}">
+                      <a16:colId xmlns:a16="http://schemas.microsoft.com/office/drawing/2014/main" val="992409500"/>
+                    </a:ext>
+                  </a:extLst>
+                </a:gridCol>
+                <a:gridCol w="5047861">
+                  <a:extLst>
+                    <a:ext uri="{9D8B030D-6E8A-4147-A177-3AD203B41FA5}">
+                      <a16:colId xmlns:a16="http://schemas.microsoft.com/office/drawing/2014/main" val="820299169"/>
+                    </a:ext>
+                  </a:extLst>
+                </a:gridCol>
+                <a:gridCol w="4963887">
+                  <a:extLst>
+                    <a:ext uri="{9D8B030D-6E8A-4147-A177-3AD203B41FA5}">
+                      <a16:colId xmlns:a16="http://schemas.microsoft.com/office/drawing/2014/main" val="948672756"/>
+                    </a:ext>
+                  </a:extLst>
+                </a:gridCol>
+              </a:tblGrid>
+              <a:tr h="1014924">
+                <a:tc>
+                  <a:txBody>
+                    <a:bodyPr/>
+                    <a:lstStyle/>
+                    <a:p>
+                      <a:pPr algn="ctr"/>
+                      <a:endParaRPr lang="en-AU" sz="3200" dirty="0"/>
+                    </a:p>
+                  </a:txBody>
+                  <a:tcPr/>
+                </a:tc>
+                <a:tc>
+                  <a:txBody>
+                    <a:bodyPr/>
+                    <a:lstStyle/>
+                    <a:p>
+                      <a:pPr algn="ctr"/>
+                      <a:r>
+                        <a:rPr lang="en-US" sz="3200" dirty="0"/>
+                        <a:t>Analysis Parameter</a:t>
+                      </a:r>
+                      <a:endParaRPr lang="en-AU" sz="3200" dirty="0"/>
+                    </a:p>
+                  </a:txBody>
+                  <a:tcPr/>
+                </a:tc>
+                <a:tc>
+                  <a:txBody>
+                    <a:bodyPr/>
+                    <a:lstStyle/>
+                    <a:p>
+                      <a:pPr algn="ctr"/>
+                      <a:r>
+                        <a:rPr lang="en-US" sz="3200" dirty="0"/>
+                        <a:t>Indicator</a:t>
+                      </a:r>
+                      <a:endParaRPr lang="en-AU" sz="3200" dirty="0"/>
+                    </a:p>
+                  </a:txBody>
+                  <a:tcPr/>
+                </a:tc>
+                <a:extLst>
+                  <a:ext uri="{0D108BD9-81ED-4DB2-BD59-A6C34878D82A}">
+                    <a16:rowId xmlns:a16="http://schemas.microsoft.com/office/drawing/2014/main" val="3355766679"/>
+                  </a:ext>
+                </a:extLst>
+              </a:tr>
+              <a:tr h="1014924">
+                <a:tc>
+                  <a:txBody>
+                    <a:bodyPr/>
+                    <a:lstStyle/>
+                    <a:p>
+                      <a:r>
+                        <a:rPr lang="en-US" dirty="0"/>
+                        <a:t>1. </a:t>
+                      </a:r>
+                      <a:endParaRPr lang="en-AU" dirty="0"/>
+                    </a:p>
+                  </a:txBody>
+                  <a:tcPr/>
+                </a:tc>
+                <a:tc>
+                  <a:txBody>
+                    <a:bodyPr/>
+                    <a:lstStyle/>
+                    <a:p>
+                      <a:r>
+                        <a:rPr lang="en-US" dirty="0"/>
+                        <a:t>Proximity to CBD and Train Station</a:t>
+                      </a:r>
+                      <a:endParaRPr lang="en-AU" dirty="0"/>
+                    </a:p>
+                  </a:txBody>
+                  <a:tcPr/>
+                </a:tc>
+                <a:tc>
+                  <a:txBody>
+                    <a:bodyPr/>
+                    <a:lstStyle/>
+                    <a:p>
+                      <a:r>
+                        <a:rPr lang="en-US" dirty="0"/>
+                        <a:t>Calculated distance based on latitude and longitudinal position</a:t>
+                      </a:r>
+                      <a:endParaRPr lang="en-AU" dirty="0"/>
+                    </a:p>
+                  </a:txBody>
+                  <a:tcPr/>
+                </a:tc>
+                <a:extLst>
+                  <a:ext uri="{0D108BD9-81ED-4DB2-BD59-A6C34878D82A}">
+                    <a16:rowId xmlns:a16="http://schemas.microsoft.com/office/drawing/2014/main" val="2590147961"/>
+                  </a:ext>
+                </a:extLst>
+              </a:tr>
+              <a:tr h="1014924">
+                <a:tc>
+                  <a:txBody>
+                    <a:bodyPr/>
+                    <a:lstStyle/>
+                    <a:p>
+                      <a:r>
+                        <a:rPr lang="en-US" dirty="0"/>
+                        <a:t>2. </a:t>
+                      </a:r>
+                      <a:endParaRPr lang="en-AU" dirty="0"/>
+                    </a:p>
+                  </a:txBody>
+                  <a:tcPr/>
+                </a:tc>
+                <a:tc>
+                  <a:txBody>
+                    <a:bodyPr/>
+                    <a:lstStyle/>
+                    <a:p>
+                      <a:r>
+                        <a:rPr lang="en-US" dirty="0"/>
+                        <a:t>Earnings</a:t>
+                      </a:r>
+                      <a:endParaRPr lang="en-AU" dirty="0"/>
+                    </a:p>
+                  </a:txBody>
+                  <a:tcPr/>
+                </a:tc>
+                <a:tc>
+                  <a:txBody>
+                    <a:bodyPr/>
+                    <a:lstStyle/>
+                    <a:p>
+                      <a:r>
+                        <a:rPr lang="en-US" dirty="0"/>
+                        <a:t>Price/Day/Person </a:t>
+                      </a:r>
+                      <a:endParaRPr lang="en-AU" dirty="0"/>
+                    </a:p>
+                  </a:txBody>
+                  <a:tcPr/>
+                </a:tc>
+                <a:extLst>
+                  <a:ext uri="{0D108BD9-81ED-4DB2-BD59-A6C34878D82A}">
+                    <a16:rowId xmlns:a16="http://schemas.microsoft.com/office/drawing/2014/main" val="1004220520"/>
+                  </a:ext>
+                </a:extLst>
+              </a:tr>
+              <a:tr h="1014924">
+                <a:tc>
+                  <a:txBody>
+                    <a:bodyPr/>
+                    <a:lstStyle/>
+                    <a:p>
+                      <a:r>
+                        <a:rPr lang="en-US" dirty="0"/>
+                        <a:t>3.</a:t>
+                      </a:r>
+                      <a:endParaRPr lang="en-AU" dirty="0"/>
+                    </a:p>
+                  </a:txBody>
+                  <a:tcPr/>
+                </a:tc>
+                <a:tc>
+                  <a:txBody>
+                    <a:bodyPr/>
+                    <a:lstStyle/>
+                    <a:p>
+                      <a:r>
+                        <a:rPr lang="en-US" dirty="0"/>
+                        <a:t>Popularity of areas (Occupancy)</a:t>
+                      </a:r>
+                      <a:endParaRPr lang="en-AU" dirty="0"/>
+                    </a:p>
+                  </a:txBody>
+                  <a:tcPr/>
+                </a:tc>
+                <a:tc>
+                  <a:txBody>
+                    <a:bodyPr/>
+                    <a:lstStyle/>
+                    <a:p>
+                      <a:r>
+                        <a:rPr lang="en-US" dirty="0"/>
+                        <a:t>Reviews/month</a:t>
+                      </a:r>
+                      <a:endParaRPr lang="en-AU" dirty="0"/>
+                    </a:p>
+                  </a:txBody>
+                  <a:tcPr/>
+                </a:tc>
+                <a:extLst>
+                  <a:ext uri="{0D108BD9-81ED-4DB2-BD59-A6C34878D82A}">
+                    <a16:rowId xmlns:a16="http://schemas.microsoft.com/office/drawing/2014/main" val="3344417005"/>
+                  </a:ext>
+                </a:extLst>
+              </a:tr>
+              <a:tr h="1014924">
+                <a:tc>
+                  <a:txBody>
+                    <a:bodyPr/>
+                    <a:lstStyle/>
+                    <a:p>
+                      <a:r>
+                        <a:rPr lang="en-US" dirty="0"/>
+                        <a:t>4. </a:t>
+                      </a:r>
+                      <a:endParaRPr lang="en-AU" dirty="0"/>
+                    </a:p>
+                  </a:txBody>
+                  <a:tcPr/>
+                </a:tc>
+                <a:tc>
+                  <a:txBody>
+                    <a:bodyPr/>
+                    <a:lstStyle/>
+                    <a:p>
+                      <a:r>
+                        <a:rPr lang="en-US" dirty="0"/>
+                        <a:t>Neighborhoods</a:t>
+                      </a:r>
+                      <a:endParaRPr lang="en-AU" dirty="0"/>
+                    </a:p>
+                  </a:txBody>
+                  <a:tcPr/>
+                </a:tc>
+                <a:tc>
+                  <a:txBody>
+                    <a:bodyPr/>
+                    <a:lstStyle/>
+                    <a:p>
+                      <a:r>
+                        <a:rPr lang="en-US" dirty="0"/>
+                        <a:t>Suburbs names with more than 20 listings</a:t>
+                      </a:r>
+                      <a:endParaRPr lang="en-AU" dirty="0"/>
+                    </a:p>
+                  </a:txBody>
+                  <a:tcPr/>
+                </a:tc>
+                <a:extLst>
+                  <a:ext uri="{0D108BD9-81ED-4DB2-BD59-A6C34878D82A}">
+                    <a16:rowId xmlns:a16="http://schemas.microsoft.com/office/drawing/2014/main" val="3723971017"/>
+                  </a:ext>
+                </a:extLst>
+              </a:tr>
+            </a:tbl>
+          </a:graphicData>
+        </a:graphic>
+      </p:graphicFrame>
+      <p:sp>
+        <p:nvSpPr>
+          <p:cNvPr id="5" name="Rectangle 4">
+            <a:extLst>
+              <a:ext uri="{FF2B5EF4-FFF2-40B4-BE49-F238E27FC236}">
+                <a16:creationId xmlns:a16="http://schemas.microsoft.com/office/drawing/2014/main" id="{FDD8638D-86AE-224F-8172-AAF10C4F302E}"/>
+              </a:ext>
+            </a:extLst>
+          </p:cNvPr>
+          <p:cNvSpPr/>
+          <p:nvPr/>
+        </p:nvSpPr>
+        <p:spPr>
+          <a:xfrm>
+            <a:off x="0" y="0"/>
+            <a:ext cx="504497" cy="6936828"/>
+          </a:xfrm>
+          <a:prstGeom prst="rect">
+            <a:avLst/>
+          </a:prstGeom>
+          <a:solidFill>
+            <a:srgbClr val="F9B322"/>
+          </a:solidFill>
+          <a:ln>
+            <a:noFill/>
+          </a:ln>
+        </p:spPr>
+        <p:style>
+          <a:lnRef idx="2">
+            <a:schemeClr val="accent1">
+              <a:shade val="50000"/>
+            </a:schemeClr>
+          </a:lnRef>
+          <a:fillRef idx="1">
+            <a:schemeClr val="accent1"/>
+          </a:fillRef>
+          <a:effectRef idx="0">
+            <a:schemeClr val="accent1"/>
+          </a:effectRef>
+          <a:fontRef idx="minor">
+            <a:schemeClr val="lt1"/>
+          </a:fontRef>
+        </p:style>
+        <p:txBody>
+          <a:bodyPr rtlCol="0" anchor="ctr"/>
+          <a:lstStyle/>
+          <a:p>
+            <a:pPr algn="ctr"/>
+            <a:endParaRPr lang="en-US"/>
+          </a:p>
+        </p:txBody>
+      </p:sp>
+    </p:spTree>
+    <p:extLst>
+      <p:ext uri="{BB962C8B-B14F-4D97-AF65-F5344CB8AC3E}">
+        <p14:creationId xmlns:p14="http://schemas.microsoft.com/office/powerpoint/2010/main" val="2876730544"/>
+      </p:ext>
+    </p:extLst>
+  </p:cSld>
+  <p:clrMapOvr>
+    <a:masterClrMapping/>
+  </p:clrMapOvr>
+</p:sld>
+</file>
+
+<file path=ppt/slides/slide15.xml><?xml version="1.0" encoding="utf-8"?>
+<p:sld xmlns:a="http://schemas.openxmlformats.org/drawingml/2006/main" xmlns:r="http://schemas.openxmlformats.org/officeDocument/2006/relationships" xmlns:p="http://schemas.openxmlformats.org/presentationml/2006/main">
+  <p:cSld>
+    <p:spTree>
+      <p:nvGrpSpPr>
+        <p:cNvPr id="1" name=""/>
+        <p:cNvGrpSpPr/>
+        <p:nvPr/>
+      </p:nvGrpSpPr>
+      <p:grpSpPr>
+        <a:xfrm>
+          <a:off x="0" y="0"/>
+          <a:ext cx="0" cy="0"/>
+          <a:chOff x="0" y="0"/>
+          <a:chExt cx="0" cy="0"/>
+        </a:xfrm>
+      </p:grpSpPr>
+      <p:sp>
+        <p:nvSpPr>
+          <p:cNvPr id="5" name="Content Placeholder 4">
+            <a:extLst>
+              <a:ext uri="{FF2B5EF4-FFF2-40B4-BE49-F238E27FC236}">
+                <a16:creationId xmlns:a16="http://schemas.microsoft.com/office/drawing/2014/main" id="{F0E3F4B9-4B46-4D6E-9318-4DDE34915470}"/>
+              </a:ext>
+            </a:extLst>
+          </p:cNvPr>
+          <p:cNvSpPr>
+            <a:spLocks noGrp="1"/>
+          </p:cNvSpPr>
+          <p:nvPr>
+            <p:ph idx="1"/>
+          </p:nvPr>
+        </p:nvSpPr>
+        <p:spPr>
+          <a:xfrm>
+            <a:off x="587829" y="265282"/>
+            <a:ext cx="11168741" cy="6195929"/>
+          </a:xfrm>
+        </p:spPr>
+        <p:txBody>
+          <a:bodyPr/>
+          <a:lstStyle/>
+          <a:p>
+            <a:r>
+              <a:rPr lang="en-US" sz="2400" dirty="0"/>
+              <a:t>STEP 1: </a:t>
+            </a:r>
+            <a:r>
+              <a:rPr lang="en-AU" sz="2400" dirty="0">
+                <a:latin typeface="Calibri" panose="020F0502020204030204" pitchFamily="34" charset="0"/>
+                <a:cs typeface="Times New Roman" panose="02020603050405020304" pitchFamily="18" charset="0"/>
+              </a:rPr>
+              <a:t>Filter for</a:t>
+            </a:r>
+            <a:r>
+              <a:rPr lang="en-AU" sz="2400" dirty="0">
+                <a:effectLst/>
+                <a:latin typeface="Calibri" panose="020F0502020204030204" pitchFamily="34" charset="0"/>
+                <a:ea typeface="Calibri" panose="020F0502020204030204" pitchFamily="34" charset="0"/>
+                <a:cs typeface="Times New Roman" panose="02020603050405020304" pitchFamily="18" charset="0"/>
+              </a:rPr>
+              <a:t> relevant columns: city, suburb, property type, price/day and study  overall data information</a:t>
+            </a:r>
+          </a:p>
+          <a:p>
+            <a:endParaRPr lang="en-AU" dirty="0"/>
+          </a:p>
+        </p:txBody>
+      </p:sp>
+      <p:pic>
+        <p:nvPicPr>
+          <p:cNvPr id="7" name="Picture 6">
+            <a:extLst>
+              <a:ext uri="{FF2B5EF4-FFF2-40B4-BE49-F238E27FC236}">
+                <a16:creationId xmlns:a16="http://schemas.microsoft.com/office/drawing/2014/main" id="{C30F2A7B-3C44-435D-B6EB-4FEEABB8E4E7}"/>
+              </a:ext>
+            </a:extLst>
+          </p:cNvPr>
+          <p:cNvPicPr/>
+          <p:nvPr/>
+        </p:nvPicPr>
+        <p:blipFill>
+          <a:blip r:embed="rId2"/>
+          <a:stretch>
+            <a:fillRect/>
+          </a:stretch>
+        </p:blipFill>
+        <p:spPr>
+          <a:xfrm>
+            <a:off x="681597" y="1596591"/>
+            <a:ext cx="5281457" cy="2726541"/>
+          </a:xfrm>
+          <a:prstGeom prst="rect">
+            <a:avLst/>
+          </a:prstGeom>
+        </p:spPr>
+      </p:pic>
+      <p:pic>
+        <p:nvPicPr>
+          <p:cNvPr id="9" name="Picture 8">
+            <a:extLst>
+              <a:ext uri="{FF2B5EF4-FFF2-40B4-BE49-F238E27FC236}">
+                <a16:creationId xmlns:a16="http://schemas.microsoft.com/office/drawing/2014/main" id="{8AF1E76A-6A26-4B66-8080-446F67249445}"/>
+              </a:ext>
+            </a:extLst>
+          </p:cNvPr>
+          <p:cNvPicPr>
+            <a:picLocks noChangeAspect="1"/>
+          </p:cNvPicPr>
+          <p:nvPr/>
+        </p:nvPicPr>
+        <p:blipFill>
+          <a:blip r:embed="rId3"/>
+          <a:stretch>
+            <a:fillRect/>
+          </a:stretch>
+        </p:blipFill>
+        <p:spPr>
+          <a:xfrm>
+            <a:off x="681597" y="4465460"/>
+            <a:ext cx="10309698" cy="2127258"/>
+          </a:xfrm>
+          <a:prstGeom prst="rect">
+            <a:avLst/>
+          </a:prstGeom>
+        </p:spPr>
+      </p:pic>
+      <p:pic>
+        <p:nvPicPr>
+          <p:cNvPr id="15" name="Picture 14">
+            <a:extLst>
+              <a:ext uri="{FF2B5EF4-FFF2-40B4-BE49-F238E27FC236}">
+                <a16:creationId xmlns:a16="http://schemas.microsoft.com/office/drawing/2014/main" id="{CC230B91-48C3-41F6-AD12-1565E78C075D}"/>
+              </a:ext>
+            </a:extLst>
+          </p:cNvPr>
+          <p:cNvPicPr>
+            <a:picLocks noChangeAspect="1"/>
+          </p:cNvPicPr>
+          <p:nvPr/>
+        </p:nvPicPr>
+        <p:blipFill>
+          <a:blip r:embed="rId4"/>
+          <a:stretch>
+            <a:fillRect/>
+          </a:stretch>
+        </p:blipFill>
+        <p:spPr>
+          <a:xfrm>
+            <a:off x="6039915" y="1596591"/>
+            <a:ext cx="5238750" cy="3000375"/>
+          </a:xfrm>
+          <a:prstGeom prst="rect">
+            <a:avLst/>
+          </a:prstGeom>
+        </p:spPr>
+      </p:pic>
+      <p:sp>
+        <p:nvSpPr>
+          <p:cNvPr id="8" name="Rectangle 7">
+            <a:extLst>
+              <a:ext uri="{FF2B5EF4-FFF2-40B4-BE49-F238E27FC236}">
+                <a16:creationId xmlns:a16="http://schemas.microsoft.com/office/drawing/2014/main" id="{2D17040C-A191-5F45-BC5D-00731FC2991E}"/>
+              </a:ext>
+            </a:extLst>
+          </p:cNvPr>
+          <p:cNvSpPr/>
+          <p:nvPr/>
+        </p:nvSpPr>
+        <p:spPr>
+          <a:xfrm>
+            <a:off x="0" y="0"/>
+            <a:ext cx="504497" cy="6936828"/>
+          </a:xfrm>
+          <a:prstGeom prst="rect">
+            <a:avLst/>
+          </a:prstGeom>
+          <a:solidFill>
+            <a:srgbClr val="F9B322"/>
+          </a:solidFill>
+          <a:ln>
+            <a:noFill/>
+          </a:ln>
+        </p:spPr>
+        <p:style>
+          <a:lnRef idx="2">
+            <a:schemeClr val="accent1">
+              <a:shade val="50000"/>
+            </a:schemeClr>
+          </a:lnRef>
+          <a:fillRef idx="1">
+            <a:schemeClr val="accent1"/>
+          </a:fillRef>
+          <a:effectRef idx="0">
+            <a:schemeClr val="accent1"/>
+          </a:effectRef>
+          <a:fontRef idx="minor">
+            <a:schemeClr val="lt1"/>
+          </a:fontRef>
+        </p:style>
+        <p:txBody>
+          <a:bodyPr rtlCol="0" anchor="ctr"/>
+          <a:lstStyle/>
+          <a:p>
+            <a:pPr algn="ctr"/>
+            <a:endParaRPr lang="en-US"/>
+          </a:p>
+        </p:txBody>
+      </p:sp>
+    </p:spTree>
+    <p:extLst>
+      <p:ext uri="{BB962C8B-B14F-4D97-AF65-F5344CB8AC3E}">
+        <p14:creationId xmlns:p14="http://schemas.microsoft.com/office/powerpoint/2010/main" val="4179259776"/>
+      </p:ext>
+    </p:extLst>
+  </p:cSld>
+  <p:clrMapOvr>
+    <a:masterClrMapping/>
+  </p:clrMapOvr>
+</p:sld>
+</file>
+
+<file path=ppt/slides/slide16.xml><?xml version="1.0" encoding="utf-8"?>
+<p:sld xmlns:a="http://schemas.openxmlformats.org/drawingml/2006/main" xmlns:r="http://schemas.openxmlformats.org/officeDocument/2006/relationships" xmlns:p="http://schemas.openxmlformats.org/presentationml/2006/main">
+  <p:cSld>
+    <p:spTree>
+      <p:nvGrpSpPr>
+        <p:cNvPr id="1" name=""/>
+        <p:cNvGrpSpPr/>
+        <p:nvPr/>
+      </p:nvGrpSpPr>
+      <p:grpSpPr>
+        <a:xfrm>
+          <a:off x="0" y="0"/>
+          <a:ext cx="0" cy="0"/>
+          <a:chOff x="0" y="0"/>
+          <a:chExt cx="0" cy="0"/>
+        </a:xfrm>
+      </p:grpSpPr>
+      <p:sp>
+        <p:nvSpPr>
+          <p:cNvPr id="5" name="Content Placeholder 4">
+            <a:extLst>
+              <a:ext uri="{FF2B5EF4-FFF2-40B4-BE49-F238E27FC236}">
+                <a16:creationId xmlns:a16="http://schemas.microsoft.com/office/drawing/2014/main" id="{F0E3F4B9-4B46-4D6E-9318-4DDE34915470}"/>
+              </a:ext>
+            </a:extLst>
+          </p:cNvPr>
+          <p:cNvSpPr>
+            <a:spLocks noGrp="1"/>
+          </p:cNvSpPr>
+          <p:nvPr>
+            <p:ph idx="1"/>
+          </p:nvPr>
+        </p:nvSpPr>
+        <p:spPr>
+          <a:xfrm>
+            <a:off x="681597" y="223935"/>
+            <a:ext cx="11289579" cy="6511111"/>
+          </a:xfrm>
+        </p:spPr>
+        <p:txBody>
+          <a:bodyPr/>
+          <a:lstStyle/>
+          <a:p>
+            <a:r>
+              <a:rPr lang="en-US" sz="2400" dirty="0"/>
+              <a:t>STEP 2: </a:t>
+            </a:r>
+            <a:r>
+              <a:rPr lang="en-AU" sz="2400" dirty="0">
+                <a:latin typeface="Calibri" panose="020F0502020204030204" pitchFamily="34" charset="0"/>
+                <a:cs typeface="Times New Roman" panose="02020603050405020304" pitchFamily="18" charset="0"/>
+              </a:rPr>
+              <a:t>Statistical Analysis for checking data quality and take decisions on further filtering</a:t>
+            </a:r>
+            <a:endParaRPr lang="en-AU" sz="2400" dirty="0">
+              <a:effectLst/>
+              <a:latin typeface="Calibri" panose="020F0502020204030204" pitchFamily="34" charset="0"/>
+              <a:ea typeface="Calibri" panose="020F0502020204030204" pitchFamily="34" charset="0"/>
+              <a:cs typeface="Times New Roman" panose="02020603050405020304" pitchFamily="18" charset="0"/>
+            </a:endParaRPr>
+          </a:p>
+          <a:p>
+            <a:endParaRPr lang="en-AU" dirty="0"/>
+          </a:p>
+        </p:txBody>
+      </p:sp>
+      <p:pic>
+        <p:nvPicPr>
+          <p:cNvPr id="8" name="Picture 7">
+            <a:extLst>
+              <a:ext uri="{FF2B5EF4-FFF2-40B4-BE49-F238E27FC236}">
+                <a16:creationId xmlns:a16="http://schemas.microsoft.com/office/drawing/2014/main" id="{C99E8BA5-08BE-46A2-8FEB-0F8DC1781F8A}"/>
+              </a:ext>
+            </a:extLst>
+          </p:cNvPr>
+          <p:cNvPicPr/>
+          <p:nvPr/>
+        </p:nvPicPr>
+        <p:blipFill>
+          <a:blip r:embed="rId2"/>
+          <a:stretch>
+            <a:fillRect/>
+          </a:stretch>
+        </p:blipFill>
+        <p:spPr>
+          <a:xfrm>
+            <a:off x="681597" y="1039734"/>
+            <a:ext cx="5731510" cy="2895600"/>
+          </a:xfrm>
+          <a:prstGeom prst="rect">
+            <a:avLst/>
+          </a:prstGeom>
+        </p:spPr>
+      </p:pic>
+      <p:pic>
+        <p:nvPicPr>
+          <p:cNvPr id="3" name="Picture 2">
+            <a:extLst>
+              <a:ext uri="{FF2B5EF4-FFF2-40B4-BE49-F238E27FC236}">
+                <a16:creationId xmlns:a16="http://schemas.microsoft.com/office/drawing/2014/main" id="{AA787C04-B91A-4C79-8979-ECCF9172828D}"/>
+              </a:ext>
+            </a:extLst>
+          </p:cNvPr>
+          <p:cNvPicPr>
+            <a:picLocks noChangeAspect="1"/>
+          </p:cNvPicPr>
+          <p:nvPr/>
+        </p:nvPicPr>
+        <p:blipFill>
+          <a:blip r:embed="rId3"/>
+          <a:stretch>
+            <a:fillRect/>
+          </a:stretch>
+        </p:blipFill>
+        <p:spPr>
+          <a:xfrm>
+            <a:off x="6080291" y="1681470"/>
+            <a:ext cx="5731510" cy="3295431"/>
+          </a:xfrm>
+          <a:prstGeom prst="rect">
+            <a:avLst/>
+          </a:prstGeom>
+        </p:spPr>
+      </p:pic>
+      <p:pic>
+        <p:nvPicPr>
+          <p:cNvPr id="12" name="Picture 11">
+            <a:extLst>
+              <a:ext uri="{FF2B5EF4-FFF2-40B4-BE49-F238E27FC236}">
+                <a16:creationId xmlns:a16="http://schemas.microsoft.com/office/drawing/2014/main" id="{CC073B20-8FD6-4161-85CD-4DC284E74FF5}"/>
+              </a:ext>
+            </a:extLst>
+          </p:cNvPr>
+          <p:cNvPicPr>
+            <a:picLocks noChangeAspect="1"/>
+          </p:cNvPicPr>
+          <p:nvPr/>
+        </p:nvPicPr>
+        <p:blipFill>
+          <a:blip r:embed="rId4"/>
+          <a:stretch>
+            <a:fillRect/>
+          </a:stretch>
+        </p:blipFill>
+        <p:spPr>
+          <a:xfrm>
+            <a:off x="618269" y="3935333"/>
+            <a:ext cx="5794837" cy="2751854"/>
+          </a:xfrm>
+          <a:prstGeom prst="rect">
+            <a:avLst/>
+          </a:prstGeom>
+        </p:spPr>
+      </p:pic>
+      <p:sp>
+        <p:nvSpPr>
+          <p:cNvPr id="7" name="Rectangle 6">
+            <a:extLst>
+              <a:ext uri="{FF2B5EF4-FFF2-40B4-BE49-F238E27FC236}">
+                <a16:creationId xmlns:a16="http://schemas.microsoft.com/office/drawing/2014/main" id="{4EDF5D01-416F-844F-8C4E-CF72A3B3A58A}"/>
+              </a:ext>
+            </a:extLst>
+          </p:cNvPr>
+          <p:cNvSpPr/>
+          <p:nvPr/>
+        </p:nvSpPr>
+        <p:spPr>
+          <a:xfrm>
+            <a:off x="0" y="0"/>
+            <a:ext cx="504497" cy="6936828"/>
+          </a:xfrm>
+          <a:prstGeom prst="rect">
+            <a:avLst/>
+          </a:prstGeom>
+          <a:solidFill>
+            <a:srgbClr val="F9B322"/>
+          </a:solidFill>
+          <a:ln>
+            <a:noFill/>
+          </a:ln>
+        </p:spPr>
+        <p:style>
+          <a:lnRef idx="2">
+            <a:schemeClr val="accent1">
+              <a:shade val="50000"/>
+            </a:schemeClr>
+          </a:lnRef>
+          <a:fillRef idx="1">
+            <a:schemeClr val="accent1"/>
+          </a:fillRef>
+          <a:effectRef idx="0">
+            <a:schemeClr val="accent1"/>
+          </a:effectRef>
+          <a:fontRef idx="minor">
+            <a:schemeClr val="lt1"/>
+          </a:fontRef>
+        </p:style>
+        <p:txBody>
+          <a:bodyPr rtlCol="0" anchor="ctr"/>
+          <a:lstStyle/>
+          <a:p>
+            <a:pPr algn="ctr"/>
+            <a:endParaRPr lang="en-US"/>
+          </a:p>
+        </p:txBody>
+      </p:sp>
+    </p:spTree>
+    <p:extLst>
+      <p:ext uri="{BB962C8B-B14F-4D97-AF65-F5344CB8AC3E}">
+        <p14:creationId xmlns:p14="http://schemas.microsoft.com/office/powerpoint/2010/main" val="3808032201"/>
+      </p:ext>
+    </p:extLst>
+  </p:cSld>
+  <p:clrMapOvr>
+    <a:masterClrMapping/>
+  </p:clrMapOvr>
+</p:sld>
+</file>
+
+<file path=ppt/slides/slide17.xml><?xml version="1.0" encoding="utf-8"?>
+<p:sld xmlns:a="http://schemas.openxmlformats.org/drawingml/2006/main" xmlns:r="http://schemas.openxmlformats.org/officeDocument/2006/relationships" xmlns:p="http://schemas.openxmlformats.org/presentationml/2006/main">
+  <p:cSld>
+    <p:spTree>
+      <p:nvGrpSpPr>
+        <p:cNvPr id="1" name=""/>
+        <p:cNvGrpSpPr/>
+        <p:nvPr/>
+      </p:nvGrpSpPr>
+      <p:grpSpPr>
+        <a:xfrm>
+          <a:off x="0" y="0"/>
+          <a:ext cx="0" cy="0"/>
+          <a:chOff x="0" y="0"/>
+          <a:chExt cx="0" cy="0"/>
+        </a:xfrm>
+      </p:grpSpPr>
+      <p:sp>
+        <p:nvSpPr>
+          <p:cNvPr id="5" name="Content Placeholder 4">
+            <a:extLst>
+              <a:ext uri="{FF2B5EF4-FFF2-40B4-BE49-F238E27FC236}">
+                <a16:creationId xmlns:a16="http://schemas.microsoft.com/office/drawing/2014/main" id="{F0E3F4B9-4B46-4D6E-9318-4DDE34915470}"/>
+              </a:ext>
+            </a:extLst>
+          </p:cNvPr>
+          <p:cNvSpPr>
+            <a:spLocks noGrp="1"/>
+          </p:cNvSpPr>
+          <p:nvPr>
+            <p:ph idx="1"/>
+          </p:nvPr>
+        </p:nvSpPr>
+        <p:spPr>
+          <a:xfrm>
+            <a:off x="681597" y="233265"/>
+            <a:ext cx="11074973" cy="6501780"/>
+          </a:xfrm>
+        </p:spPr>
+        <p:txBody>
+          <a:bodyPr/>
+          <a:lstStyle/>
+          <a:p>
+            <a:r>
+              <a:rPr lang="en-US" sz="2800" dirty="0"/>
+              <a:t>STEP 3: </a:t>
+            </a:r>
+            <a:r>
+              <a:rPr lang="en-AU" dirty="0">
+                <a:latin typeface="Calibri" panose="020F0502020204030204" pitchFamily="34" charset="0"/>
+                <a:cs typeface="Times New Roman" panose="02020603050405020304" pitchFamily="18" charset="0"/>
+              </a:rPr>
+              <a:t>Perform required calculations .</a:t>
+            </a:r>
+            <a:endParaRPr lang="en-AU" sz="2800" dirty="0">
+              <a:effectLst/>
+              <a:latin typeface="Calibri" panose="020F0502020204030204" pitchFamily="34" charset="0"/>
+              <a:ea typeface="Calibri" panose="020F0502020204030204" pitchFamily="34" charset="0"/>
+              <a:cs typeface="Times New Roman" panose="02020603050405020304" pitchFamily="18" charset="0"/>
+            </a:endParaRPr>
+          </a:p>
+          <a:p>
+            <a:endParaRPr lang="en-AU" dirty="0"/>
+          </a:p>
+        </p:txBody>
+      </p:sp>
+      <p:pic>
+        <p:nvPicPr>
+          <p:cNvPr id="9" name="Picture 8">
+            <a:extLst>
+              <a:ext uri="{FF2B5EF4-FFF2-40B4-BE49-F238E27FC236}">
+                <a16:creationId xmlns:a16="http://schemas.microsoft.com/office/drawing/2014/main" id="{9FB48FE2-970A-4630-B73B-B882CE4D7CC4}"/>
+              </a:ext>
+            </a:extLst>
+          </p:cNvPr>
+          <p:cNvPicPr/>
+          <p:nvPr/>
+        </p:nvPicPr>
+        <p:blipFill>
+          <a:blip r:embed="rId2"/>
+          <a:stretch>
+            <a:fillRect/>
+          </a:stretch>
+        </p:blipFill>
+        <p:spPr>
+          <a:xfrm>
+            <a:off x="681597" y="893801"/>
+            <a:ext cx="6885530" cy="3314305"/>
+          </a:xfrm>
+          <a:prstGeom prst="rect">
+            <a:avLst/>
+          </a:prstGeom>
+        </p:spPr>
+      </p:pic>
+      <p:pic>
+        <p:nvPicPr>
+          <p:cNvPr id="15" name="Picture 14">
+            <a:extLst>
+              <a:ext uri="{FF2B5EF4-FFF2-40B4-BE49-F238E27FC236}">
+                <a16:creationId xmlns:a16="http://schemas.microsoft.com/office/drawing/2014/main" id="{B2F9F538-BBCB-4D3C-A789-D4F461B3A156}"/>
+              </a:ext>
+            </a:extLst>
+          </p:cNvPr>
+          <p:cNvPicPr>
+            <a:picLocks noChangeAspect="1"/>
+          </p:cNvPicPr>
+          <p:nvPr/>
+        </p:nvPicPr>
+        <p:blipFill>
+          <a:blip r:embed="rId3"/>
+          <a:stretch>
+            <a:fillRect/>
+          </a:stretch>
+        </p:blipFill>
+        <p:spPr>
+          <a:xfrm>
+            <a:off x="3862454" y="3433353"/>
+            <a:ext cx="7894116" cy="3191382"/>
+          </a:xfrm>
+          <a:prstGeom prst="rect">
+            <a:avLst/>
+          </a:prstGeom>
+        </p:spPr>
+      </p:pic>
+      <p:sp>
+        <p:nvSpPr>
+          <p:cNvPr id="6" name="Rectangle 5">
+            <a:extLst>
+              <a:ext uri="{FF2B5EF4-FFF2-40B4-BE49-F238E27FC236}">
+                <a16:creationId xmlns:a16="http://schemas.microsoft.com/office/drawing/2014/main" id="{4708AAD4-9EA2-3346-B9CA-6ACAF8475ABA}"/>
+              </a:ext>
+            </a:extLst>
+          </p:cNvPr>
+          <p:cNvSpPr/>
+          <p:nvPr/>
+        </p:nvSpPr>
+        <p:spPr>
+          <a:xfrm>
+            <a:off x="0" y="0"/>
+            <a:ext cx="504497" cy="6936828"/>
+          </a:xfrm>
+          <a:prstGeom prst="rect">
+            <a:avLst/>
+          </a:prstGeom>
+          <a:solidFill>
+            <a:srgbClr val="F9B322"/>
+          </a:solidFill>
+          <a:ln>
+            <a:noFill/>
+          </a:ln>
+        </p:spPr>
+        <p:style>
+          <a:lnRef idx="2">
+            <a:schemeClr val="accent1">
+              <a:shade val="50000"/>
+            </a:schemeClr>
+          </a:lnRef>
+          <a:fillRef idx="1">
+            <a:schemeClr val="accent1"/>
+          </a:fillRef>
+          <a:effectRef idx="0">
+            <a:schemeClr val="accent1"/>
+          </a:effectRef>
+          <a:fontRef idx="minor">
+            <a:schemeClr val="lt1"/>
+          </a:fontRef>
+        </p:style>
+        <p:txBody>
+          <a:bodyPr rtlCol="0" anchor="ctr"/>
+          <a:lstStyle/>
+          <a:p>
+            <a:pPr algn="ctr"/>
+            <a:endParaRPr lang="en-US"/>
+          </a:p>
+        </p:txBody>
+      </p:sp>
+    </p:spTree>
+    <p:extLst>
+      <p:ext uri="{BB962C8B-B14F-4D97-AF65-F5344CB8AC3E}">
+        <p14:creationId xmlns:p14="http://schemas.microsoft.com/office/powerpoint/2010/main" val="2940611525"/>
+      </p:ext>
+    </p:extLst>
+  </p:cSld>
+  <p:clrMapOvr>
+    <a:masterClrMapping/>
+  </p:clrMapOvr>
+</p:sld>
+</file>
+
+<file path=ppt/slides/slide18.xml><?xml version="1.0" encoding="utf-8"?>
+<p:sld xmlns:a="http://schemas.openxmlformats.org/drawingml/2006/main" xmlns:r="http://schemas.openxmlformats.org/officeDocument/2006/relationships" xmlns:p="http://schemas.openxmlformats.org/presentationml/2006/main">
+  <p:cSld>
+    <p:spTree>
+      <p:nvGrpSpPr>
+        <p:cNvPr id="1" name=""/>
+        <p:cNvGrpSpPr/>
+        <p:nvPr/>
+      </p:nvGrpSpPr>
+      <p:grpSpPr>
+        <a:xfrm>
+          <a:off x="0" y="0"/>
+          <a:ext cx="0" cy="0"/>
+          <a:chOff x="0" y="0"/>
+          <a:chExt cx="0" cy="0"/>
+        </a:xfrm>
+      </p:grpSpPr>
+      <p:sp>
+        <p:nvSpPr>
+          <p:cNvPr id="5" name="Content Placeholder 4">
+            <a:extLst>
+              <a:ext uri="{FF2B5EF4-FFF2-40B4-BE49-F238E27FC236}">
+                <a16:creationId xmlns:a16="http://schemas.microsoft.com/office/drawing/2014/main" id="{F0E3F4B9-4B46-4D6E-9318-4DDE34915470}"/>
+              </a:ext>
+            </a:extLst>
+          </p:cNvPr>
+          <p:cNvSpPr>
+            <a:spLocks noGrp="1"/>
+          </p:cNvSpPr>
+          <p:nvPr>
+            <p:ph idx="1"/>
+          </p:nvPr>
+        </p:nvSpPr>
+        <p:spPr>
+          <a:xfrm>
+            <a:off x="681597" y="233265"/>
+            <a:ext cx="11074973" cy="6501780"/>
+          </a:xfrm>
+        </p:spPr>
+        <p:txBody>
+          <a:bodyPr/>
+          <a:lstStyle/>
+          <a:p>
+            <a:r>
+              <a:rPr lang="en-US" sz="2800" dirty="0"/>
+              <a:t>STEP 4: Group by parameters like apartment type and  suburbs to study their effect..</a:t>
+            </a:r>
+            <a:endParaRPr lang="en-AU" sz="2800" dirty="0">
+              <a:effectLst/>
+              <a:latin typeface="Calibri" panose="020F0502020204030204" pitchFamily="34" charset="0"/>
+              <a:ea typeface="Calibri" panose="020F0502020204030204" pitchFamily="34" charset="0"/>
+              <a:cs typeface="Times New Roman" panose="02020603050405020304" pitchFamily="18" charset="0"/>
+            </a:endParaRPr>
+          </a:p>
+          <a:p>
+            <a:endParaRPr lang="en-AU" dirty="0"/>
+          </a:p>
+        </p:txBody>
+      </p:sp>
+      <p:pic>
+        <p:nvPicPr>
+          <p:cNvPr id="6" name="Picture 5">
+            <a:extLst>
+              <a:ext uri="{FF2B5EF4-FFF2-40B4-BE49-F238E27FC236}">
+                <a16:creationId xmlns:a16="http://schemas.microsoft.com/office/drawing/2014/main" id="{829715E1-F14B-4F2A-9B0F-D6299EBDB4EA}"/>
+              </a:ext>
+            </a:extLst>
+          </p:cNvPr>
+          <p:cNvPicPr/>
+          <p:nvPr/>
+        </p:nvPicPr>
+        <p:blipFill>
+          <a:blip r:embed="rId2"/>
+          <a:stretch>
+            <a:fillRect/>
+          </a:stretch>
+        </p:blipFill>
+        <p:spPr>
+          <a:xfrm>
+            <a:off x="681597" y="1135762"/>
+            <a:ext cx="5731510" cy="3970655"/>
+          </a:xfrm>
+          <a:prstGeom prst="rect">
+            <a:avLst/>
+          </a:prstGeom>
+        </p:spPr>
+      </p:pic>
+      <p:pic>
+        <p:nvPicPr>
+          <p:cNvPr id="3" name="Picture 2">
+            <a:extLst>
+              <a:ext uri="{FF2B5EF4-FFF2-40B4-BE49-F238E27FC236}">
+                <a16:creationId xmlns:a16="http://schemas.microsoft.com/office/drawing/2014/main" id="{BAC90F55-494A-459B-9C92-33FA3D5CC88B}"/>
+              </a:ext>
+            </a:extLst>
+          </p:cNvPr>
+          <p:cNvPicPr>
+            <a:picLocks noChangeAspect="1"/>
+          </p:cNvPicPr>
+          <p:nvPr/>
+        </p:nvPicPr>
+        <p:blipFill>
+          <a:blip r:embed="rId3"/>
+          <a:stretch>
+            <a:fillRect/>
+          </a:stretch>
+        </p:blipFill>
+        <p:spPr>
+          <a:xfrm>
+            <a:off x="4656667" y="4124733"/>
+            <a:ext cx="7028317" cy="2283084"/>
+          </a:xfrm>
+          <a:prstGeom prst="rect">
+            <a:avLst/>
+          </a:prstGeom>
+        </p:spPr>
+      </p:pic>
+      <p:sp>
+        <p:nvSpPr>
+          <p:cNvPr id="7" name="Rectangle 6">
+            <a:extLst>
+              <a:ext uri="{FF2B5EF4-FFF2-40B4-BE49-F238E27FC236}">
+                <a16:creationId xmlns:a16="http://schemas.microsoft.com/office/drawing/2014/main" id="{8700B2FA-4609-4A45-9B15-09A1B01D762B}"/>
+              </a:ext>
+            </a:extLst>
+          </p:cNvPr>
+          <p:cNvSpPr/>
+          <p:nvPr/>
+        </p:nvSpPr>
+        <p:spPr>
+          <a:xfrm>
+            <a:off x="0" y="0"/>
+            <a:ext cx="504497" cy="6936828"/>
+          </a:xfrm>
+          <a:prstGeom prst="rect">
+            <a:avLst/>
+          </a:prstGeom>
+          <a:solidFill>
+            <a:srgbClr val="F9B322"/>
+          </a:solidFill>
+          <a:ln>
+            <a:noFill/>
+          </a:ln>
+        </p:spPr>
+        <p:style>
+          <a:lnRef idx="2">
+            <a:schemeClr val="accent1">
+              <a:shade val="50000"/>
+            </a:schemeClr>
+          </a:lnRef>
+          <a:fillRef idx="1">
+            <a:schemeClr val="accent1"/>
+          </a:fillRef>
+          <a:effectRef idx="0">
+            <a:schemeClr val="accent1"/>
+          </a:effectRef>
+          <a:fontRef idx="minor">
+            <a:schemeClr val="lt1"/>
+          </a:fontRef>
+        </p:style>
+        <p:txBody>
+          <a:bodyPr rtlCol="0" anchor="ctr"/>
+          <a:lstStyle/>
+          <a:p>
+            <a:pPr algn="ctr"/>
+            <a:endParaRPr lang="en-US"/>
+          </a:p>
+        </p:txBody>
+      </p:sp>
+    </p:spTree>
+    <p:extLst>
+      <p:ext uri="{BB962C8B-B14F-4D97-AF65-F5344CB8AC3E}">
+        <p14:creationId xmlns:p14="http://schemas.microsoft.com/office/powerpoint/2010/main" val="1968490536"/>
+      </p:ext>
+    </p:extLst>
+  </p:cSld>
+  <p:clrMapOvr>
+    <a:masterClrMapping/>
+  </p:clrMapOvr>
+</p:sld>
+</file>
+
+<file path=ppt/slides/slide19.xml><?xml version="1.0" encoding="utf-8"?>
+<p:sld xmlns:a="http://schemas.openxmlformats.org/drawingml/2006/main" xmlns:r="http://schemas.openxmlformats.org/officeDocument/2006/relationships" xmlns:p="http://schemas.openxmlformats.org/presentationml/2006/main">
+  <p:cSld>
+    <p:spTree>
+      <p:nvGrpSpPr>
+        <p:cNvPr id="1" name=""/>
+        <p:cNvGrpSpPr/>
+        <p:nvPr/>
+      </p:nvGrpSpPr>
+      <p:grpSpPr>
+        <a:xfrm>
+          <a:off x="0" y="0"/>
+          <a:ext cx="0" cy="0"/>
+          <a:chOff x="0" y="0"/>
+          <a:chExt cx="0" cy="0"/>
+        </a:xfrm>
+      </p:grpSpPr>
+      <p:sp>
+        <p:nvSpPr>
+          <p:cNvPr id="5" name="Content Placeholder 4">
+            <a:extLst>
+              <a:ext uri="{FF2B5EF4-FFF2-40B4-BE49-F238E27FC236}">
+                <a16:creationId xmlns:a16="http://schemas.microsoft.com/office/drawing/2014/main" id="{F0E3F4B9-4B46-4D6E-9318-4DDE34915470}"/>
+              </a:ext>
+            </a:extLst>
+          </p:cNvPr>
+          <p:cNvSpPr>
+            <a:spLocks noGrp="1"/>
+          </p:cNvSpPr>
+          <p:nvPr>
+            <p:ph idx="1"/>
+          </p:nvPr>
+        </p:nvSpPr>
+        <p:spPr>
+          <a:xfrm>
+            <a:off x="681597" y="233265"/>
+            <a:ext cx="11074973" cy="6501780"/>
+          </a:xfrm>
+        </p:spPr>
+        <p:txBody>
+          <a:bodyPr/>
+          <a:lstStyle/>
+          <a:p>
+            <a:r>
+              <a:rPr lang="en-US" sz="2400" dirty="0"/>
+              <a:t>STEP 5: </a:t>
+            </a:r>
+            <a:r>
+              <a:rPr lang="en-AU" sz="2400" dirty="0">
+                <a:effectLst/>
+                <a:latin typeface="Calibri" panose="020F0502020204030204" pitchFamily="34" charset="0"/>
+                <a:ea typeface="Calibri" panose="020F0502020204030204" pitchFamily="34" charset="0"/>
+                <a:cs typeface="Times New Roman" panose="02020603050405020304" pitchFamily="18" charset="0"/>
+              </a:rPr>
+              <a:t>Rank by suburbs to analyse the top 10 and bottom 10 suburbs for our focus areas.</a:t>
+            </a:r>
+          </a:p>
+          <a:p>
+            <a:endParaRPr lang="en-AU" dirty="0"/>
+          </a:p>
+        </p:txBody>
+      </p:sp>
+      <p:pic>
+        <p:nvPicPr>
+          <p:cNvPr id="7" name="Picture 6">
+            <a:extLst>
+              <a:ext uri="{FF2B5EF4-FFF2-40B4-BE49-F238E27FC236}">
+                <a16:creationId xmlns:a16="http://schemas.microsoft.com/office/drawing/2014/main" id="{65A2638C-C220-44BC-8E9E-54F2E2CC5FD8}"/>
+              </a:ext>
+            </a:extLst>
+          </p:cNvPr>
+          <p:cNvPicPr>
+            <a:picLocks noChangeAspect="1"/>
+          </p:cNvPicPr>
+          <p:nvPr/>
+        </p:nvPicPr>
+        <p:blipFill>
+          <a:blip r:embed="rId2"/>
+          <a:stretch>
+            <a:fillRect/>
+          </a:stretch>
+        </p:blipFill>
+        <p:spPr>
+          <a:xfrm>
+            <a:off x="540738" y="912779"/>
+            <a:ext cx="5737363" cy="4184515"/>
+          </a:xfrm>
+          <a:prstGeom prst="rect">
+            <a:avLst/>
+          </a:prstGeom>
+        </p:spPr>
+      </p:pic>
+      <p:pic>
+        <p:nvPicPr>
+          <p:cNvPr id="9" name="Picture 8">
+            <a:extLst>
+              <a:ext uri="{FF2B5EF4-FFF2-40B4-BE49-F238E27FC236}">
+                <a16:creationId xmlns:a16="http://schemas.microsoft.com/office/drawing/2014/main" id="{EDEBAA6B-FB4D-42B2-BAED-8B78358977AB}"/>
+              </a:ext>
+            </a:extLst>
+          </p:cNvPr>
+          <p:cNvPicPr>
+            <a:picLocks noChangeAspect="1"/>
+          </p:cNvPicPr>
+          <p:nvPr/>
+        </p:nvPicPr>
+        <p:blipFill>
+          <a:blip r:embed="rId3"/>
+          <a:stretch>
+            <a:fillRect/>
+          </a:stretch>
+        </p:blipFill>
+        <p:spPr>
+          <a:xfrm>
+            <a:off x="5763935" y="1942890"/>
+            <a:ext cx="6269839" cy="4681845"/>
+          </a:xfrm>
+          <a:prstGeom prst="rect">
+            <a:avLst/>
+          </a:prstGeom>
+        </p:spPr>
+      </p:pic>
+      <p:sp>
+        <p:nvSpPr>
+          <p:cNvPr id="6" name="Rectangle 5">
+            <a:extLst>
+              <a:ext uri="{FF2B5EF4-FFF2-40B4-BE49-F238E27FC236}">
+                <a16:creationId xmlns:a16="http://schemas.microsoft.com/office/drawing/2014/main" id="{E9368861-899D-DA4C-A4C7-7436614AADEF}"/>
+              </a:ext>
+            </a:extLst>
+          </p:cNvPr>
+          <p:cNvSpPr/>
+          <p:nvPr/>
+        </p:nvSpPr>
+        <p:spPr>
+          <a:xfrm>
+            <a:off x="0" y="0"/>
+            <a:ext cx="504497" cy="6936828"/>
+          </a:xfrm>
+          <a:prstGeom prst="rect">
+            <a:avLst/>
+          </a:prstGeom>
+          <a:solidFill>
+            <a:srgbClr val="F9B322"/>
+          </a:solidFill>
+          <a:ln>
+            <a:noFill/>
+          </a:ln>
+        </p:spPr>
+        <p:style>
+          <a:lnRef idx="2">
+            <a:schemeClr val="accent1">
+              <a:shade val="50000"/>
+            </a:schemeClr>
+          </a:lnRef>
+          <a:fillRef idx="1">
+            <a:schemeClr val="accent1"/>
+          </a:fillRef>
+          <a:effectRef idx="0">
+            <a:schemeClr val="accent1"/>
+          </a:effectRef>
+          <a:fontRef idx="minor">
+            <a:schemeClr val="lt1"/>
+          </a:fontRef>
+        </p:style>
+        <p:txBody>
+          <a:bodyPr rtlCol="0" anchor="ctr"/>
+          <a:lstStyle/>
+          <a:p>
+            <a:pPr algn="ctr"/>
+            <a:endParaRPr lang="en-US"/>
+          </a:p>
+        </p:txBody>
+      </p:sp>
+    </p:spTree>
+    <p:extLst>
+      <p:ext uri="{BB962C8B-B14F-4D97-AF65-F5344CB8AC3E}">
+        <p14:creationId xmlns:p14="http://schemas.microsoft.com/office/powerpoint/2010/main" val="1024631660"/>
       </p:ext>
     </p:extLst>
   </p:cSld>
@@ -3825,180 +6548,90 @@
         </p:nvSpPr>
         <p:spPr>
           <a:xfrm>
-            <a:off x="1954924" y="1240221"/>
-            <a:ext cx="9335814" cy="4776951"/>
+            <a:off x="1690254" y="2235199"/>
+            <a:ext cx="9663545" cy="3057237"/>
           </a:xfrm>
         </p:spPr>
         <p:txBody>
           <a:bodyPr>
-            <a:normAutofit fontScale="85000" lnSpcReduction="20000"/>
+            <a:normAutofit/>
           </a:bodyPr>
           <a:lstStyle/>
           <a:p>
             <a:pPr>
               <a:lnSpc>
-                <a:spcPct val="120000"/>
-              </a:lnSpc>
+                <a:spcPct val="150000"/>
+              </a:lnSpc>
+              <a:buFont typeface="Wingdings" panose="05000000000000000000" pitchFamily="2" charset="2"/>
+              <a:buChar char="Ø"/>
             </a:pPr>
             <a:r>
+              <a:rPr lang="en-US" sz="3200" dirty="0"/>
+              <a:t>Money to invest</a:t>
+            </a:r>
+          </a:p>
+          <a:p>
+            <a:pPr>
+              <a:lnSpc>
+                <a:spcPct val="150000"/>
+              </a:lnSpc>
+              <a:buFont typeface="Wingdings" panose="05000000000000000000" pitchFamily="2" charset="2"/>
+              <a:buChar char="Ø"/>
+            </a:pPr>
+            <a:r>
+              <a:rPr lang="en-US" sz="3200" dirty="0"/>
+              <a:t>Airbnb looks like easy money</a:t>
+            </a:r>
+          </a:p>
+          <a:p>
+            <a:pPr>
+              <a:lnSpc>
+                <a:spcPct val="150000"/>
+              </a:lnSpc>
+              <a:buFont typeface="Wingdings" panose="05000000000000000000" pitchFamily="2" charset="2"/>
+              <a:buChar char="Ø"/>
+            </a:pPr>
+            <a:r>
+              <a:rPr lang="en-US" sz="3200" dirty="0"/>
+              <a:t>How do we decide where to establish our first listing</a:t>
+            </a:r>
+          </a:p>
+        </p:txBody>
+      </p:sp>
+      <p:sp>
+        <p:nvSpPr>
+          <p:cNvPr id="6" name="Title 5">
+            <a:extLst>
+              <a:ext uri="{FF2B5EF4-FFF2-40B4-BE49-F238E27FC236}">
+                <a16:creationId xmlns:a16="http://schemas.microsoft.com/office/drawing/2014/main" id="{25E05E84-05D6-8740-93A0-CC18738B72D4}"/>
+              </a:ext>
+            </a:extLst>
+          </p:cNvPr>
+          <p:cNvSpPr>
+            <a:spLocks noGrp="1"/>
+          </p:cNvSpPr>
+          <p:nvPr>
+            <p:ph type="title"/>
+          </p:nvPr>
+        </p:nvSpPr>
+        <p:spPr/>
+        <p:txBody>
+          <a:bodyPr/>
+          <a:lstStyle/>
+          <a:p>
+            <a:r>
               <a:rPr lang="en-US" dirty="0"/>
-              <a:t>Extremely large datasets</a:t>
-            </a:r>
-          </a:p>
-          <a:p>
-            <a:pPr>
-              <a:lnSpc>
-                <a:spcPct val="120000"/>
-              </a:lnSpc>
-            </a:pPr>
-            <a:r>
-              <a:rPr lang="en-US" dirty="0"/>
-              <a:t>Not clearly defined</a:t>
-            </a:r>
-          </a:p>
-          <a:p>
-            <a:pPr lvl="1">
-              <a:lnSpc>
-                <a:spcPct val="120000"/>
-              </a:lnSpc>
-            </a:pPr>
-            <a:r>
-              <a:rPr lang="en-US" dirty="0"/>
-              <a:t>Multiple columns referred to location property</a:t>
-            </a:r>
-            <a:br>
-              <a:rPr lang="en-US" dirty="0"/>
-            </a:br>
-            <a:r>
-              <a:rPr lang="en-US" dirty="0"/>
-              <a:t> - </a:t>
-            </a:r>
-            <a:r>
-              <a:rPr lang="en-US" dirty="0" err="1"/>
-              <a:t>neighbourhood</a:t>
-            </a:r>
-            <a:r>
-              <a:rPr lang="en-US" dirty="0"/>
-              <a:t> - </a:t>
-            </a:r>
-            <a:r>
-              <a:rPr lang="en-US" dirty="0" err="1"/>
-              <a:t>neighbourhood</a:t>
-            </a:r>
-            <a:r>
-              <a:rPr lang="en-US" dirty="0"/>
-              <a:t> cleansed – city - smart-location</a:t>
-            </a:r>
-          </a:p>
-          <a:p>
-            <a:pPr lvl="1">
-              <a:lnSpc>
-                <a:spcPct val="120000"/>
-              </a:lnSpc>
-            </a:pPr>
-            <a:r>
-              <a:rPr lang="en-US" dirty="0"/>
-              <a:t>Only one of these matched the coordinates stored against the Airbnb listing</a:t>
-            </a:r>
-          </a:p>
-          <a:p>
-            <a:pPr>
-              <a:lnSpc>
-                <a:spcPct val="120000"/>
-              </a:lnSpc>
-            </a:pPr>
-            <a:r>
-              <a:rPr lang="en-US" dirty="0"/>
-              <a:t>Quite messy</a:t>
-            </a:r>
-          </a:p>
-          <a:p>
-            <a:pPr lvl="1">
-              <a:lnSpc>
-                <a:spcPct val="120000"/>
-              </a:lnSpc>
-            </a:pPr>
-            <a:r>
-              <a:rPr lang="en-US" dirty="0" err="1"/>
-              <a:t>eg</a:t>
-            </a:r>
-            <a:r>
-              <a:rPr lang="en-US" dirty="0"/>
-              <a:t> room type was free form - we had 1 ”castle” in Melbourne on the listing</a:t>
-            </a:r>
-          </a:p>
-          <a:p>
-            <a:pPr>
-              <a:lnSpc>
-                <a:spcPct val="120000"/>
-              </a:lnSpc>
-            </a:pPr>
-            <a:r>
-              <a:rPr lang="en-US" dirty="0"/>
-              <a:t>Typos in information</a:t>
-            </a:r>
-          </a:p>
-          <a:p>
-            <a:pPr lvl="1">
-              <a:lnSpc>
-                <a:spcPct val="120000"/>
-              </a:lnSpc>
-            </a:pPr>
-            <a:r>
-              <a:rPr lang="en-US" dirty="0"/>
-              <a:t>multiple spellings and configuration of suburb names)</a:t>
-            </a:r>
-          </a:p>
-          <a:p>
-            <a:pPr marL="0" indent="0">
-              <a:lnSpc>
-                <a:spcPct val="120000"/>
-              </a:lnSpc>
-              <a:buNone/>
-            </a:pPr>
-            <a:endParaRPr lang="en-US" dirty="0"/>
-          </a:p>
-          <a:p>
-            <a:pPr marL="0" indent="0">
-              <a:lnSpc>
-                <a:spcPct val="120000"/>
-              </a:lnSpc>
-              <a:buNone/>
-            </a:pPr>
-            <a:endParaRPr lang="en-US" dirty="0"/>
-          </a:p>
-          <a:p>
-            <a:pPr>
-              <a:lnSpc>
-                <a:spcPct val="120000"/>
-              </a:lnSpc>
-            </a:pPr>
-            <a:endParaRPr lang="en-US" dirty="0"/>
-          </a:p>
-          <a:p>
-            <a:pPr>
-              <a:lnSpc>
-                <a:spcPct val="120000"/>
-              </a:lnSpc>
-            </a:pPr>
-            <a:endParaRPr lang="en-US" dirty="0"/>
-          </a:p>
-          <a:p>
-            <a:pPr>
-              <a:lnSpc>
-                <a:spcPct val="120000"/>
-              </a:lnSpc>
-            </a:pPr>
-            <a:endParaRPr lang="en-US" dirty="0"/>
-          </a:p>
-        </p:txBody>
-      </p:sp>
-      <p:sp>
-        <p:nvSpPr>
-          <p:cNvPr id="2" name="Rectangle 1">
-            <a:extLst>
-              <a:ext uri="{FF2B5EF4-FFF2-40B4-BE49-F238E27FC236}">
-                <a16:creationId xmlns:a16="http://schemas.microsoft.com/office/drawing/2014/main" id="{E8CB4C78-33B6-3D47-8A22-E4E8AC16B00F}"/>
+              <a:t>Airbnb Investment Opportunities</a:t>
+            </a:r>
+          </a:p>
+        </p:txBody>
+      </p:sp>
+      <p:sp>
+        <p:nvSpPr>
+          <p:cNvPr id="5" name="Rectangle 4">
+            <a:extLst>
+              <a:ext uri="{FF2B5EF4-FFF2-40B4-BE49-F238E27FC236}">
+                <a16:creationId xmlns:a16="http://schemas.microsoft.com/office/drawing/2014/main" id="{D5FA138C-A35E-A54B-BE91-7555BC6243BF}"/>
               </a:ext>
             </a:extLst>
           </p:cNvPr>
@@ -4007,43 +6640,8 @@
         </p:nvSpPr>
         <p:spPr>
           <a:xfrm>
-            <a:off x="9713533" y="150265"/>
-            <a:ext cx="1893788" cy="369332"/>
-          </a:xfrm>
-          <a:prstGeom prst="rect">
-            <a:avLst/>
-          </a:prstGeom>
-        </p:spPr>
-        <p:txBody>
-          <a:bodyPr wrap="none">
-            <a:spAutoFit/>
-          </a:bodyPr>
-          <a:lstStyle/>
-          <a:p>
-            <a:r>
-              <a:rPr lang="en-AU" b="1" dirty="0"/>
-              <a:t>C. Data Wrangling</a:t>
-            </a:r>
-            <a:endParaRPr lang="en-US" dirty="0"/>
-          </a:p>
-        </p:txBody>
-      </p:sp>
-      <p:sp>
-        <p:nvSpPr>
-          <p:cNvPr id="6" name="Rectangle 5">
-            <a:extLst>
-              <a:ext uri="{FF2B5EF4-FFF2-40B4-BE49-F238E27FC236}">
-                <a16:creationId xmlns:a16="http://schemas.microsoft.com/office/drawing/2014/main" id="{C86BBADE-DDB6-7540-BDC1-A6C587575DBB}"/>
-              </a:ext>
-            </a:extLst>
-          </p:cNvPr>
-          <p:cNvSpPr/>
-          <p:nvPr/>
-        </p:nvSpPr>
-        <p:spPr>
-          <a:xfrm>
             <a:off x="0" y="0"/>
-            <a:ext cx="1240221" cy="6936828"/>
+            <a:ext cx="504497" cy="6936828"/>
           </a:xfrm>
           <a:prstGeom prst="rect">
             <a:avLst/>
@@ -4080,91 +6678,2003 @@
           </a:p>
         </p:txBody>
       </p:sp>
-      <p:sp>
-        <p:nvSpPr>
-          <p:cNvPr id="5" name="Rectangle 4">
-            <a:extLst>
-              <a:ext uri="{FF2B5EF4-FFF2-40B4-BE49-F238E27FC236}">
-                <a16:creationId xmlns:a16="http://schemas.microsoft.com/office/drawing/2014/main" id="{7CAF3F28-FC6D-FA47-BEDA-4E6B74930141}"/>
-              </a:ext>
-            </a:extLst>
-          </p:cNvPr>
-          <p:cNvSpPr/>
-          <p:nvPr/>
-        </p:nvSpPr>
-        <p:spPr>
-          <a:xfrm>
-            <a:off x="1610036" y="471496"/>
-            <a:ext cx="4359527" cy="584775"/>
-          </a:xfrm>
-          <a:prstGeom prst="rect">
-            <a:avLst/>
-          </a:prstGeom>
-        </p:spPr>
-        <p:txBody>
-          <a:bodyPr wrap="none">
-            <a:spAutoFit/>
-          </a:bodyPr>
-          <a:lstStyle/>
-          <a:p>
-            <a:r>
-              <a:rPr lang="en-US" sz="3200" dirty="0"/>
-              <a:t>Data from inside Airbnb:</a:t>
-            </a:r>
+    </p:spTree>
+    <p:extLst>
+      <p:ext uri="{BB962C8B-B14F-4D97-AF65-F5344CB8AC3E}">
+        <p14:creationId xmlns:p14="http://schemas.microsoft.com/office/powerpoint/2010/main" val="796649955"/>
+      </p:ext>
+    </p:extLst>
+  </p:cSld>
+  <p:clrMapOvr>
+    <a:masterClrMapping/>
+  </p:clrMapOvr>
+</p:sld>
+</file>
+
+<file path=ppt/slides/slide20.xml><?xml version="1.0" encoding="utf-8"?>
+<p:sld xmlns:a="http://schemas.openxmlformats.org/drawingml/2006/main" xmlns:r="http://schemas.openxmlformats.org/officeDocument/2006/relationships" xmlns:p="http://schemas.openxmlformats.org/presentationml/2006/main">
+  <p:cSld>
+    <p:spTree>
+      <p:nvGrpSpPr>
+        <p:cNvPr id="1" name=""/>
+        <p:cNvGrpSpPr/>
+        <p:nvPr/>
+      </p:nvGrpSpPr>
+      <p:grpSpPr>
+        <a:xfrm>
+          <a:off x="0" y="0"/>
+          <a:ext cx="0" cy="0"/>
+          <a:chOff x="0" y="0"/>
+          <a:chExt cx="0" cy="0"/>
+        </a:xfrm>
+      </p:grpSpPr>
+      <p:sp>
+        <p:nvSpPr>
+          <p:cNvPr id="5" name="Content Placeholder 4">
+            <a:extLst>
+              <a:ext uri="{FF2B5EF4-FFF2-40B4-BE49-F238E27FC236}">
+                <a16:creationId xmlns:a16="http://schemas.microsoft.com/office/drawing/2014/main" id="{F0E3F4B9-4B46-4D6E-9318-4DDE34915470}"/>
+              </a:ext>
+            </a:extLst>
+          </p:cNvPr>
+          <p:cNvSpPr>
+            <a:spLocks noGrp="1"/>
+          </p:cNvSpPr>
+          <p:nvPr>
+            <p:ph idx="1"/>
+          </p:nvPr>
+        </p:nvSpPr>
+        <p:spPr>
+          <a:xfrm>
+            <a:off x="681597" y="233265"/>
+            <a:ext cx="11074973" cy="6501780"/>
+          </a:xfrm>
+        </p:spPr>
+        <p:txBody>
+          <a:bodyPr/>
+          <a:lstStyle/>
+          <a:p>
+            <a:r>
+              <a:rPr lang="en-US" sz="2400" dirty="0"/>
+              <a:t>STEP 6: </a:t>
+            </a:r>
+            <a:r>
+              <a:rPr lang="en-AU" sz="2400" dirty="0">
+                <a:latin typeface="Calibri" panose="020F0502020204030204" pitchFamily="34" charset="0"/>
+                <a:cs typeface="Times New Roman" panose="02020603050405020304" pitchFamily="18" charset="0"/>
+              </a:rPr>
+              <a:t>Use scatter plots and linear regression to establish correlation for our hypothesis.</a:t>
+            </a:r>
+            <a:endParaRPr lang="en-AU" sz="2400" dirty="0">
+              <a:effectLst/>
+              <a:latin typeface="Calibri" panose="020F0502020204030204" pitchFamily="34" charset="0"/>
+              <a:ea typeface="Calibri" panose="020F0502020204030204" pitchFamily="34" charset="0"/>
+              <a:cs typeface="Times New Roman" panose="02020603050405020304" pitchFamily="18" charset="0"/>
+            </a:endParaRPr>
+          </a:p>
+          <a:p>
+            <a:endParaRPr lang="en-AU" dirty="0"/>
           </a:p>
         </p:txBody>
       </p:sp>
       <p:pic>
         <p:nvPicPr>
-          <p:cNvPr id="1030" name="Picture 6" descr="Scribble Icons - Download Free Vector Icons | Noun Project">
-            <a:extLst>
-              <a:ext uri="{FF2B5EF4-FFF2-40B4-BE49-F238E27FC236}">
-                <a16:creationId xmlns:a16="http://schemas.microsoft.com/office/drawing/2014/main" id="{452351F1-839B-174F-94BB-D66D5C219B75}"/>
+          <p:cNvPr id="3" name="Picture 2">
+            <a:extLst>
+              <a:ext uri="{FF2B5EF4-FFF2-40B4-BE49-F238E27FC236}">
+                <a16:creationId xmlns:a16="http://schemas.microsoft.com/office/drawing/2014/main" id="{CC5E7938-0284-4075-8F03-370FA86E06DA}"/>
               </a:ext>
             </a:extLst>
           </p:cNvPr>
           <p:cNvPicPr>
-            <a:picLocks noChangeAspect="1" noChangeArrowheads="1"/>
+            <a:picLocks noChangeAspect="1"/>
           </p:cNvPicPr>
           <p:nvPr/>
         </p:nvPicPr>
         <p:blipFill>
-          <a:blip r:embed="rId2">
-            <a:extLst>
-              <a:ext uri="{28A0092B-C50C-407E-A947-70E740481C1C}">
-                <a14:useLocalDpi xmlns:a14="http://schemas.microsoft.com/office/drawing/2010/main" val="0"/>
-              </a:ext>
-            </a:extLst>
-          </a:blip>
-          <a:srcRect/>
+          <a:blip r:embed="rId2"/>
           <a:stretch>
             <a:fillRect/>
           </a:stretch>
         </p:blipFill>
-        <p:spPr bwMode="auto">
-          <a:xfrm>
-            <a:off x="9208814" y="4167735"/>
-            <a:ext cx="2540000" cy="2540000"/>
+        <p:spPr>
+          <a:xfrm>
+            <a:off x="681596" y="1139377"/>
+            <a:ext cx="5284503" cy="4191380"/>
+          </a:xfrm>
+          <a:prstGeom prst="rect">
+            <a:avLst/>
+          </a:prstGeom>
+        </p:spPr>
+      </p:pic>
+      <p:pic>
+        <p:nvPicPr>
+          <p:cNvPr id="8" name="Picture 7">
+            <a:extLst>
+              <a:ext uri="{FF2B5EF4-FFF2-40B4-BE49-F238E27FC236}">
+                <a16:creationId xmlns:a16="http://schemas.microsoft.com/office/drawing/2014/main" id="{79EC7108-9052-4A83-97CF-6986591EBCE3}"/>
+              </a:ext>
+            </a:extLst>
+          </p:cNvPr>
+          <p:cNvPicPr>
+            <a:picLocks noChangeAspect="1"/>
+          </p:cNvPicPr>
+          <p:nvPr/>
+        </p:nvPicPr>
+        <p:blipFill>
+          <a:blip r:embed="rId3"/>
+          <a:stretch>
+            <a:fillRect/>
+          </a:stretch>
+        </p:blipFill>
+        <p:spPr>
+          <a:xfrm>
+            <a:off x="6096000" y="1809907"/>
+            <a:ext cx="5360427" cy="4620076"/>
+          </a:xfrm>
+          <a:prstGeom prst="rect">
+            <a:avLst/>
+          </a:prstGeom>
+        </p:spPr>
+      </p:pic>
+      <p:sp>
+        <p:nvSpPr>
+          <p:cNvPr id="6" name="Rectangle 5">
+            <a:extLst>
+              <a:ext uri="{FF2B5EF4-FFF2-40B4-BE49-F238E27FC236}">
+                <a16:creationId xmlns:a16="http://schemas.microsoft.com/office/drawing/2014/main" id="{251803DC-AEDA-BA44-AD32-1E3CD190E8F6}"/>
+              </a:ext>
+            </a:extLst>
+          </p:cNvPr>
+          <p:cNvSpPr/>
+          <p:nvPr/>
+        </p:nvSpPr>
+        <p:spPr>
+          <a:xfrm>
+            <a:off x="0" y="0"/>
+            <a:ext cx="504497" cy="6936828"/>
+          </a:xfrm>
+          <a:prstGeom prst="rect">
+            <a:avLst/>
+          </a:prstGeom>
+          <a:solidFill>
+            <a:srgbClr val="F9B322"/>
+          </a:solidFill>
+          <a:ln>
+            <a:noFill/>
+          </a:ln>
+        </p:spPr>
+        <p:style>
+          <a:lnRef idx="2">
+            <a:schemeClr val="accent1">
+              <a:shade val="50000"/>
+            </a:schemeClr>
+          </a:lnRef>
+          <a:fillRef idx="1">
+            <a:schemeClr val="accent1"/>
+          </a:fillRef>
+          <a:effectRef idx="0">
+            <a:schemeClr val="accent1"/>
+          </a:effectRef>
+          <a:fontRef idx="minor">
+            <a:schemeClr val="lt1"/>
+          </a:fontRef>
+        </p:style>
+        <p:txBody>
+          <a:bodyPr rtlCol="0" anchor="ctr"/>
+          <a:lstStyle/>
+          <a:p>
+            <a:pPr algn="ctr"/>
+            <a:endParaRPr lang="en-US"/>
+          </a:p>
+        </p:txBody>
+      </p:sp>
+    </p:spTree>
+    <p:extLst>
+      <p:ext uri="{BB962C8B-B14F-4D97-AF65-F5344CB8AC3E}">
+        <p14:creationId xmlns:p14="http://schemas.microsoft.com/office/powerpoint/2010/main" val="3748369577"/>
+      </p:ext>
+    </p:extLst>
+  </p:cSld>
+  <p:clrMapOvr>
+    <a:masterClrMapping/>
+  </p:clrMapOvr>
+</p:sld>
+</file>
+
+<file path=ppt/slides/slide21.xml><?xml version="1.0" encoding="utf-8"?>
+<p:sld xmlns:a="http://schemas.openxmlformats.org/drawingml/2006/main" xmlns:r="http://schemas.openxmlformats.org/officeDocument/2006/relationships" xmlns:p="http://schemas.openxmlformats.org/presentationml/2006/main">
+  <p:cSld>
+    <p:spTree>
+      <p:nvGrpSpPr>
+        <p:cNvPr id="1" name=""/>
+        <p:cNvGrpSpPr/>
+        <p:nvPr/>
+      </p:nvGrpSpPr>
+      <p:grpSpPr>
+        <a:xfrm>
+          <a:off x="0" y="0"/>
+          <a:ext cx="0" cy="0"/>
+          <a:chOff x="0" y="0"/>
+          <a:chExt cx="0" cy="0"/>
+        </a:xfrm>
+      </p:grpSpPr>
+      <p:sp>
+        <p:nvSpPr>
+          <p:cNvPr id="4" name="TextBox 3">
+            <a:extLst>
+              <a:ext uri="{FF2B5EF4-FFF2-40B4-BE49-F238E27FC236}">
+                <a16:creationId xmlns:a16="http://schemas.microsoft.com/office/drawing/2014/main" id="{CACDB867-217B-4248-AE05-8BA60323CA08}"/>
+              </a:ext>
+            </a:extLst>
+          </p:cNvPr>
+          <p:cNvSpPr txBox="1"/>
+          <p:nvPr/>
+        </p:nvSpPr>
+        <p:spPr>
+          <a:xfrm>
+            <a:off x="708454" y="382198"/>
+            <a:ext cx="1389804" cy="369332"/>
           </a:xfrm>
           <a:prstGeom prst="rect">
             <a:avLst/>
           </a:prstGeom>
           <a:noFill/>
-          <a:extLst>
-            <a:ext uri="{909E8E84-426E-40DD-AFC4-6F175D3DCCD1}">
-              <a14:hiddenFill xmlns:a14="http://schemas.microsoft.com/office/drawing/2010/main">
+        </p:spPr>
+        <p:txBody>
+          <a:bodyPr wrap="none" rtlCol="0">
+            <a:spAutoFit/>
+          </a:bodyPr>
+          <a:lstStyle/>
+          <a:p>
+            <a:r>
+              <a:rPr lang="en-AU" dirty="0"/>
+              <a:t>Correlations:</a:t>
+            </a:r>
+          </a:p>
+        </p:txBody>
+      </p:sp>
+      <p:sp>
+        <p:nvSpPr>
+          <p:cNvPr id="7" name="TextBox 6">
+            <a:extLst>
+              <a:ext uri="{FF2B5EF4-FFF2-40B4-BE49-F238E27FC236}">
+                <a16:creationId xmlns:a16="http://schemas.microsoft.com/office/drawing/2014/main" id="{FB1816BB-6656-43C6-8139-364881C5C474}"/>
+              </a:ext>
+            </a:extLst>
+          </p:cNvPr>
+          <p:cNvSpPr txBox="1"/>
+          <p:nvPr/>
+        </p:nvSpPr>
+        <p:spPr>
+          <a:xfrm>
+            <a:off x="708454" y="751530"/>
+            <a:ext cx="6880666" cy="369332"/>
+          </a:xfrm>
+          <a:prstGeom prst="rect">
+            <a:avLst/>
+          </a:prstGeom>
+          <a:noFill/>
+        </p:spPr>
+        <p:txBody>
+          <a:bodyPr wrap="none" rtlCol="0">
+            <a:spAutoFit/>
+          </a:bodyPr>
+          <a:lstStyle/>
+          <a:p>
+            <a:r>
+              <a:rPr lang="en-AU"/>
+              <a:t>Earnings has </a:t>
+            </a:r>
+            <a:r>
+              <a:rPr lang="en-AU" dirty="0"/>
+              <a:t>a slight positive correlation with distance from train station</a:t>
+            </a:r>
+          </a:p>
+        </p:txBody>
+      </p:sp>
+      <p:sp>
+        <p:nvSpPr>
+          <p:cNvPr id="9" name="Rectangle 8">
+            <a:extLst>
+              <a:ext uri="{FF2B5EF4-FFF2-40B4-BE49-F238E27FC236}">
+                <a16:creationId xmlns:a16="http://schemas.microsoft.com/office/drawing/2014/main" id="{45D45429-29C0-4261-A8CE-166923C95654}"/>
+              </a:ext>
+            </a:extLst>
+          </p:cNvPr>
+          <p:cNvSpPr/>
+          <p:nvPr/>
+        </p:nvSpPr>
+        <p:spPr>
+          <a:xfrm>
+            <a:off x="6969470" y="2239995"/>
+            <a:ext cx="4741094" cy="2308324"/>
+          </a:xfrm>
+          <a:prstGeom prst="rect">
+            <a:avLst/>
+          </a:prstGeom>
+        </p:spPr>
+        <p:txBody>
+          <a:bodyPr wrap="square">
+            <a:spAutoFit/>
+          </a:bodyPr>
+          <a:lstStyle/>
+          <a:p>
+            <a:r>
+              <a:rPr lang="en-US" dirty="0"/>
+              <a:t>HYPOTHESIS:</a:t>
+            </a:r>
+          </a:p>
+          <a:p>
+            <a:r>
+              <a:rPr lang="en-US" dirty="0"/>
+              <a:t>(closer) Train proximity will increase earnings (approximate)</a:t>
+            </a:r>
+          </a:p>
+          <a:p>
+            <a:endParaRPr lang="en-US" dirty="0"/>
+          </a:p>
+          <a:p>
+            <a:r>
+              <a:rPr lang="en-US" dirty="0"/>
+              <a:t>DATA INFERENCE:</a:t>
+            </a:r>
+          </a:p>
+          <a:p>
+            <a:r>
+              <a:rPr lang="en-US" dirty="0"/>
+              <a:t>Properties have increased prospective earnings as they are located further from the train stations</a:t>
+            </a:r>
+          </a:p>
+        </p:txBody>
+      </p:sp>
+      <p:pic>
+        <p:nvPicPr>
+          <p:cNvPr id="10" name="Picture 9">
+            <a:extLst>
+              <a:ext uri="{FF2B5EF4-FFF2-40B4-BE49-F238E27FC236}">
+                <a16:creationId xmlns:a16="http://schemas.microsoft.com/office/drawing/2014/main" id="{8ABFFCBC-D426-45AC-B402-FF910EE7152D}"/>
+              </a:ext>
+            </a:extLst>
+          </p:cNvPr>
+          <p:cNvPicPr>
+            <a:picLocks noChangeAspect="1"/>
+          </p:cNvPicPr>
+          <p:nvPr/>
+        </p:nvPicPr>
+        <p:blipFill>
+          <a:blip r:embed="rId2"/>
+          <a:stretch>
+            <a:fillRect/>
+          </a:stretch>
+        </p:blipFill>
+        <p:spPr>
+          <a:xfrm>
+            <a:off x="481436" y="1120862"/>
+            <a:ext cx="6296904" cy="4934639"/>
+          </a:xfrm>
+          <a:prstGeom prst="rect">
+            <a:avLst/>
+          </a:prstGeom>
+        </p:spPr>
+      </p:pic>
+      <p:sp>
+        <p:nvSpPr>
+          <p:cNvPr id="8" name="Rectangle 7">
+            <a:extLst>
+              <a:ext uri="{FF2B5EF4-FFF2-40B4-BE49-F238E27FC236}">
+                <a16:creationId xmlns:a16="http://schemas.microsoft.com/office/drawing/2014/main" id="{1B409F3D-E216-0445-ACBF-CD6364C258AB}"/>
+              </a:ext>
+            </a:extLst>
+          </p:cNvPr>
+          <p:cNvSpPr/>
+          <p:nvPr/>
+        </p:nvSpPr>
+        <p:spPr>
+          <a:xfrm>
+            <a:off x="0" y="0"/>
+            <a:ext cx="504497" cy="6936828"/>
+          </a:xfrm>
+          <a:prstGeom prst="rect">
+            <a:avLst/>
+          </a:prstGeom>
+          <a:solidFill>
+            <a:srgbClr val="F9B322"/>
+          </a:solidFill>
+          <a:ln>
+            <a:noFill/>
+          </a:ln>
+        </p:spPr>
+        <p:style>
+          <a:lnRef idx="2">
+            <a:schemeClr val="accent1">
+              <a:shade val="50000"/>
+            </a:schemeClr>
+          </a:lnRef>
+          <a:fillRef idx="1">
+            <a:schemeClr val="accent1"/>
+          </a:fillRef>
+          <a:effectRef idx="0">
+            <a:schemeClr val="accent1"/>
+          </a:effectRef>
+          <a:fontRef idx="minor">
+            <a:schemeClr val="lt1"/>
+          </a:fontRef>
+        </p:style>
+        <p:txBody>
+          <a:bodyPr rtlCol="0" anchor="ctr"/>
+          <a:lstStyle/>
+          <a:p>
+            <a:pPr algn="ctr"/>
+            <a:endParaRPr lang="en-US"/>
+          </a:p>
+        </p:txBody>
+      </p:sp>
+    </p:spTree>
+    <p:extLst>
+      <p:ext uri="{BB962C8B-B14F-4D97-AF65-F5344CB8AC3E}">
+        <p14:creationId xmlns:p14="http://schemas.microsoft.com/office/powerpoint/2010/main" val="3548583172"/>
+      </p:ext>
+    </p:extLst>
+  </p:cSld>
+  <p:clrMapOvr>
+    <a:masterClrMapping/>
+  </p:clrMapOvr>
+</p:sld>
+</file>
+
+<file path=ppt/slides/slide22.xml><?xml version="1.0" encoding="utf-8"?>
+<p:sld xmlns:a="http://schemas.openxmlformats.org/drawingml/2006/main" xmlns:r="http://schemas.openxmlformats.org/officeDocument/2006/relationships" xmlns:p="http://schemas.openxmlformats.org/presentationml/2006/main">
+  <p:cSld>
+    <p:spTree>
+      <p:nvGrpSpPr>
+        <p:cNvPr id="1" name=""/>
+        <p:cNvGrpSpPr/>
+        <p:nvPr/>
+      </p:nvGrpSpPr>
+      <p:grpSpPr>
+        <a:xfrm>
+          <a:off x="0" y="0"/>
+          <a:ext cx="0" cy="0"/>
+          <a:chOff x="0" y="0"/>
+          <a:chExt cx="0" cy="0"/>
+        </a:xfrm>
+      </p:grpSpPr>
+      <p:sp>
+        <p:nvSpPr>
+          <p:cNvPr id="4" name="TextBox 3">
+            <a:extLst>
+              <a:ext uri="{FF2B5EF4-FFF2-40B4-BE49-F238E27FC236}">
+                <a16:creationId xmlns:a16="http://schemas.microsoft.com/office/drawing/2014/main" id="{CACDB867-217B-4248-AE05-8BA60323CA08}"/>
+              </a:ext>
+            </a:extLst>
+          </p:cNvPr>
+          <p:cNvSpPr txBox="1"/>
+          <p:nvPr/>
+        </p:nvSpPr>
+        <p:spPr>
+          <a:xfrm>
+            <a:off x="708454" y="382198"/>
+            <a:ext cx="1389804" cy="369332"/>
+          </a:xfrm>
+          <a:prstGeom prst="rect">
+            <a:avLst/>
+          </a:prstGeom>
+          <a:noFill/>
+        </p:spPr>
+        <p:txBody>
+          <a:bodyPr wrap="none" rtlCol="0">
+            <a:spAutoFit/>
+          </a:bodyPr>
+          <a:lstStyle/>
+          <a:p>
+            <a:r>
+              <a:rPr lang="en-AU" dirty="0"/>
+              <a:t>Correlations:</a:t>
+            </a:r>
+          </a:p>
+        </p:txBody>
+      </p:sp>
+      <p:sp>
+        <p:nvSpPr>
+          <p:cNvPr id="7" name="TextBox 6">
+            <a:extLst>
+              <a:ext uri="{FF2B5EF4-FFF2-40B4-BE49-F238E27FC236}">
+                <a16:creationId xmlns:a16="http://schemas.microsoft.com/office/drawing/2014/main" id="{FB1816BB-6656-43C6-8139-364881C5C474}"/>
+              </a:ext>
+            </a:extLst>
+          </p:cNvPr>
+          <p:cNvSpPr txBox="1"/>
+          <p:nvPr/>
+        </p:nvSpPr>
+        <p:spPr>
+          <a:xfrm>
+            <a:off x="708454" y="751530"/>
+            <a:ext cx="6979411" cy="369332"/>
+          </a:xfrm>
+          <a:prstGeom prst="rect">
+            <a:avLst/>
+          </a:prstGeom>
+          <a:noFill/>
+        </p:spPr>
+        <p:txBody>
+          <a:bodyPr wrap="none" rtlCol="0">
+            <a:spAutoFit/>
+          </a:bodyPr>
+          <a:lstStyle/>
+          <a:p>
+            <a:r>
+              <a:rPr lang="en-AU" dirty="0"/>
+              <a:t>Price per person has a weak positive </a:t>
+            </a:r>
+            <a:r>
+              <a:rPr lang="en-AU" dirty="0" err="1"/>
+              <a:t>correalation</a:t>
+            </a:r>
+            <a:r>
+              <a:rPr lang="en-AU" dirty="0"/>
+              <a:t> with distance from CBD</a:t>
+            </a:r>
+          </a:p>
+        </p:txBody>
+      </p:sp>
+      <p:sp>
+        <p:nvSpPr>
+          <p:cNvPr id="8" name="Rectangle 7">
+            <a:extLst>
+              <a:ext uri="{FF2B5EF4-FFF2-40B4-BE49-F238E27FC236}">
+                <a16:creationId xmlns:a16="http://schemas.microsoft.com/office/drawing/2014/main" id="{77C4740E-943F-48BE-AC8D-162527BCF6EA}"/>
+              </a:ext>
+            </a:extLst>
+          </p:cNvPr>
+          <p:cNvSpPr/>
+          <p:nvPr/>
+        </p:nvSpPr>
+        <p:spPr>
+          <a:xfrm>
+            <a:off x="7022538" y="2239995"/>
+            <a:ext cx="4741094" cy="2031325"/>
+          </a:xfrm>
+          <a:prstGeom prst="rect">
+            <a:avLst/>
+          </a:prstGeom>
+        </p:spPr>
+        <p:txBody>
+          <a:bodyPr wrap="square">
+            <a:spAutoFit/>
+          </a:bodyPr>
+          <a:lstStyle/>
+          <a:p>
+            <a:r>
+              <a:rPr lang="en-US" dirty="0"/>
+              <a:t>HYPOTHESIS:</a:t>
+            </a:r>
+          </a:p>
+          <a:p>
+            <a:r>
+              <a:rPr lang="en-US" dirty="0"/>
+              <a:t>(Closer) Proximity to the CBD will increase earnings (approximate)</a:t>
+            </a:r>
+          </a:p>
+          <a:p>
+            <a:endParaRPr lang="en-US" dirty="0"/>
+          </a:p>
+          <a:p>
+            <a:r>
+              <a:rPr lang="en-US" dirty="0"/>
+              <a:t>DATA RESULTS:</a:t>
+            </a:r>
+          </a:p>
+          <a:p>
+            <a:r>
+              <a:rPr lang="en-US" dirty="0"/>
+              <a:t>Approximate earnings increase slightly for properties located further from the CBD</a:t>
+            </a:r>
+          </a:p>
+        </p:txBody>
+      </p:sp>
+      <p:pic>
+        <p:nvPicPr>
+          <p:cNvPr id="3" name="Picture 2">
+            <a:extLst>
+              <a:ext uri="{FF2B5EF4-FFF2-40B4-BE49-F238E27FC236}">
+                <a16:creationId xmlns:a16="http://schemas.microsoft.com/office/drawing/2014/main" id="{D9DD0D07-412D-4CD5-9F7A-DD6B4F1A5EB7}"/>
+              </a:ext>
+            </a:extLst>
+          </p:cNvPr>
+          <p:cNvPicPr>
+            <a:picLocks noChangeAspect="1"/>
+          </p:cNvPicPr>
+          <p:nvPr/>
+        </p:nvPicPr>
+        <p:blipFill>
+          <a:blip r:embed="rId2"/>
+          <a:stretch>
+            <a:fillRect/>
+          </a:stretch>
+        </p:blipFill>
+        <p:spPr>
+          <a:xfrm>
+            <a:off x="428368" y="1227477"/>
+            <a:ext cx="6144482" cy="4963218"/>
+          </a:xfrm>
+          <a:prstGeom prst="rect">
+            <a:avLst/>
+          </a:prstGeom>
+        </p:spPr>
+      </p:pic>
+      <p:sp>
+        <p:nvSpPr>
+          <p:cNvPr id="6" name="Rectangle 5">
+            <a:extLst>
+              <a:ext uri="{FF2B5EF4-FFF2-40B4-BE49-F238E27FC236}">
+                <a16:creationId xmlns:a16="http://schemas.microsoft.com/office/drawing/2014/main" id="{83FE4E1E-E3A2-4F4F-84F1-84F8296A8BFD}"/>
+              </a:ext>
+            </a:extLst>
+          </p:cNvPr>
+          <p:cNvSpPr/>
+          <p:nvPr/>
+        </p:nvSpPr>
+        <p:spPr>
+          <a:xfrm>
+            <a:off x="0" y="0"/>
+            <a:ext cx="504497" cy="6936828"/>
+          </a:xfrm>
+          <a:prstGeom prst="rect">
+            <a:avLst/>
+          </a:prstGeom>
+          <a:solidFill>
+            <a:srgbClr val="F9B322"/>
+          </a:solidFill>
+          <a:ln>
+            <a:noFill/>
+          </a:ln>
+        </p:spPr>
+        <p:style>
+          <a:lnRef idx="2">
+            <a:schemeClr val="accent1">
+              <a:shade val="50000"/>
+            </a:schemeClr>
+          </a:lnRef>
+          <a:fillRef idx="1">
+            <a:schemeClr val="accent1"/>
+          </a:fillRef>
+          <a:effectRef idx="0">
+            <a:schemeClr val="accent1"/>
+          </a:effectRef>
+          <a:fontRef idx="minor">
+            <a:schemeClr val="lt1"/>
+          </a:fontRef>
+        </p:style>
+        <p:txBody>
+          <a:bodyPr rtlCol="0" anchor="ctr"/>
+          <a:lstStyle/>
+          <a:p>
+            <a:pPr algn="ctr"/>
+            <a:endParaRPr lang="en-US"/>
+          </a:p>
+        </p:txBody>
+      </p:sp>
+    </p:spTree>
+    <p:extLst>
+      <p:ext uri="{BB962C8B-B14F-4D97-AF65-F5344CB8AC3E}">
+        <p14:creationId xmlns:p14="http://schemas.microsoft.com/office/powerpoint/2010/main" val="3146087968"/>
+      </p:ext>
+    </p:extLst>
+  </p:cSld>
+  <p:clrMapOvr>
+    <a:masterClrMapping/>
+  </p:clrMapOvr>
+</p:sld>
+</file>
+
+<file path=ppt/slides/slide23.xml><?xml version="1.0" encoding="utf-8"?>
+<p:sld xmlns:a="http://schemas.openxmlformats.org/drawingml/2006/main" xmlns:r="http://schemas.openxmlformats.org/officeDocument/2006/relationships" xmlns:p="http://schemas.openxmlformats.org/presentationml/2006/main">
+  <p:cSld>
+    <p:spTree>
+      <p:nvGrpSpPr>
+        <p:cNvPr id="1" name=""/>
+        <p:cNvGrpSpPr/>
+        <p:nvPr/>
+      </p:nvGrpSpPr>
+      <p:grpSpPr>
+        <a:xfrm>
+          <a:off x="0" y="0"/>
+          <a:ext cx="0" cy="0"/>
+          <a:chOff x="0" y="0"/>
+          <a:chExt cx="0" cy="0"/>
+        </a:xfrm>
+      </p:grpSpPr>
+      <p:sp>
+        <p:nvSpPr>
+          <p:cNvPr id="4" name="TextBox 3">
+            <a:extLst>
+              <a:ext uri="{FF2B5EF4-FFF2-40B4-BE49-F238E27FC236}">
+                <a16:creationId xmlns:a16="http://schemas.microsoft.com/office/drawing/2014/main" id="{CACDB867-217B-4248-AE05-8BA60323CA08}"/>
+              </a:ext>
+            </a:extLst>
+          </p:cNvPr>
+          <p:cNvSpPr txBox="1"/>
+          <p:nvPr/>
+        </p:nvSpPr>
+        <p:spPr>
+          <a:xfrm>
+            <a:off x="708454" y="382198"/>
+            <a:ext cx="1389804" cy="369332"/>
+          </a:xfrm>
+          <a:prstGeom prst="rect">
+            <a:avLst/>
+          </a:prstGeom>
+          <a:noFill/>
+        </p:spPr>
+        <p:txBody>
+          <a:bodyPr wrap="none" rtlCol="0">
+            <a:spAutoFit/>
+          </a:bodyPr>
+          <a:lstStyle/>
+          <a:p>
+            <a:r>
+              <a:rPr lang="en-AU" dirty="0"/>
+              <a:t>Correlations:</a:t>
+            </a:r>
+          </a:p>
+        </p:txBody>
+      </p:sp>
+      <p:sp>
+        <p:nvSpPr>
+          <p:cNvPr id="7" name="TextBox 6">
+            <a:extLst>
+              <a:ext uri="{FF2B5EF4-FFF2-40B4-BE49-F238E27FC236}">
+                <a16:creationId xmlns:a16="http://schemas.microsoft.com/office/drawing/2014/main" id="{FB1816BB-6656-43C6-8139-364881C5C474}"/>
+              </a:ext>
+            </a:extLst>
+          </p:cNvPr>
+          <p:cNvSpPr txBox="1"/>
+          <p:nvPr/>
+        </p:nvSpPr>
+        <p:spPr>
+          <a:xfrm>
+            <a:off x="708454" y="751530"/>
+            <a:ext cx="8460906" cy="369332"/>
+          </a:xfrm>
+          <a:prstGeom prst="rect">
+            <a:avLst/>
+          </a:prstGeom>
+          <a:noFill/>
+        </p:spPr>
+        <p:txBody>
+          <a:bodyPr wrap="none" rtlCol="0">
+            <a:spAutoFit/>
+          </a:bodyPr>
+          <a:lstStyle/>
+          <a:p>
+            <a:r>
+              <a:rPr lang="en-AU" dirty="0"/>
+              <a:t>On property types there is no relationship between Popularity and prospective earnings </a:t>
+            </a:r>
+          </a:p>
+        </p:txBody>
+      </p:sp>
+      <p:pic>
+        <p:nvPicPr>
+          <p:cNvPr id="12" name="Picture 11">
+            <a:extLst>
+              <a:ext uri="{FF2B5EF4-FFF2-40B4-BE49-F238E27FC236}">
+                <a16:creationId xmlns:a16="http://schemas.microsoft.com/office/drawing/2014/main" id="{7358D450-1ACD-46B2-B573-61F500D5F14D}"/>
+              </a:ext>
+            </a:extLst>
+          </p:cNvPr>
+          <p:cNvPicPr>
+            <a:picLocks noChangeAspect="1"/>
+          </p:cNvPicPr>
+          <p:nvPr/>
+        </p:nvPicPr>
+        <p:blipFill>
+          <a:blip r:embed="rId2"/>
+          <a:stretch>
+            <a:fillRect/>
+          </a:stretch>
+        </p:blipFill>
+        <p:spPr>
+          <a:xfrm>
+            <a:off x="708454" y="1120863"/>
+            <a:ext cx="7531425" cy="2308138"/>
+          </a:xfrm>
+          <a:prstGeom prst="rect">
+            <a:avLst/>
+          </a:prstGeom>
+        </p:spPr>
+      </p:pic>
+      <p:sp>
+        <p:nvSpPr>
+          <p:cNvPr id="6" name="Rectangle 5">
+            <a:extLst>
+              <a:ext uri="{FF2B5EF4-FFF2-40B4-BE49-F238E27FC236}">
+                <a16:creationId xmlns:a16="http://schemas.microsoft.com/office/drawing/2014/main" id="{0C20D25A-9C88-4C0B-9550-94BA60B127D3}"/>
+              </a:ext>
+            </a:extLst>
+          </p:cNvPr>
+          <p:cNvSpPr/>
+          <p:nvPr/>
+        </p:nvSpPr>
+        <p:spPr>
+          <a:xfrm>
+            <a:off x="6824830" y="3555706"/>
+            <a:ext cx="4741094" cy="2031325"/>
+          </a:xfrm>
+          <a:prstGeom prst="rect">
+            <a:avLst/>
+          </a:prstGeom>
+          <a:solidFill>
+            <a:schemeClr val="bg1"/>
+          </a:solidFill>
+          <a:ln w="12700">
+            <a:noFill/>
+          </a:ln>
+        </p:spPr>
+        <p:txBody>
+          <a:bodyPr wrap="square">
+            <a:spAutoFit/>
+          </a:bodyPr>
+          <a:lstStyle/>
+          <a:p>
+            <a:r>
+              <a:rPr lang="en-US" dirty="0"/>
+              <a:t>HYPOTHESIS:</a:t>
+            </a:r>
+          </a:p>
+          <a:p>
+            <a:r>
+              <a:rPr lang="en-US" dirty="0"/>
+              <a:t>Property types with highest earnings are the most popular ones</a:t>
+            </a:r>
+          </a:p>
+          <a:p>
+            <a:endParaRPr lang="en-US" dirty="0"/>
+          </a:p>
+          <a:p>
+            <a:r>
+              <a:rPr lang="en-US" dirty="0"/>
+              <a:t>DATA RESULTS:</a:t>
+            </a:r>
+          </a:p>
+          <a:p>
+            <a:r>
+              <a:rPr lang="en-US" dirty="0"/>
+              <a:t>The data shows no correlation to prove that to be true</a:t>
+            </a:r>
+          </a:p>
+        </p:txBody>
+      </p:sp>
+      <p:pic>
+        <p:nvPicPr>
+          <p:cNvPr id="14" name="Picture 13">
+            <a:extLst>
+              <a:ext uri="{FF2B5EF4-FFF2-40B4-BE49-F238E27FC236}">
+                <a16:creationId xmlns:a16="http://schemas.microsoft.com/office/drawing/2014/main" id="{F4C72D92-AD02-4487-920E-CAA35D925993}"/>
+              </a:ext>
+            </a:extLst>
+          </p:cNvPr>
+          <p:cNvPicPr>
+            <a:picLocks noChangeAspect="1"/>
+          </p:cNvPicPr>
+          <p:nvPr/>
+        </p:nvPicPr>
+        <p:blipFill>
+          <a:blip r:embed="rId3"/>
+          <a:stretch>
+            <a:fillRect/>
+          </a:stretch>
+        </p:blipFill>
+        <p:spPr>
+          <a:xfrm>
+            <a:off x="708454" y="3572879"/>
+            <a:ext cx="4416523" cy="3117546"/>
+          </a:xfrm>
+          <a:prstGeom prst="rect">
+            <a:avLst/>
+          </a:prstGeom>
+        </p:spPr>
+      </p:pic>
+      <p:sp>
+        <p:nvSpPr>
+          <p:cNvPr id="8" name="Rectangle 7">
+            <a:extLst>
+              <a:ext uri="{FF2B5EF4-FFF2-40B4-BE49-F238E27FC236}">
+                <a16:creationId xmlns:a16="http://schemas.microsoft.com/office/drawing/2014/main" id="{CEF900F9-81B6-704B-81F7-E49AC3D7F2BC}"/>
+              </a:ext>
+            </a:extLst>
+          </p:cNvPr>
+          <p:cNvSpPr/>
+          <p:nvPr/>
+        </p:nvSpPr>
+        <p:spPr>
+          <a:xfrm>
+            <a:off x="0" y="0"/>
+            <a:ext cx="504497" cy="6936828"/>
+          </a:xfrm>
+          <a:prstGeom prst="rect">
+            <a:avLst/>
+          </a:prstGeom>
+          <a:solidFill>
+            <a:srgbClr val="F9B322"/>
+          </a:solidFill>
+          <a:ln>
+            <a:noFill/>
+          </a:ln>
+        </p:spPr>
+        <p:style>
+          <a:lnRef idx="2">
+            <a:schemeClr val="accent1">
+              <a:shade val="50000"/>
+            </a:schemeClr>
+          </a:lnRef>
+          <a:fillRef idx="1">
+            <a:schemeClr val="accent1"/>
+          </a:fillRef>
+          <a:effectRef idx="0">
+            <a:schemeClr val="accent1"/>
+          </a:effectRef>
+          <a:fontRef idx="minor">
+            <a:schemeClr val="lt1"/>
+          </a:fontRef>
+        </p:style>
+        <p:txBody>
+          <a:bodyPr rtlCol="0" anchor="ctr"/>
+          <a:lstStyle/>
+          <a:p>
+            <a:pPr algn="ctr"/>
+            <a:endParaRPr lang="en-US"/>
+          </a:p>
+        </p:txBody>
+      </p:sp>
+    </p:spTree>
+    <p:extLst>
+      <p:ext uri="{BB962C8B-B14F-4D97-AF65-F5344CB8AC3E}">
+        <p14:creationId xmlns:p14="http://schemas.microsoft.com/office/powerpoint/2010/main" val="2329107346"/>
+      </p:ext>
+    </p:extLst>
+  </p:cSld>
+  <p:clrMapOvr>
+    <a:masterClrMapping/>
+  </p:clrMapOvr>
+</p:sld>
+</file>
+
+<file path=ppt/slides/slide24.xml><?xml version="1.0" encoding="utf-8"?>
+<p:sld xmlns:a="http://schemas.openxmlformats.org/drawingml/2006/main" xmlns:r="http://schemas.openxmlformats.org/officeDocument/2006/relationships" xmlns:p="http://schemas.openxmlformats.org/presentationml/2006/main">
+  <p:cSld>
+    <p:spTree>
+      <p:nvGrpSpPr>
+        <p:cNvPr id="1" name=""/>
+        <p:cNvGrpSpPr/>
+        <p:nvPr/>
+      </p:nvGrpSpPr>
+      <p:grpSpPr>
+        <a:xfrm>
+          <a:off x="0" y="0"/>
+          <a:ext cx="0" cy="0"/>
+          <a:chOff x="0" y="0"/>
+          <a:chExt cx="0" cy="0"/>
+        </a:xfrm>
+      </p:grpSpPr>
+      <p:sp>
+        <p:nvSpPr>
+          <p:cNvPr id="4" name="TextBox 3">
+            <a:extLst>
+              <a:ext uri="{FF2B5EF4-FFF2-40B4-BE49-F238E27FC236}">
+                <a16:creationId xmlns:a16="http://schemas.microsoft.com/office/drawing/2014/main" id="{CACDB867-217B-4248-AE05-8BA60323CA08}"/>
+              </a:ext>
+            </a:extLst>
+          </p:cNvPr>
+          <p:cNvSpPr txBox="1"/>
+          <p:nvPr/>
+        </p:nvSpPr>
+        <p:spPr>
+          <a:xfrm>
+            <a:off x="708454" y="382198"/>
+            <a:ext cx="1389804" cy="369332"/>
+          </a:xfrm>
+          <a:prstGeom prst="rect">
+            <a:avLst/>
+          </a:prstGeom>
+          <a:noFill/>
+        </p:spPr>
+        <p:txBody>
+          <a:bodyPr wrap="none" rtlCol="0">
+            <a:spAutoFit/>
+          </a:bodyPr>
+          <a:lstStyle/>
+          <a:p>
+            <a:r>
+              <a:rPr lang="en-AU" dirty="0"/>
+              <a:t>Correlations:</a:t>
+            </a:r>
+          </a:p>
+        </p:txBody>
+      </p:sp>
+      <p:sp>
+        <p:nvSpPr>
+          <p:cNvPr id="7" name="TextBox 6">
+            <a:extLst>
+              <a:ext uri="{FF2B5EF4-FFF2-40B4-BE49-F238E27FC236}">
+                <a16:creationId xmlns:a16="http://schemas.microsoft.com/office/drawing/2014/main" id="{FB1816BB-6656-43C6-8139-364881C5C474}"/>
+              </a:ext>
+            </a:extLst>
+          </p:cNvPr>
+          <p:cNvSpPr txBox="1"/>
+          <p:nvPr/>
+        </p:nvSpPr>
+        <p:spPr>
+          <a:xfrm>
+            <a:off x="708454" y="751530"/>
+            <a:ext cx="6624442" cy="369332"/>
+          </a:xfrm>
+          <a:prstGeom prst="rect">
+            <a:avLst/>
+          </a:prstGeom>
+          <a:noFill/>
+        </p:spPr>
+        <p:txBody>
+          <a:bodyPr wrap="none" rtlCol="0">
+            <a:spAutoFit/>
+          </a:bodyPr>
+          <a:lstStyle/>
+          <a:p>
+            <a:r>
+              <a:rPr lang="en-AU" dirty="0"/>
+              <a:t>Popularity has a weak negative correlation with prospective earnings</a:t>
+            </a:r>
+          </a:p>
+        </p:txBody>
+      </p:sp>
+      <p:sp>
+        <p:nvSpPr>
+          <p:cNvPr id="6" name="Rectangle 5">
+            <a:extLst>
+              <a:ext uri="{FF2B5EF4-FFF2-40B4-BE49-F238E27FC236}">
+                <a16:creationId xmlns:a16="http://schemas.microsoft.com/office/drawing/2014/main" id="{0C20D25A-9C88-4C0B-9550-94BA60B127D3}"/>
+              </a:ext>
+            </a:extLst>
+          </p:cNvPr>
+          <p:cNvSpPr/>
+          <p:nvPr/>
+        </p:nvSpPr>
+        <p:spPr>
+          <a:xfrm>
+            <a:off x="6882495" y="2239995"/>
+            <a:ext cx="4741094" cy="2308324"/>
+          </a:xfrm>
+          <a:prstGeom prst="rect">
+            <a:avLst/>
+          </a:prstGeom>
+        </p:spPr>
+        <p:txBody>
+          <a:bodyPr wrap="square">
+            <a:spAutoFit/>
+          </a:bodyPr>
+          <a:lstStyle/>
+          <a:p>
+            <a:r>
+              <a:rPr lang="en-US" dirty="0"/>
+              <a:t>HYPOTHESIS:</a:t>
+            </a:r>
+          </a:p>
+          <a:p>
+            <a:r>
+              <a:rPr lang="en-US" dirty="0"/>
+              <a:t>The Popularity of properties will be (positively) reflected in higher earnings</a:t>
+            </a:r>
+          </a:p>
+          <a:p>
+            <a:endParaRPr lang="en-US" dirty="0"/>
+          </a:p>
+          <a:p>
+            <a:r>
+              <a:rPr lang="en-US" dirty="0"/>
+              <a:t>DATA RESULTS:</a:t>
+            </a:r>
+          </a:p>
+          <a:p>
+            <a:r>
+              <a:rPr lang="en-US" dirty="0"/>
+              <a:t>Listings with higher prospective earnings are less popular than listings with lower prospective  earnings</a:t>
+            </a:r>
+          </a:p>
+        </p:txBody>
+      </p:sp>
+      <p:pic>
+        <p:nvPicPr>
+          <p:cNvPr id="9" name="Picture 8">
+            <a:extLst>
+              <a:ext uri="{FF2B5EF4-FFF2-40B4-BE49-F238E27FC236}">
+                <a16:creationId xmlns:a16="http://schemas.microsoft.com/office/drawing/2014/main" id="{4BE34F5E-29E6-43CA-9210-AB333EFF38C4}"/>
+              </a:ext>
+            </a:extLst>
+          </p:cNvPr>
+          <p:cNvPicPr>
+            <a:picLocks noChangeAspect="1"/>
+          </p:cNvPicPr>
+          <p:nvPr/>
+        </p:nvPicPr>
+        <p:blipFill>
+          <a:blip r:embed="rId2"/>
+          <a:stretch>
+            <a:fillRect/>
+          </a:stretch>
+        </p:blipFill>
+        <p:spPr>
+          <a:xfrm>
+            <a:off x="708454" y="1120862"/>
+            <a:ext cx="5963482" cy="4906060"/>
+          </a:xfrm>
+          <a:prstGeom prst="rect">
+            <a:avLst/>
+          </a:prstGeom>
+        </p:spPr>
+      </p:pic>
+      <p:sp>
+        <p:nvSpPr>
+          <p:cNvPr id="8" name="Rectangle 7">
+            <a:extLst>
+              <a:ext uri="{FF2B5EF4-FFF2-40B4-BE49-F238E27FC236}">
+                <a16:creationId xmlns:a16="http://schemas.microsoft.com/office/drawing/2014/main" id="{B471D92E-2C0B-014E-A248-C1ED0F9B2CDE}"/>
+              </a:ext>
+            </a:extLst>
+          </p:cNvPr>
+          <p:cNvSpPr/>
+          <p:nvPr/>
+        </p:nvSpPr>
+        <p:spPr>
+          <a:xfrm>
+            <a:off x="0" y="0"/>
+            <a:ext cx="504497" cy="6936828"/>
+          </a:xfrm>
+          <a:prstGeom prst="rect">
+            <a:avLst/>
+          </a:prstGeom>
+          <a:solidFill>
+            <a:srgbClr val="F9B322"/>
+          </a:solidFill>
+          <a:ln>
+            <a:noFill/>
+          </a:ln>
+        </p:spPr>
+        <p:style>
+          <a:lnRef idx="2">
+            <a:schemeClr val="accent1">
+              <a:shade val="50000"/>
+            </a:schemeClr>
+          </a:lnRef>
+          <a:fillRef idx="1">
+            <a:schemeClr val="accent1"/>
+          </a:fillRef>
+          <a:effectRef idx="0">
+            <a:schemeClr val="accent1"/>
+          </a:effectRef>
+          <a:fontRef idx="minor">
+            <a:schemeClr val="lt1"/>
+          </a:fontRef>
+        </p:style>
+        <p:txBody>
+          <a:bodyPr rtlCol="0" anchor="ctr"/>
+          <a:lstStyle/>
+          <a:p>
+            <a:pPr algn="ctr"/>
+            <a:endParaRPr lang="en-US"/>
+          </a:p>
+        </p:txBody>
+      </p:sp>
+    </p:spTree>
+    <p:extLst>
+      <p:ext uri="{BB962C8B-B14F-4D97-AF65-F5344CB8AC3E}">
+        <p14:creationId xmlns:p14="http://schemas.microsoft.com/office/powerpoint/2010/main" val="743470497"/>
+      </p:ext>
+    </p:extLst>
+  </p:cSld>
+  <p:clrMapOvr>
+    <a:masterClrMapping/>
+  </p:clrMapOvr>
+</p:sld>
+</file>
+
+<file path=ppt/slides/slide25.xml><?xml version="1.0" encoding="utf-8"?>
+<p:sld xmlns:a="http://schemas.openxmlformats.org/drawingml/2006/main" xmlns:r="http://schemas.openxmlformats.org/officeDocument/2006/relationships" xmlns:p="http://schemas.openxmlformats.org/presentationml/2006/main">
+  <p:cSld>
+    <p:spTree>
+      <p:nvGrpSpPr>
+        <p:cNvPr id="1" name=""/>
+        <p:cNvGrpSpPr/>
+        <p:nvPr/>
+      </p:nvGrpSpPr>
+      <p:grpSpPr>
+        <a:xfrm>
+          <a:off x="0" y="0"/>
+          <a:ext cx="0" cy="0"/>
+          <a:chOff x="0" y="0"/>
+          <a:chExt cx="0" cy="0"/>
+        </a:xfrm>
+      </p:grpSpPr>
+      <p:sp>
+        <p:nvSpPr>
+          <p:cNvPr id="8" name="Rectangle 7">
+            <a:extLst>
+              <a:ext uri="{FF2B5EF4-FFF2-40B4-BE49-F238E27FC236}">
+                <a16:creationId xmlns:a16="http://schemas.microsoft.com/office/drawing/2014/main" id="{B471D92E-2C0B-014E-A248-C1ED0F9B2CDE}"/>
+              </a:ext>
+            </a:extLst>
+          </p:cNvPr>
+          <p:cNvSpPr/>
+          <p:nvPr/>
+        </p:nvSpPr>
+        <p:spPr>
+          <a:xfrm>
+            <a:off x="0" y="0"/>
+            <a:ext cx="504497" cy="6936828"/>
+          </a:xfrm>
+          <a:prstGeom prst="rect">
+            <a:avLst/>
+          </a:prstGeom>
+          <a:solidFill>
+            <a:srgbClr val="F9B322"/>
+          </a:solidFill>
+          <a:ln>
+            <a:noFill/>
+          </a:ln>
+        </p:spPr>
+        <p:style>
+          <a:lnRef idx="2">
+            <a:schemeClr val="accent1">
+              <a:shade val="50000"/>
+            </a:schemeClr>
+          </a:lnRef>
+          <a:fillRef idx="1">
+            <a:schemeClr val="accent1"/>
+          </a:fillRef>
+          <a:effectRef idx="0">
+            <a:schemeClr val="accent1"/>
+          </a:effectRef>
+          <a:fontRef idx="minor">
+            <a:schemeClr val="lt1"/>
+          </a:fontRef>
+        </p:style>
+        <p:txBody>
+          <a:bodyPr rtlCol="0" anchor="ctr"/>
+          <a:lstStyle/>
+          <a:p>
+            <a:pPr algn="ctr"/>
+            <a:endParaRPr lang="en-US"/>
+          </a:p>
+        </p:txBody>
+      </p:sp>
+      <p:sp>
+        <p:nvSpPr>
+          <p:cNvPr id="10" name="Content Placeholder 2">
+            <a:extLst>
+              <a:ext uri="{FF2B5EF4-FFF2-40B4-BE49-F238E27FC236}">
+                <a16:creationId xmlns:a16="http://schemas.microsoft.com/office/drawing/2014/main" id="{80FCB6E4-283C-4740-BDBF-AABD982FDA3F}"/>
+              </a:ext>
+            </a:extLst>
+          </p:cNvPr>
+          <p:cNvSpPr txBox="1">
+            <a:spLocks/>
+          </p:cNvSpPr>
+          <p:nvPr/>
+        </p:nvSpPr>
+        <p:spPr>
+          <a:xfrm>
+            <a:off x="1954923" y="1240221"/>
+            <a:ext cx="9522373" cy="5467514"/>
+          </a:xfrm>
+          <a:prstGeom prst="rect">
+            <a:avLst/>
+          </a:prstGeom>
+        </p:spPr>
+        <p:txBody>
+          <a:bodyPr vert="horz" lIns="91440" tIns="45720" rIns="91440" bIns="45720" rtlCol="0">
+            <a:normAutofit/>
+          </a:bodyPr>
+          <a:lstStyle>
+            <a:lvl1pPr marL="0" indent="0" algn="ctr" defTabSz="914400" rtl="0" eaLnBrk="1" latinLnBrk="0" hangingPunct="1">
+              <a:lnSpc>
+                <a:spcPct val="90000"/>
+              </a:lnSpc>
+              <a:spcBef>
+                <a:spcPts val="1000"/>
+              </a:spcBef>
+              <a:buFont typeface="Arial" panose="020B0604020202020204" pitchFamily="34" charset="0"/>
+              <a:buNone/>
+              <a:defRPr sz="2400" kern="1200">
                 <a:solidFill>
-                  <a:srgbClr val="FFFFFF"/>
+                  <a:schemeClr val="tx1"/>
                 </a:solidFill>
-              </a14:hiddenFill>
-            </a:ext>
-          </a:extLst>
+                <a:latin typeface="+mn-lt"/>
+                <a:ea typeface="+mn-ea"/>
+                <a:cs typeface="+mn-cs"/>
+              </a:defRPr>
+            </a:lvl1pPr>
+            <a:lvl2pPr marL="457200" indent="0" algn="ctr" defTabSz="914400" rtl="0" eaLnBrk="1" latinLnBrk="0" hangingPunct="1">
+              <a:lnSpc>
+                <a:spcPct val="90000"/>
+              </a:lnSpc>
+              <a:spcBef>
+                <a:spcPts val="500"/>
+              </a:spcBef>
+              <a:buFont typeface="Arial" panose="020B0604020202020204" pitchFamily="34" charset="0"/>
+              <a:buNone/>
+              <a:defRPr sz="2000" kern="1200">
+                <a:solidFill>
+                  <a:schemeClr val="tx1"/>
+                </a:solidFill>
+                <a:latin typeface="+mn-lt"/>
+                <a:ea typeface="+mn-ea"/>
+                <a:cs typeface="+mn-cs"/>
+              </a:defRPr>
+            </a:lvl2pPr>
+            <a:lvl3pPr marL="914400" indent="0" algn="ctr" defTabSz="914400" rtl="0" eaLnBrk="1" latinLnBrk="0" hangingPunct="1">
+              <a:lnSpc>
+                <a:spcPct val="90000"/>
+              </a:lnSpc>
+              <a:spcBef>
+                <a:spcPts val="500"/>
+              </a:spcBef>
+              <a:buFont typeface="Arial" panose="020B0604020202020204" pitchFamily="34" charset="0"/>
+              <a:buNone/>
+              <a:defRPr sz="1800" kern="1200">
+                <a:solidFill>
+                  <a:schemeClr val="tx1"/>
+                </a:solidFill>
+                <a:latin typeface="+mn-lt"/>
+                <a:ea typeface="+mn-ea"/>
+                <a:cs typeface="+mn-cs"/>
+              </a:defRPr>
+            </a:lvl3pPr>
+            <a:lvl4pPr marL="1371600" indent="0" algn="ctr" defTabSz="914400" rtl="0" eaLnBrk="1" latinLnBrk="0" hangingPunct="1">
+              <a:lnSpc>
+                <a:spcPct val="90000"/>
+              </a:lnSpc>
+              <a:spcBef>
+                <a:spcPts val="500"/>
+              </a:spcBef>
+              <a:buFont typeface="Arial" panose="020B0604020202020204" pitchFamily="34" charset="0"/>
+              <a:buNone/>
+              <a:defRPr sz="1600" kern="1200">
+                <a:solidFill>
+                  <a:schemeClr val="tx1"/>
+                </a:solidFill>
+                <a:latin typeface="+mn-lt"/>
+                <a:ea typeface="+mn-ea"/>
+                <a:cs typeface="+mn-cs"/>
+              </a:defRPr>
+            </a:lvl4pPr>
+            <a:lvl5pPr marL="1828800" indent="0" algn="ctr" defTabSz="914400" rtl="0" eaLnBrk="1" latinLnBrk="0" hangingPunct="1">
+              <a:lnSpc>
+                <a:spcPct val="90000"/>
+              </a:lnSpc>
+              <a:spcBef>
+                <a:spcPts val="500"/>
+              </a:spcBef>
+              <a:buFont typeface="Arial" panose="020B0604020202020204" pitchFamily="34" charset="0"/>
+              <a:buNone/>
+              <a:defRPr sz="1600" kern="1200">
+                <a:solidFill>
+                  <a:schemeClr val="tx1"/>
+                </a:solidFill>
+                <a:latin typeface="+mn-lt"/>
+                <a:ea typeface="+mn-ea"/>
+                <a:cs typeface="+mn-cs"/>
+              </a:defRPr>
+            </a:lvl5pPr>
+            <a:lvl6pPr marL="2286000" indent="0" algn="ctr" defTabSz="914400" rtl="0" eaLnBrk="1" latinLnBrk="0" hangingPunct="1">
+              <a:lnSpc>
+                <a:spcPct val="90000"/>
+              </a:lnSpc>
+              <a:spcBef>
+                <a:spcPts val="500"/>
+              </a:spcBef>
+              <a:buFont typeface="Arial" panose="020B0604020202020204" pitchFamily="34" charset="0"/>
+              <a:buNone/>
+              <a:defRPr sz="1600" kern="1200">
+                <a:solidFill>
+                  <a:schemeClr val="tx1"/>
+                </a:solidFill>
+                <a:latin typeface="+mn-lt"/>
+                <a:ea typeface="+mn-ea"/>
+                <a:cs typeface="+mn-cs"/>
+              </a:defRPr>
+            </a:lvl6pPr>
+            <a:lvl7pPr marL="2743200" indent="0" algn="ctr" defTabSz="914400" rtl="0" eaLnBrk="1" latinLnBrk="0" hangingPunct="1">
+              <a:lnSpc>
+                <a:spcPct val="90000"/>
+              </a:lnSpc>
+              <a:spcBef>
+                <a:spcPts val="500"/>
+              </a:spcBef>
+              <a:buFont typeface="Arial" panose="020B0604020202020204" pitchFamily="34" charset="0"/>
+              <a:buNone/>
+              <a:defRPr sz="1600" kern="1200">
+                <a:solidFill>
+                  <a:schemeClr val="tx1"/>
+                </a:solidFill>
+                <a:latin typeface="+mn-lt"/>
+                <a:ea typeface="+mn-ea"/>
+                <a:cs typeface="+mn-cs"/>
+              </a:defRPr>
+            </a:lvl7pPr>
+            <a:lvl8pPr marL="3200400" indent="0" algn="ctr" defTabSz="914400" rtl="0" eaLnBrk="1" latinLnBrk="0" hangingPunct="1">
+              <a:lnSpc>
+                <a:spcPct val="90000"/>
+              </a:lnSpc>
+              <a:spcBef>
+                <a:spcPts val="500"/>
+              </a:spcBef>
+              <a:buFont typeface="Arial" panose="020B0604020202020204" pitchFamily="34" charset="0"/>
+              <a:buNone/>
+              <a:defRPr sz="1600" kern="1200">
+                <a:solidFill>
+                  <a:schemeClr val="tx1"/>
+                </a:solidFill>
+                <a:latin typeface="+mn-lt"/>
+                <a:ea typeface="+mn-ea"/>
+                <a:cs typeface="+mn-cs"/>
+              </a:defRPr>
+            </a:lvl8pPr>
+            <a:lvl9pPr marL="3657600" indent="0" algn="ctr" defTabSz="914400" rtl="0" eaLnBrk="1" latinLnBrk="0" hangingPunct="1">
+              <a:lnSpc>
+                <a:spcPct val="90000"/>
+              </a:lnSpc>
+              <a:spcBef>
+                <a:spcPts val="500"/>
+              </a:spcBef>
+              <a:buFont typeface="Arial" panose="020B0604020202020204" pitchFamily="34" charset="0"/>
+              <a:buNone/>
+              <a:defRPr sz="1600" kern="1200">
+                <a:solidFill>
+                  <a:schemeClr val="tx1"/>
+                </a:solidFill>
+                <a:latin typeface="+mn-lt"/>
+                <a:ea typeface="+mn-ea"/>
+                <a:cs typeface="+mn-cs"/>
+              </a:defRPr>
+            </a:lvl9pPr>
+          </a:lstStyle>
+          <a:p>
+            <a:pPr algn="l">
+              <a:lnSpc>
+                <a:spcPct val="120000"/>
+              </a:lnSpc>
+            </a:pPr>
+            <a:r>
+              <a:rPr lang="en-US" b="1" dirty="0"/>
+              <a:t>Difficulties</a:t>
+            </a:r>
+          </a:p>
+          <a:p>
+            <a:pPr marL="342900" indent="-342900" algn="l">
+              <a:lnSpc>
+                <a:spcPct val="120000"/>
+              </a:lnSpc>
+              <a:buFont typeface="Arial" panose="020B0604020202020204" pitchFamily="34" charset="0"/>
+              <a:buChar char="•"/>
+            </a:pPr>
+            <a:r>
+              <a:rPr lang="en-US" dirty="0"/>
+              <a:t>There was not enough time to authenticate the bookings data and make use of it.</a:t>
+            </a:r>
+          </a:p>
+          <a:p>
+            <a:pPr marL="342900" indent="-342900" algn="l">
+              <a:lnSpc>
+                <a:spcPct val="120000"/>
+              </a:lnSpc>
+              <a:buFont typeface="Arial" panose="020B0604020202020204" pitchFamily="34" charset="0"/>
+              <a:buChar char="•"/>
+            </a:pPr>
+            <a:r>
+              <a:rPr lang="en-US" dirty="0"/>
+              <a:t>Trying to determine if this data was really going to fulfill our needs without having to search for more data later. We had to commit</a:t>
+            </a:r>
+          </a:p>
+          <a:p>
+            <a:pPr algn="l">
+              <a:lnSpc>
+                <a:spcPct val="120000"/>
+              </a:lnSpc>
+            </a:pPr>
+            <a:r>
+              <a:rPr lang="en-US" b="1" dirty="0"/>
+              <a:t>Additional Questions</a:t>
+            </a:r>
+          </a:p>
+          <a:p>
+            <a:pPr marL="342900" indent="-342900" algn="l">
+              <a:lnSpc>
+                <a:spcPct val="120000"/>
+              </a:lnSpc>
+              <a:buFont typeface="Arial" panose="020B0604020202020204" pitchFamily="34" charset="0"/>
+              <a:buChar char="•"/>
+            </a:pPr>
+            <a:r>
+              <a:rPr lang="en-US" dirty="0"/>
+              <a:t>What aspect of the rating seems to correlate with high earners. Was location more important than quality of the property.</a:t>
+            </a:r>
+          </a:p>
+        </p:txBody>
+      </p:sp>
+      <p:sp>
+        <p:nvSpPr>
+          <p:cNvPr id="11" name="Rectangle 10">
+            <a:extLst>
+              <a:ext uri="{FF2B5EF4-FFF2-40B4-BE49-F238E27FC236}">
+                <a16:creationId xmlns:a16="http://schemas.microsoft.com/office/drawing/2014/main" id="{C4DE79B1-BF30-BF4A-AC90-8A60F647C156}"/>
+              </a:ext>
+            </a:extLst>
+          </p:cNvPr>
+          <p:cNvSpPr/>
+          <p:nvPr/>
+        </p:nvSpPr>
+        <p:spPr>
+          <a:xfrm>
+            <a:off x="1610036" y="471496"/>
+            <a:ext cx="184731" cy="643894"/>
+          </a:xfrm>
+          <a:prstGeom prst="rect">
+            <a:avLst/>
+          </a:prstGeom>
+        </p:spPr>
+        <p:txBody>
+          <a:bodyPr wrap="none">
+            <a:spAutoFit/>
+          </a:bodyPr>
+          <a:lstStyle/>
+          <a:p>
+            <a:pPr>
+              <a:lnSpc>
+                <a:spcPct val="120000"/>
+              </a:lnSpc>
+            </a:pPr>
+            <a:endParaRPr lang="en-AU" sz="3200" dirty="0"/>
+          </a:p>
+        </p:txBody>
+      </p:sp>
+    </p:spTree>
+    <p:extLst>
+      <p:ext uri="{BB962C8B-B14F-4D97-AF65-F5344CB8AC3E}">
+        <p14:creationId xmlns:p14="http://schemas.microsoft.com/office/powerpoint/2010/main" val="3747055746"/>
+      </p:ext>
+    </p:extLst>
+  </p:cSld>
+  <p:clrMapOvr>
+    <a:masterClrMapping/>
+  </p:clrMapOvr>
+</p:sld>
+</file>
+
+<file path=ppt/slides/slide26.xml><?xml version="1.0" encoding="utf-8"?>
+<p:sld xmlns:a="http://schemas.openxmlformats.org/drawingml/2006/main" xmlns:r="http://schemas.openxmlformats.org/officeDocument/2006/relationships" xmlns:p="http://schemas.openxmlformats.org/presentationml/2006/main">
+  <p:cSld>
+    <p:spTree>
+      <p:nvGrpSpPr>
+        <p:cNvPr id="1" name=""/>
+        <p:cNvGrpSpPr/>
+        <p:nvPr/>
+      </p:nvGrpSpPr>
+      <p:grpSpPr>
+        <a:xfrm>
+          <a:off x="0" y="0"/>
+          <a:ext cx="0" cy="0"/>
+          <a:chOff x="0" y="0"/>
+          <a:chExt cx="0" cy="0"/>
+        </a:xfrm>
+      </p:grpSpPr>
+      <p:sp>
+        <p:nvSpPr>
+          <p:cNvPr id="2" name="Title 1">
+            <a:extLst>
+              <a:ext uri="{FF2B5EF4-FFF2-40B4-BE49-F238E27FC236}">
+                <a16:creationId xmlns:a16="http://schemas.microsoft.com/office/drawing/2014/main" id="{6FF05AB6-75BB-5E40-92C9-169437B4E5C2}"/>
+              </a:ext>
+            </a:extLst>
+          </p:cNvPr>
+          <p:cNvSpPr>
+            <a:spLocks noGrp="1"/>
+          </p:cNvSpPr>
+          <p:nvPr>
+            <p:ph type="ctrTitle"/>
+          </p:nvPr>
+        </p:nvSpPr>
+        <p:spPr>
+          <a:xfrm>
+            <a:off x="2755024" y="1132873"/>
+            <a:ext cx="9144000" cy="2387600"/>
+          </a:xfrm>
+        </p:spPr>
+        <p:txBody>
+          <a:bodyPr/>
+          <a:lstStyle/>
+          <a:p>
+            <a:endParaRPr lang="en-US"/>
+          </a:p>
+        </p:txBody>
+      </p:sp>
+      <p:sp>
+        <p:nvSpPr>
+          <p:cNvPr id="3" name="Subtitle 2">
+            <a:extLst>
+              <a:ext uri="{FF2B5EF4-FFF2-40B4-BE49-F238E27FC236}">
+                <a16:creationId xmlns:a16="http://schemas.microsoft.com/office/drawing/2014/main" id="{70E45108-73BB-4248-B3B0-BDC3978D4711}"/>
+              </a:ext>
+            </a:extLst>
+          </p:cNvPr>
+          <p:cNvSpPr>
+            <a:spLocks noGrp="1"/>
+          </p:cNvSpPr>
+          <p:nvPr>
+            <p:ph type="subTitle" idx="1"/>
+          </p:nvPr>
+        </p:nvSpPr>
+        <p:spPr>
+          <a:xfrm>
+            <a:off x="2755024" y="3612548"/>
+            <a:ext cx="9144000" cy="1655762"/>
+          </a:xfrm>
+        </p:spPr>
+        <p:txBody>
+          <a:bodyPr/>
+          <a:lstStyle/>
+          <a:p>
+            <a:endParaRPr lang="en-US"/>
+          </a:p>
+        </p:txBody>
+      </p:sp>
+      <p:sp>
+        <p:nvSpPr>
+          <p:cNvPr id="4" name="Rectangle 3">
+            <a:extLst>
+              <a:ext uri="{FF2B5EF4-FFF2-40B4-BE49-F238E27FC236}">
+                <a16:creationId xmlns:a16="http://schemas.microsoft.com/office/drawing/2014/main" id="{F1FFD438-F40F-2146-814A-D2209782D1FA}"/>
+              </a:ext>
+            </a:extLst>
+          </p:cNvPr>
+          <p:cNvSpPr/>
+          <p:nvPr/>
+        </p:nvSpPr>
+        <p:spPr>
+          <a:xfrm>
+            <a:off x="0" y="0"/>
+            <a:ext cx="12192000" cy="6936828"/>
+          </a:xfrm>
+          <a:prstGeom prst="rect">
+            <a:avLst/>
+          </a:prstGeom>
+          <a:solidFill>
+            <a:srgbClr val="F9B322"/>
+          </a:solidFill>
+        </p:spPr>
+        <p:style>
+          <a:lnRef idx="2">
+            <a:schemeClr val="accent1">
+              <a:shade val="50000"/>
+            </a:schemeClr>
+          </a:lnRef>
+          <a:fillRef idx="1">
+            <a:schemeClr val="accent1"/>
+          </a:fillRef>
+          <a:effectRef idx="0">
+            <a:schemeClr val="accent1"/>
+          </a:effectRef>
+          <a:fontRef idx="minor">
+            <a:schemeClr val="lt1"/>
+          </a:fontRef>
+        </p:style>
+        <p:txBody>
+          <a:bodyPr rtlCol="0" anchor="ctr"/>
+          <a:lstStyle/>
+          <a:p>
+            <a:pPr algn="ctr"/>
+            <a:endParaRPr lang="en-US"/>
+          </a:p>
+        </p:txBody>
+      </p:sp>
+      <p:pic>
+        <p:nvPicPr>
+          <p:cNvPr id="7" name="Picture 6">
+            <a:extLst>
+              <a:ext uri="{FF2B5EF4-FFF2-40B4-BE49-F238E27FC236}">
+                <a16:creationId xmlns:a16="http://schemas.microsoft.com/office/drawing/2014/main" id="{A22A6ECC-BC3E-F849-98C5-8F38DAFBF57F}"/>
+              </a:ext>
+            </a:extLst>
+          </p:cNvPr>
+          <p:cNvPicPr>
+            <a:picLocks noChangeAspect="1"/>
+          </p:cNvPicPr>
+          <p:nvPr/>
+        </p:nvPicPr>
+        <p:blipFill>
+          <a:blip r:embed="rId2"/>
+          <a:stretch>
+            <a:fillRect/>
+          </a:stretch>
+        </p:blipFill>
+        <p:spPr>
+          <a:xfrm>
+            <a:off x="1995651" y="1329817"/>
+            <a:ext cx="3880945" cy="1207405"/>
+          </a:xfrm>
+          <a:prstGeom prst="rect">
+            <a:avLst/>
+          </a:prstGeom>
+        </p:spPr>
+      </p:pic>
+      <p:sp>
+        <p:nvSpPr>
+          <p:cNvPr id="8" name="Content Placeholder 2">
+            <a:extLst>
+              <a:ext uri="{FF2B5EF4-FFF2-40B4-BE49-F238E27FC236}">
+                <a16:creationId xmlns:a16="http://schemas.microsoft.com/office/drawing/2014/main" id="{7B3EB0BB-F0F3-554C-967B-5E24B2493075}"/>
+              </a:ext>
+            </a:extLst>
+          </p:cNvPr>
+          <p:cNvSpPr txBox="1">
+            <a:spLocks/>
+          </p:cNvSpPr>
+          <p:nvPr/>
+        </p:nvSpPr>
+        <p:spPr>
+          <a:xfrm>
+            <a:off x="2069224" y="2792944"/>
+            <a:ext cx="5615152" cy="2756259"/>
+          </a:xfrm>
+          <a:prstGeom prst="rect">
+            <a:avLst/>
+          </a:prstGeom>
+        </p:spPr>
+        <p:txBody>
+          <a:bodyPr vert="horz" lIns="91440" tIns="45720" rIns="91440" bIns="45720" rtlCol="0">
+            <a:normAutofit/>
+          </a:bodyPr>
+          <a:lstStyle>
+            <a:lvl1pPr marL="0" indent="0" algn="ctr" defTabSz="914400" rtl="0" eaLnBrk="1" latinLnBrk="0" hangingPunct="1">
+              <a:lnSpc>
+                <a:spcPct val="90000"/>
+              </a:lnSpc>
+              <a:spcBef>
+                <a:spcPts val="1000"/>
+              </a:spcBef>
+              <a:buFont typeface="Arial" panose="020B0604020202020204" pitchFamily="34" charset="0"/>
+              <a:buNone/>
+              <a:defRPr sz="2400" kern="1200">
+                <a:solidFill>
+                  <a:schemeClr val="tx1"/>
+                </a:solidFill>
+                <a:latin typeface="+mn-lt"/>
+                <a:ea typeface="+mn-ea"/>
+                <a:cs typeface="+mn-cs"/>
+              </a:defRPr>
+            </a:lvl1pPr>
+            <a:lvl2pPr marL="457200" indent="0" algn="ctr" defTabSz="914400" rtl="0" eaLnBrk="1" latinLnBrk="0" hangingPunct="1">
+              <a:lnSpc>
+                <a:spcPct val="90000"/>
+              </a:lnSpc>
+              <a:spcBef>
+                <a:spcPts val="500"/>
+              </a:spcBef>
+              <a:buFont typeface="Arial" panose="020B0604020202020204" pitchFamily="34" charset="0"/>
+              <a:buNone/>
+              <a:defRPr sz="2000" kern="1200">
+                <a:solidFill>
+                  <a:schemeClr val="tx1"/>
+                </a:solidFill>
+                <a:latin typeface="+mn-lt"/>
+                <a:ea typeface="+mn-ea"/>
+                <a:cs typeface="+mn-cs"/>
+              </a:defRPr>
+            </a:lvl2pPr>
+            <a:lvl3pPr marL="914400" indent="0" algn="ctr" defTabSz="914400" rtl="0" eaLnBrk="1" latinLnBrk="0" hangingPunct="1">
+              <a:lnSpc>
+                <a:spcPct val="90000"/>
+              </a:lnSpc>
+              <a:spcBef>
+                <a:spcPts val="500"/>
+              </a:spcBef>
+              <a:buFont typeface="Arial" panose="020B0604020202020204" pitchFamily="34" charset="0"/>
+              <a:buNone/>
+              <a:defRPr sz="1800" kern="1200">
+                <a:solidFill>
+                  <a:schemeClr val="tx1"/>
+                </a:solidFill>
+                <a:latin typeface="+mn-lt"/>
+                <a:ea typeface="+mn-ea"/>
+                <a:cs typeface="+mn-cs"/>
+              </a:defRPr>
+            </a:lvl3pPr>
+            <a:lvl4pPr marL="1371600" indent="0" algn="ctr" defTabSz="914400" rtl="0" eaLnBrk="1" latinLnBrk="0" hangingPunct="1">
+              <a:lnSpc>
+                <a:spcPct val="90000"/>
+              </a:lnSpc>
+              <a:spcBef>
+                <a:spcPts val="500"/>
+              </a:spcBef>
+              <a:buFont typeface="Arial" panose="020B0604020202020204" pitchFamily="34" charset="0"/>
+              <a:buNone/>
+              <a:defRPr sz="1600" kern="1200">
+                <a:solidFill>
+                  <a:schemeClr val="tx1"/>
+                </a:solidFill>
+                <a:latin typeface="+mn-lt"/>
+                <a:ea typeface="+mn-ea"/>
+                <a:cs typeface="+mn-cs"/>
+              </a:defRPr>
+            </a:lvl4pPr>
+            <a:lvl5pPr marL="1828800" indent="0" algn="ctr" defTabSz="914400" rtl="0" eaLnBrk="1" latinLnBrk="0" hangingPunct="1">
+              <a:lnSpc>
+                <a:spcPct val="90000"/>
+              </a:lnSpc>
+              <a:spcBef>
+                <a:spcPts val="500"/>
+              </a:spcBef>
+              <a:buFont typeface="Arial" panose="020B0604020202020204" pitchFamily="34" charset="0"/>
+              <a:buNone/>
+              <a:defRPr sz="1600" kern="1200">
+                <a:solidFill>
+                  <a:schemeClr val="tx1"/>
+                </a:solidFill>
+                <a:latin typeface="+mn-lt"/>
+                <a:ea typeface="+mn-ea"/>
+                <a:cs typeface="+mn-cs"/>
+              </a:defRPr>
+            </a:lvl5pPr>
+            <a:lvl6pPr marL="2286000" indent="0" algn="ctr" defTabSz="914400" rtl="0" eaLnBrk="1" latinLnBrk="0" hangingPunct="1">
+              <a:lnSpc>
+                <a:spcPct val="90000"/>
+              </a:lnSpc>
+              <a:spcBef>
+                <a:spcPts val="500"/>
+              </a:spcBef>
+              <a:buFont typeface="Arial" panose="020B0604020202020204" pitchFamily="34" charset="0"/>
+              <a:buNone/>
+              <a:defRPr sz="1600" kern="1200">
+                <a:solidFill>
+                  <a:schemeClr val="tx1"/>
+                </a:solidFill>
+                <a:latin typeface="+mn-lt"/>
+                <a:ea typeface="+mn-ea"/>
+                <a:cs typeface="+mn-cs"/>
+              </a:defRPr>
+            </a:lvl6pPr>
+            <a:lvl7pPr marL="2743200" indent="0" algn="ctr" defTabSz="914400" rtl="0" eaLnBrk="1" latinLnBrk="0" hangingPunct="1">
+              <a:lnSpc>
+                <a:spcPct val="90000"/>
+              </a:lnSpc>
+              <a:spcBef>
+                <a:spcPts val="500"/>
+              </a:spcBef>
+              <a:buFont typeface="Arial" panose="020B0604020202020204" pitchFamily="34" charset="0"/>
+              <a:buNone/>
+              <a:defRPr sz="1600" kern="1200">
+                <a:solidFill>
+                  <a:schemeClr val="tx1"/>
+                </a:solidFill>
+                <a:latin typeface="+mn-lt"/>
+                <a:ea typeface="+mn-ea"/>
+                <a:cs typeface="+mn-cs"/>
+              </a:defRPr>
+            </a:lvl7pPr>
+            <a:lvl8pPr marL="3200400" indent="0" algn="ctr" defTabSz="914400" rtl="0" eaLnBrk="1" latinLnBrk="0" hangingPunct="1">
+              <a:lnSpc>
+                <a:spcPct val="90000"/>
+              </a:lnSpc>
+              <a:spcBef>
+                <a:spcPts val="500"/>
+              </a:spcBef>
+              <a:buFont typeface="Arial" panose="020B0604020202020204" pitchFamily="34" charset="0"/>
+              <a:buNone/>
+              <a:defRPr sz="1600" kern="1200">
+                <a:solidFill>
+                  <a:schemeClr val="tx1"/>
+                </a:solidFill>
+                <a:latin typeface="+mn-lt"/>
+                <a:ea typeface="+mn-ea"/>
+                <a:cs typeface="+mn-cs"/>
+              </a:defRPr>
+            </a:lvl8pPr>
+            <a:lvl9pPr marL="3657600" indent="0" algn="ctr" defTabSz="914400" rtl="0" eaLnBrk="1" latinLnBrk="0" hangingPunct="1">
+              <a:lnSpc>
+                <a:spcPct val="90000"/>
+              </a:lnSpc>
+              <a:spcBef>
+                <a:spcPts val="500"/>
+              </a:spcBef>
+              <a:buFont typeface="Arial" panose="020B0604020202020204" pitchFamily="34" charset="0"/>
+              <a:buNone/>
+              <a:defRPr sz="1600" kern="1200">
+                <a:solidFill>
+                  <a:schemeClr val="tx1"/>
+                </a:solidFill>
+                <a:latin typeface="+mn-lt"/>
+                <a:ea typeface="+mn-ea"/>
+                <a:cs typeface="+mn-cs"/>
+              </a:defRPr>
+            </a:lvl9pPr>
+          </a:lstStyle>
+          <a:p>
+            <a:pPr algn="l"/>
+            <a:endParaRPr lang="en-US" dirty="0"/>
+          </a:p>
+          <a:p>
+            <a:pPr algn="l"/>
+            <a:r>
+              <a:rPr lang="en-US" dirty="0">
+                <a:latin typeface="Arial Rounded MT Bold" panose="020F0704030504030204" pitchFamily="34" charset="77"/>
+              </a:rPr>
+              <a:t>Thanks from Linda, </a:t>
+            </a:r>
+            <a:r>
+              <a:rPr lang="en-US" dirty="0" err="1">
+                <a:latin typeface="Arial Rounded MT Bold" panose="020F0704030504030204" pitchFamily="34" charset="77"/>
+              </a:rPr>
+              <a:t>Raph</a:t>
+            </a:r>
+            <a:r>
+              <a:rPr lang="en-US" dirty="0">
+                <a:latin typeface="Arial Rounded MT Bold" panose="020F0704030504030204" pitchFamily="34" charset="77"/>
+              </a:rPr>
+              <a:t>, </a:t>
+            </a:r>
+            <a:r>
+              <a:rPr lang="en-US" dirty="0" err="1">
+                <a:latin typeface="Arial Rounded MT Bold" panose="020F0704030504030204" pitchFamily="34" charset="77"/>
+              </a:rPr>
+              <a:t>Swobabika</a:t>
+            </a:r>
+            <a:r>
+              <a:rPr lang="en-US" dirty="0">
+                <a:latin typeface="Arial Rounded MT Bold" panose="020F0704030504030204" pitchFamily="34" charset="77"/>
+              </a:rPr>
+              <a:t> and Jason</a:t>
+            </a:r>
+          </a:p>
+          <a:p>
+            <a:pPr algn="l"/>
+            <a:endParaRPr lang="en-US" dirty="0"/>
+          </a:p>
+        </p:txBody>
+      </p:sp>
+      <p:pic>
+        <p:nvPicPr>
+          <p:cNvPr id="9" name="Picture 8">
+            <a:extLst>
+              <a:ext uri="{FF2B5EF4-FFF2-40B4-BE49-F238E27FC236}">
+                <a16:creationId xmlns:a16="http://schemas.microsoft.com/office/drawing/2014/main" id="{F6E14D9C-155E-F749-B569-D3584F72E8B3}"/>
+              </a:ext>
+            </a:extLst>
+          </p:cNvPr>
+          <p:cNvPicPr>
+            <a:picLocks noChangeAspect="1"/>
+          </p:cNvPicPr>
+          <p:nvPr/>
+        </p:nvPicPr>
+        <p:blipFill rotWithShape="1">
+          <a:blip r:embed="rId3">
+            <a:alphaModFix amt="9000"/>
+          </a:blip>
+          <a:srcRect t="-2" r="69663" b="1"/>
+          <a:stretch/>
+        </p:blipFill>
+        <p:spPr>
+          <a:xfrm>
+            <a:off x="7139582" y="-79289"/>
+            <a:ext cx="7200000" cy="7383600"/>
+          </a:xfrm>
+          <a:prstGeom prst="rect">
+            <a:avLst/>
+          </a:prstGeom>
         </p:spPr>
       </p:pic>
     </p:spTree>
     <p:extLst>
       <p:ext uri="{BB962C8B-B14F-4D97-AF65-F5344CB8AC3E}">
-        <p14:creationId xmlns:p14="http://schemas.microsoft.com/office/powerpoint/2010/main" val="3809756242"/>
+        <p14:creationId xmlns:p14="http://schemas.microsoft.com/office/powerpoint/2010/main" val="3593880572"/>
       </p:ext>
     </p:extLst>
   </p:cSld>
@@ -4193,10 +8703,137 @@
       </p:grpSpPr>
       <p:sp>
         <p:nvSpPr>
-          <p:cNvPr id="5" name="Rectangle 4">
-            <a:extLst>
-              <a:ext uri="{FF2B5EF4-FFF2-40B4-BE49-F238E27FC236}">
-                <a16:creationId xmlns:a16="http://schemas.microsoft.com/office/drawing/2014/main" id="{DCCA4C07-4DA0-8644-864C-2A8FD439EEEB}"/>
+          <p:cNvPr id="3" name="Content Placeholder 2">
+            <a:extLst>
+              <a:ext uri="{FF2B5EF4-FFF2-40B4-BE49-F238E27FC236}">
+                <a16:creationId xmlns:a16="http://schemas.microsoft.com/office/drawing/2014/main" id="{0FB7235C-C25A-DD4F-9DA3-9B342DBBB755}"/>
+              </a:ext>
+            </a:extLst>
+          </p:cNvPr>
+          <p:cNvSpPr>
+            <a:spLocks noGrp="1"/>
+          </p:cNvSpPr>
+          <p:nvPr>
+            <p:ph idx="1"/>
+          </p:nvPr>
+        </p:nvSpPr>
+        <p:spPr>
+          <a:xfrm>
+            <a:off x="1102936" y="1738265"/>
+            <a:ext cx="11089064" cy="4671771"/>
+          </a:xfrm>
+        </p:spPr>
+        <p:txBody>
+          <a:bodyPr>
+            <a:noAutofit/>
+          </a:bodyPr>
+          <a:lstStyle/>
+          <a:p>
+            <a:pPr>
+              <a:lnSpc>
+                <a:spcPct val="150000"/>
+              </a:lnSpc>
+              <a:buFont typeface="Wingdings" panose="05000000000000000000" pitchFamily="2" charset="2"/>
+              <a:buChar char="Ø"/>
+            </a:pPr>
+            <a:r>
+              <a:rPr lang="en-US" dirty="0"/>
+              <a:t>Proximity to the CBD will increase earnings</a:t>
+            </a:r>
+          </a:p>
+          <a:p>
+            <a:pPr>
+              <a:lnSpc>
+                <a:spcPct val="150000"/>
+              </a:lnSpc>
+              <a:buFont typeface="Wingdings" panose="05000000000000000000" pitchFamily="2" charset="2"/>
+              <a:buChar char="Ø"/>
+            </a:pPr>
+            <a:r>
+              <a:rPr lang="en-US" dirty="0"/>
+              <a:t>Train proximity will increase earnings</a:t>
+            </a:r>
+          </a:p>
+          <a:p>
+            <a:pPr>
+              <a:lnSpc>
+                <a:spcPct val="150000"/>
+              </a:lnSpc>
+              <a:buFont typeface="Wingdings" panose="05000000000000000000" pitchFamily="2" charset="2"/>
+              <a:buChar char="Ø"/>
+            </a:pPr>
+            <a:r>
+              <a:rPr lang="en-US" dirty="0" err="1"/>
+              <a:t>Neighbourhoods</a:t>
+            </a:r>
+            <a:r>
+              <a:rPr lang="en-US" dirty="0"/>
+              <a:t> with the highest earnings are the most popular areas</a:t>
+            </a:r>
+          </a:p>
+          <a:p>
+            <a:pPr>
+              <a:lnSpc>
+                <a:spcPct val="150000"/>
+              </a:lnSpc>
+              <a:buFont typeface="Wingdings" panose="05000000000000000000" pitchFamily="2" charset="2"/>
+              <a:buChar char="Ø"/>
+            </a:pPr>
+            <a:r>
+              <a:rPr lang="en-US" dirty="0"/>
+              <a:t>The popularity of property types will be reflected in higher earnings</a:t>
+            </a:r>
+          </a:p>
+          <a:p>
+            <a:pPr marL="0" indent="0">
+              <a:lnSpc>
+                <a:spcPct val="150000"/>
+              </a:lnSpc>
+              <a:buNone/>
+            </a:pPr>
+            <a:endParaRPr lang="en-US" dirty="0"/>
+          </a:p>
+        </p:txBody>
+      </p:sp>
+      <p:sp>
+        <p:nvSpPr>
+          <p:cNvPr id="6" name="Title 5">
+            <a:extLst>
+              <a:ext uri="{FF2B5EF4-FFF2-40B4-BE49-F238E27FC236}">
+                <a16:creationId xmlns:a16="http://schemas.microsoft.com/office/drawing/2014/main" id="{25E05E84-05D6-8740-93A0-CC18738B72D4}"/>
+              </a:ext>
+            </a:extLst>
+          </p:cNvPr>
+          <p:cNvSpPr>
+            <a:spLocks noGrp="1"/>
+          </p:cNvSpPr>
+          <p:nvPr>
+            <p:ph type="title"/>
+          </p:nvPr>
+        </p:nvSpPr>
+        <p:spPr>
+          <a:xfrm>
+            <a:off x="838200" y="365125"/>
+            <a:ext cx="10515600" cy="1011093"/>
+          </a:xfrm>
+        </p:spPr>
+        <p:txBody>
+          <a:bodyPr/>
+          <a:lstStyle/>
+          <a:p>
+            <a:r>
+              <a:rPr lang="en-US" dirty="0"/>
+              <a:t>Hypothesis</a:t>
+            </a:r>
+          </a:p>
+        </p:txBody>
+      </p:sp>
+      <p:sp>
+        <p:nvSpPr>
+          <p:cNvPr id="7" name="Rectangle 6">
+            <a:extLst>
+              <a:ext uri="{FF2B5EF4-FFF2-40B4-BE49-F238E27FC236}">
+                <a16:creationId xmlns:a16="http://schemas.microsoft.com/office/drawing/2014/main" id="{66A5BEDD-6492-7E4A-A83D-79AC42CA6941}"/>
               </a:ext>
             </a:extLst>
           </p:cNvPr>
@@ -4206,7 +8843,7 @@
         <p:spPr>
           <a:xfrm>
             <a:off x="0" y="0"/>
-            <a:ext cx="1240221" cy="6936828"/>
+            <a:ext cx="504497" cy="6936828"/>
           </a:xfrm>
           <a:prstGeom prst="rect">
             <a:avLst/>
@@ -4243,287 +8880,10 @@
           </a:p>
         </p:txBody>
       </p:sp>
-      <p:sp>
-        <p:nvSpPr>
-          <p:cNvPr id="6" name="Content Placeholder 2">
-            <a:extLst>
-              <a:ext uri="{FF2B5EF4-FFF2-40B4-BE49-F238E27FC236}">
-                <a16:creationId xmlns:a16="http://schemas.microsoft.com/office/drawing/2014/main" id="{DBD3A432-9AC2-914E-AE28-086F832CB8A9}"/>
-              </a:ext>
-            </a:extLst>
-          </p:cNvPr>
-          <p:cNvSpPr>
-            <a:spLocks noGrp="1"/>
-          </p:cNvSpPr>
-          <p:nvPr>
-            <p:ph idx="1"/>
-          </p:nvPr>
-        </p:nvSpPr>
-        <p:spPr>
-          <a:xfrm>
-            <a:off x="1954924" y="1240221"/>
-            <a:ext cx="9335814" cy="4776951"/>
-          </a:xfrm>
-        </p:spPr>
-        <p:txBody>
-          <a:bodyPr>
-            <a:normAutofit fontScale="85000" lnSpcReduction="20000"/>
-          </a:bodyPr>
-          <a:lstStyle/>
-          <a:p>
-            <a:pPr>
-              <a:lnSpc>
-                <a:spcPct val="120000"/>
-              </a:lnSpc>
-            </a:pPr>
-            <a:r>
-              <a:rPr lang="en-US" dirty="0"/>
-              <a:t>containing train stop name, stop id, longitude and latitude</a:t>
-            </a:r>
-          </a:p>
-          <a:p>
-            <a:pPr>
-              <a:lnSpc>
-                <a:spcPct val="120000"/>
-              </a:lnSpc>
-            </a:pPr>
-            <a:r>
-              <a:rPr lang="en-US" dirty="0"/>
-              <a:t>Quite large</a:t>
-            </a:r>
-          </a:p>
-          <a:p>
-            <a:pPr lvl="1">
-              <a:lnSpc>
-                <a:spcPct val="120000"/>
-              </a:lnSpc>
-            </a:pPr>
-            <a:r>
-              <a:rPr lang="en-US" dirty="0"/>
-              <a:t>this was be reduced once scope for the data from </a:t>
-            </a:r>
-            <a:r>
-              <a:rPr lang="en-US" dirty="0" err="1"/>
-              <a:t>insideairbnb</a:t>
-            </a:r>
-            <a:r>
-              <a:rPr lang="en-US" dirty="0"/>
-              <a:t> is </a:t>
-            </a:r>
-            <a:r>
-              <a:rPr lang="en-US" dirty="0" err="1"/>
-              <a:t>finalised</a:t>
-            </a:r>
-            <a:endParaRPr lang="en-US" dirty="0"/>
-          </a:p>
-          <a:p>
-            <a:pPr>
-              <a:lnSpc>
-                <a:spcPct val="120000"/>
-              </a:lnSpc>
-            </a:pPr>
-            <a:r>
-              <a:rPr lang="en-US" dirty="0"/>
-              <a:t>Clean, succinct, ready to be mined</a:t>
-            </a:r>
-          </a:p>
-          <a:p>
-            <a:pPr marL="0" indent="0">
-              <a:lnSpc>
-                <a:spcPct val="120000"/>
-              </a:lnSpc>
-              <a:buNone/>
-            </a:pPr>
-            <a:endParaRPr lang="en-US" dirty="0"/>
-          </a:p>
-          <a:p>
-            <a:pPr>
-              <a:lnSpc>
-                <a:spcPct val="120000"/>
-              </a:lnSpc>
-            </a:pPr>
-            <a:endParaRPr lang="en-US" dirty="0"/>
-          </a:p>
-          <a:p>
-            <a:pPr>
-              <a:lnSpc>
-                <a:spcPct val="120000"/>
-              </a:lnSpc>
-            </a:pPr>
-            <a:endParaRPr lang="en-US" dirty="0"/>
-          </a:p>
-          <a:p>
-            <a:pPr>
-              <a:lnSpc>
-                <a:spcPct val="120000"/>
-              </a:lnSpc>
-            </a:pPr>
-            <a:endParaRPr lang="en-US" dirty="0"/>
-          </a:p>
-        </p:txBody>
-      </p:sp>
-      <p:sp>
-        <p:nvSpPr>
-          <p:cNvPr id="7" name="Rectangle 6">
-            <a:extLst>
-              <a:ext uri="{FF2B5EF4-FFF2-40B4-BE49-F238E27FC236}">
-                <a16:creationId xmlns:a16="http://schemas.microsoft.com/office/drawing/2014/main" id="{2E40D634-B637-AD40-9A07-4D10AFF75408}"/>
-              </a:ext>
-            </a:extLst>
-          </p:cNvPr>
-          <p:cNvSpPr/>
-          <p:nvPr/>
-        </p:nvSpPr>
-        <p:spPr>
-          <a:xfrm>
-            <a:off x="1610036" y="471496"/>
-            <a:ext cx="3983398" cy="643831"/>
-          </a:xfrm>
-          <a:prstGeom prst="rect">
-            <a:avLst/>
-          </a:prstGeom>
-        </p:spPr>
-        <p:txBody>
-          <a:bodyPr wrap="none">
-            <a:spAutoFit/>
-          </a:bodyPr>
-          <a:lstStyle/>
-          <a:p>
-            <a:pPr>
-              <a:lnSpc>
-                <a:spcPct val="120000"/>
-              </a:lnSpc>
-            </a:pPr>
-            <a:r>
-              <a:rPr lang="en-US" sz="3200" dirty="0"/>
-              <a:t>Data from DELWP was:</a:t>
-            </a:r>
-          </a:p>
-        </p:txBody>
-      </p:sp>
-      <p:pic>
-        <p:nvPicPr>
-          <p:cNvPr id="2052" name="Picture 4" descr="Check Mark Icons - Download Free Vector Icons | Noun Project">
-            <a:extLst>
-              <a:ext uri="{FF2B5EF4-FFF2-40B4-BE49-F238E27FC236}">
-                <a16:creationId xmlns:a16="http://schemas.microsoft.com/office/drawing/2014/main" id="{28BEB303-D4F7-BD49-BA87-5853DA2C6A17}"/>
-              </a:ext>
-            </a:extLst>
-          </p:cNvPr>
-          <p:cNvPicPr>
-            <a:picLocks noChangeAspect="1" noChangeArrowheads="1"/>
-          </p:cNvPicPr>
-          <p:nvPr/>
-        </p:nvPicPr>
-        <p:blipFill>
-          <a:blip r:embed="rId2">
-            <a:extLst>
-              <a:ext uri="{28A0092B-C50C-407E-A947-70E740481C1C}">
-                <a14:useLocalDpi xmlns:a14="http://schemas.microsoft.com/office/drawing/2010/main" val="0"/>
-              </a:ext>
-            </a:extLst>
-          </a:blip>
-          <a:srcRect/>
-          <a:stretch>
-            <a:fillRect/>
-          </a:stretch>
-        </p:blipFill>
-        <p:spPr bwMode="auto">
-          <a:xfrm>
-            <a:off x="9970155" y="4983162"/>
-            <a:ext cx="1724573" cy="1724573"/>
-          </a:xfrm>
-          <a:prstGeom prst="rect">
-            <a:avLst/>
-          </a:prstGeom>
-          <a:noFill/>
-          <a:extLst>
-            <a:ext uri="{909E8E84-426E-40DD-AFC4-6F175D3DCCD1}">
-              <a14:hiddenFill xmlns:a14="http://schemas.microsoft.com/office/drawing/2010/main">
-                <a:solidFill>
-                  <a:srgbClr val="FFFFFF"/>
-                </a:solidFill>
-              </a14:hiddenFill>
-            </a:ext>
-          </a:extLst>
-        </p:spPr>
-      </p:pic>
-      <p:sp>
-        <p:nvSpPr>
-          <p:cNvPr id="10" name="Rectangle 9">
-            <a:extLst>
-              <a:ext uri="{FF2B5EF4-FFF2-40B4-BE49-F238E27FC236}">
-                <a16:creationId xmlns:a16="http://schemas.microsoft.com/office/drawing/2014/main" id="{82AC2A9E-C815-A849-A2C2-A9B4826776DF}"/>
-              </a:ext>
-            </a:extLst>
-          </p:cNvPr>
-          <p:cNvSpPr/>
-          <p:nvPr/>
-        </p:nvSpPr>
-        <p:spPr>
-          <a:xfrm>
-            <a:off x="9713533" y="150265"/>
-            <a:ext cx="1893788" cy="369332"/>
-          </a:xfrm>
-          <a:prstGeom prst="rect">
-            <a:avLst/>
-          </a:prstGeom>
-        </p:spPr>
-        <p:txBody>
-          <a:bodyPr wrap="none">
-            <a:spAutoFit/>
-          </a:bodyPr>
-          <a:lstStyle/>
-          <a:p>
-            <a:r>
-              <a:rPr lang="en-AU" b="1" dirty="0"/>
-              <a:t>C. Data Wrangling</a:t>
-            </a:r>
-            <a:endParaRPr lang="en-US" dirty="0"/>
-          </a:p>
-        </p:txBody>
-      </p:sp>
-      <p:pic>
-        <p:nvPicPr>
-          <p:cNvPr id="9" name="Picture 8">
-            <a:extLst>
-              <a:ext uri="{FF2B5EF4-FFF2-40B4-BE49-F238E27FC236}">
-                <a16:creationId xmlns:a16="http://schemas.microsoft.com/office/drawing/2014/main" id="{706E3CEC-18DB-524B-B6C2-E65BC060A9DD}"/>
-              </a:ext>
-            </a:extLst>
-          </p:cNvPr>
-          <p:cNvPicPr>
-            <a:picLocks noChangeAspect="1"/>
-          </p:cNvPicPr>
-          <p:nvPr/>
-        </p:nvPicPr>
-        <p:blipFill>
-          <a:blip r:embed="rId3"/>
-          <a:stretch>
-            <a:fillRect/>
-          </a:stretch>
-        </p:blipFill>
-        <p:spPr>
-          <a:xfrm>
-            <a:off x="1610036" y="3468414"/>
-            <a:ext cx="8489999" cy="1729264"/>
-          </a:xfrm>
-          <a:prstGeom prst="rect">
-            <a:avLst/>
-          </a:prstGeom>
-          <a:effectLst>
-            <a:outerShdw blurRad="152400" dist="38100" dir="2700000" algn="tl" rotWithShape="0">
-              <a:prstClr val="black">
-                <a:alpha val="40000"/>
-              </a:prstClr>
-            </a:outerShdw>
-          </a:effectLst>
-        </p:spPr>
-      </p:pic>
     </p:spTree>
     <p:extLst>
       <p:ext uri="{BB962C8B-B14F-4D97-AF65-F5344CB8AC3E}">
-        <p14:creationId xmlns:p14="http://schemas.microsoft.com/office/powerpoint/2010/main" val="2384315402"/>
+        <p14:creationId xmlns:p14="http://schemas.microsoft.com/office/powerpoint/2010/main" val="968021277"/>
       </p:ext>
     </p:extLst>
   </p:cSld>
@@ -4550,49 +8910,208 @@
           <a:chExt cx="0" cy="0"/>
         </a:xfrm>
       </p:grpSpPr>
-      <p:pic>
-        <p:nvPicPr>
-          <p:cNvPr id="15" name="Picture 14">
-            <a:extLst>
-              <a:ext uri="{FF2B5EF4-FFF2-40B4-BE49-F238E27FC236}">
-                <a16:creationId xmlns:a16="http://schemas.microsoft.com/office/drawing/2014/main" id="{DA3CBA02-8294-BB42-8784-4A73C30234FC}"/>
-              </a:ext>
-            </a:extLst>
-          </p:cNvPr>
-          <p:cNvPicPr>
-            <a:picLocks noChangeAspect="1"/>
-          </p:cNvPicPr>
-          <p:nvPr/>
-        </p:nvPicPr>
-        <p:blipFill>
-          <a:blip r:embed="rId2"/>
-          <a:stretch>
-            <a:fillRect/>
-          </a:stretch>
-        </p:blipFill>
-        <p:spPr>
-          <a:xfrm>
-            <a:off x="8706050" y="2836311"/>
-            <a:ext cx="3062052" cy="2652288"/>
-          </a:xfrm>
-          <a:prstGeom prst="rect">
-            <a:avLst/>
-          </a:prstGeom>
-          <a:effectLst>
-            <a:outerShdw blurRad="152400" dist="38100" dir="2700000" algn="tl" rotWithShape="0">
-              <a:prstClr val="black">
-                <a:alpha val="40000"/>
-              </a:prstClr>
-            </a:outerShdw>
-          </a:effectLst>
-        </p:spPr>
-      </p:pic>
-      <p:sp>
-        <p:nvSpPr>
-          <p:cNvPr id="5" name="Rectangle 4">
-            <a:extLst>
-              <a:ext uri="{FF2B5EF4-FFF2-40B4-BE49-F238E27FC236}">
-                <a16:creationId xmlns:a16="http://schemas.microsoft.com/office/drawing/2014/main" id="{DCCA4C07-4DA0-8644-864C-2A8FD439EEEB}"/>
+      <p:sp>
+        <p:nvSpPr>
+          <p:cNvPr id="3" name="Content Placeholder 2">
+            <a:extLst>
+              <a:ext uri="{FF2B5EF4-FFF2-40B4-BE49-F238E27FC236}">
+                <a16:creationId xmlns:a16="http://schemas.microsoft.com/office/drawing/2014/main" id="{0FB7235C-C25A-DD4F-9DA3-9B342DBBB755}"/>
+              </a:ext>
+            </a:extLst>
+          </p:cNvPr>
+          <p:cNvSpPr>
+            <a:spLocks noGrp="1"/>
+          </p:cNvSpPr>
+          <p:nvPr>
+            <p:ph idx="1"/>
+          </p:nvPr>
+        </p:nvSpPr>
+        <p:spPr>
+          <a:xfrm>
+            <a:off x="1616363" y="1253766"/>
+            <a:ext cx="10441708" cy="5144464"/>
+          </a:xfrm>
+        </p:spPr>
+        <p:txBody>
+          <a:bodyPr>
+            <a:normAutofit/>
+          </a:bodyPr>
+          <a:lstStyle/>
+          <a:p>
+            <a:pPr>
+              <a:lnSpc>
+                <a:spcPct val="150000"/>
+              </a:lnSpc>
+              <a:buFont typeface="Wingdings" panose="05000000000000000000" pitchFamily="2" charset="2"/>
+              <a:buChar char="Ø"/>
+              <a:tabLst>
+                <a:tab pos="9332913" algn="r"/>
+              </a:tabLst>
+            </a:pPr>
+            <a:r>
+              <a:rPr lang="en-US" sz="3600" b="1" dirty="0"/>
+              <a:t>Inside Airbnb  </a:t>
+            </a:r>
+            <a:r>
+              <a:rPr lang="en-US" sz="3200" b="1" dirty="0"/>
+              <a:t>	</a:t>
+            </a:r>
+            <a:r>
+              <a:rPr lang="en-US" sz="2400" dirty="0"/>
+              <a:t>(</a:t>
+            </a:r>
+            <a:r>
+              <a:rPr lang="en-US" sz="2000" dirty="0"/>
+              <a:t>Insideairbnb.com)</a:t>
+            </a:r>
+            <a:endParaRPr lang="en-US" sz="3600" dirty="0"/>
+          </a:p>
+          <a:p>
+            <a:pPr lvl="1">
+              <a:lnSpc>
+                <a:spcPct val="150000"/>
+              </a:lnSpc>
+              <a:buFont typeface="Wingdings" panose="05000000000000000000" pitchFamily="2" charset="2"/>
+              <a:buChar char="Ø"/>
+            </a:pPr>
+            <a:r>
+              <a:rPr lang="en-US" sz="2800" dirty="0"/>
+              <a:t>.</a:t>
+            </a:r>
+            <a:r>
+              <a:rPr lang="en-US" sz="2800" dirty="0" err="1"/>
+              <a:t>gz</a:t>
+            </a:r>
+            <a:r>
+              <a:rPr lang="en-US" sz="2800" dirty="0"/>
+              <a:t> files – </a:t>
+            </a:r>
+            <a:r>
+              <a:rPr lang="en-US" dirty="0"/>
+              <a:t>zipped large files in .</a:t>
+            </a:r>
+            <a:r>
+              <a:rPr lang="en-US" dirty="0" err="1"/>
+              <a:t>gz</a:t>
+            </a:r>
+            <a:r>
+              <a:rPr lang="en-US"/>
+              <a:t> format</a:t>
+            </a:r>
+            <a:endParaRPr lang="en-US" dirty="0"/>
+          </a:p>
+          <a:p>
+            <a:pPr lvl="1">
+              <a:lnSpc>
+                <a:spcPct val="150000"/>
+              </a:lnSpc>
+              <a:buFont typeface="Wingdings" panose="05000000000000000000" pitchFamily="2" charset="2"/>
+              <a:buChar char="Ø"/>
+            </a:pPr>
+            <a:r>
+              <a:rPr lang="en-US" sz="2800" dirty="0"/>
+              <a:t>.csv files</a:t>
+            </a:r>
+          </a:p>
+          <a:p>
+            <a:pPr>
+              <a:lnSpc>
+                <a:spcPct val="150000"/>
+              </a:lnSpc>
+              <a:buFont typeface="Wingdings" panose="05000000000000000000" pitchFamily="2" charset="2"/>
+              <a:buChar char="Ø"/>
+              <a:tabLst>
+                <a:tab pos="9332913" algn="r"/>
+              </a:tabLst>
+            </a:pPr>
+            <a:r>
+              <a:rPr lang="en-US" sz="3600" b="1" dirty="0"/>
+              <a:t>Department of Environment, Land, Water &amp; Planning</a:t>
+            </a:r>
+            <a:r>
+              <a:rPr lang="en-US" sz="3200" b="1" dirty="0"/>
+              <a:t>	</a:t>
+            </a:r>
+            <a:r>
+              <a:rPr lang="en-US" sz="2000" dirty="0"/>
+              <a:t>(</a:t>
+            </a:r>
+            <a:r>
+              <a:rPr lang="en-US" sz="1800" dirty="0"/>
+              <a:t>https://land.vic.gov.au/maps-and-spatial)</a:t>
+            </a:r>
+            <a:endParaRPr lang="en-US" sz="2000" dirty="0"/>
+          </a:p>
+          <a:p>
+            <a:pPr lvl="1">
+              <a:lnSpc>
+                <a:spcPct val="150000"/>
+              </a:lnSpc>
+              <a:buFont typeface="Wingdings" panose="05000000000000000000" pitchFamily="2" charset="2"/>
+              <a:buChar char="Ø"/>
+            </a:pPr>
+            <a:r>
+              <a:rPr lang="en-US" sz="2800" dirty="0"/>
+              <a:t>.csv file</a:t>
+            </a:r>
+          </a:p>
+        </p:txBody>
+      </p:sp>
+      <p:sp>
+        <p:nvSpPr>
+          <p:cNvPr id="6" name="Title 5">
+            <a:extLst>
+              <a:ext uri="{FF2B5EF4-FFF2-40B4-BE49-F238E27FC236}">
+                <a16:creationId xmlns:a16="http://schemas.microsoft.com/office/drawing/2014/main" id="{25E05E84-05D6-8740-93A0-CC18738B72D4}"/>
+              </a:ext>
+            </a:extLst>
+          </p:cNvPr>
+          <p:cNvSpPr>
+            <a:spLocks noGrp="1"/>
+          </p:cNvSpPr>
+          <p:nvPr>
+            <p:ph type="title"/>
+          </p:nvPr>
+        </p:nvSpPr>
+        <p:spPr>
+          <a:xfrm>
+            <a:off x="838200" y="365126"/>
+            <a:ext cx="10441708" cy="687820"/>
+          </a:xfrm>
+        </p:spPr>
+        <p:txBody>
+          <a:bodyPr>
+            <a:normAutofit fontScale="90000"/>
+          </a:bodyPr>
+          <a:lstStyle/>
+          <a:p>
+            <a:pPr>
+              <a:tabLst>
+                <a:tab pos="10671175" algn="r"/>
+              </a:tabLst>
+            </a:pPr>
+            <a:r>
+              <a:rPr lang="en-US" dirty="0"/>
+              <a:t>Sourcing Data	</a:t>
+            </a:r>
+            <a:r>
+              <a:rPr lang="en-US" sz="2000" dirty="0">
+                <a:latin typeface="+mn-lt"/>
+              </a:rPr>
+              <a:t>Downloaded: 13/01/21</a:t>
+            </a:r>
+            <a:endParaRPr lang="en-US" dirty="0">
+              <a:latin typeface="+mn-lt"/>
+            </a:endParaRPr>
+          </a:p>
+        </p:txBody>
+      </p:sp>
+      <p:sp>
+        <p:nvSpPr>
+          <p:cNvPr id="7" name="Rectangle 6">
+            <a:extLst>
+              <a:ext uri="{FF2B5EF4-FFF2-40B4-BE49-F238E27FC236}">
+                <a16:creationId xmlns:a16="http://schemas.microsoft.com/office/drawing/2014/main" id="{72661212-05D0-B54A-8C36-A405AD76551F}"/>
               </a:ext>
             </a:extLst>
           </p:cNvPr>
@@ -4602,7 +9121,7 @@
         <p:spPr>
           <a:xfrm>
             <a:off x="0" y="0"/>
-            <a:ext cx="1240221" cy="6936828"/>
+            <a:ext cx="504497" cy="6936828"/>
           </a:xfrm>
           <a:prstGeom prst="rect">
             <a:avLst/>
@@ -4635,329 +9154,14 @@
           <a:lstStyle/>
           <a:p>
             <a:pPr algn="ctr"/>
-            <a:endParaRPr lang="en-US" dirty="0"/>
-          </a:p>
-        </p:txBody>
-      </p:sp>
-      <p:sp>
-        <p:nvSpPr>
-          <p:cNvPr id="6" name="Content Placeholder 2">
-            <a:extLst>
-              <a:ext uri="{FF2B5EF4-FFF2-40B4-BE49-F238E27FC236}">
-                <a16:creationId xmlns:a16="http://schemas.microsoft.com/office/drawing/2014/main" id="{DBD3A432-9AC2-914E-AE28-086F832CB8A9}"/>
-              </a:ext>
-            </a:extLst>
-          </p:cNvPr>
-          <p:cNvSpPr>
-            <a:spLocks noGrp="1"/>
-          </p:cNvSpPr>
-          <p:nvPr>
-            <p:ph idx="1"/>
-          </p:nvPr>
-        </p:nvSpPr>
-        <p:spPr>
-          <a:xfrm>
-            <a:off x="1954924" y="1240221"/>
-            <a:ext cx="9335814" cy="5467514"/>
-          </a:xfrm>
-        </p:spPr>
-        <p:txBody>
-          <a:bodyPr>
-            <a:normAutofit fontScale="85000" lnSpcReduction="20000"/>
-          </a:bodyPr>
-          <a:lstStyle/>
-          <a:p>
-            <a:pPr marL="0" indent="0">
-              <a:lnSpc>
-                <a:spcPct val="120000"/>
-              </a:lnSpc>
-              <a:buNone/>
-            </a:pPr>
-            <a:r>
-              <a:rPr lang="en-US" dirty="0"/>
-              <a:t>CSV file read into </a:t>
-            </a:r>
-            <a:r>
-              <a:rPr lang="en-US" dirty="0" err="1"/>
-              <a:t>Jupyter</a:t>
-            </a:r>
-            <a:r>
-              <a:rPr lang="en-US" dirty="0"/>
-              <a:t> Notebook</a:t>
-            </a:r>
-            <a:endParaRPr lang="en-US" b="1" dirty="0"/>
-          </a:p>
-          <a:p>
-            <a:pPr marL="0" indent="0">
-              <a:lnSpc>
-                <a:spcPct val="120000"/>
-              </a:lnSpc>
-              <a:buNone/>
-            </a:pPr>
-            <a:r>
-              <a:rPr lang="en-US" dirty="0"/>
-              <a:t>Based on the data needs for our questions, the following records were not required and dropped from the data frame.</a:t>
-            </a:r>
-          </a:p>
-          <a:p>
-            <a:pPr marL="457200" lvl="1" indent="0">
-              <a:lnSpc>
-                <a:spcPct val="120000"/>
-              </a:lnSpc>
-              <a:buNone/>
-            </a:pPr>
-            <a:r>
-              <a:rPr lang="en-US" b="1" dirty="0"/>
-              <a:t>Room type:</a:t>
-            </a:r>
-          </a:p>
-          <a:p>
-            <a:pPr lvl="1">
-              <a:lnSpc>
-                <a:spcPct val="120000"/>
-              </a:lnSpc>
-            </a:pPr>
-            <a:r>
-              <a:rPr lang="en-US" dirty="0"/>
-              <a:t>The question is around investing in an Airbnb property</a:t>
-            </a:r>
-            <a:br>
-              <a:rPr lang="en-US" dirty="0"/>
-            </a:br>
-            <a:r>
-              <a:rPr lang="en-US" dirty="0"/>
-              <a:t>so we are only interested in entire homes</a:t>
-            </a:r>
-          </a:p>
-          <a:p>
-            <a:pPr lvl="1">
-              <a:lnSpc>
-                <a:spcPct val="120000"/>
-              </a:lnSpc>
-            </a:pPr>
-            <a:r>
-              <a:rPr lang="en-US" dirty="0"/>
-              <a:t>Dropped private rooms / shared rooms / hotel rooms</a:t>
-            </a:r>
-          </a:p>
-          <a:p>
-            <a:pPr marL="457200" lvl="1" indent="0">
-              <a:lnSpc>
-                <a:spcPct val="120000"/>
-              </a:lnSpc>
-              <a:buNone/>
-            </a:pPr>
-            <a:r>
-              <a:rPr lang="en-US" b="1" dirty="0"/>
-              <a:t>Drop irrelevant columns</a:t>
-            </a:r>
-            <a:endParaRPr lang="en-US" dirty="0"/>
-          </a:p>
-          <a:p>
-            <a:pPr marL="457200" lvl="1" indent="0">
-              <a:lnSpc>
-                <a:spcPct val="120000"/>
-              </a:lnSpc>
-              <a:buNone/>
-            </a:pPr>
-            <a:r>
-              <a:rPr lang="en-US" b="1" dirty="0" err="1"/>
-              <a:t>Neighbourhood</a:t>
-            </a:r>
-            <a:r>
-              <a:rPr lang="en-US" dirty="0"/>
-              <a:t>:</a:t>
-            </a:r>
-          </a:p>
-          <a:p>
-            <a:pPr lvl="1">
-              <a:lnSpc>
-                <a:spcPct val="120000"/>
-              </a:lnSpc>
-            </a:pPr>
-            <a:r>
-              <a:rPr lang="en-US" dirty="0"/>
-              <a:t>To focus on purely metropolitan properties we</a:t>
-            </a:r>
-            <a:br>
-              <a:rPr lang="en-US" dirty="0"/>
-            </a:br>
-            <a:r>
-              <a:rPr lang="en-US" dirty="0"/>
-              <a:t>dropped listings to within 15km of CBD</a:t>
-            </a:r>
-          </a:p>
-          <a:p>
-            <a:pPr lvl="1">
-              <a:lnSpc>
-                <a:spcPct val="120000"/>
-              </a:lnSpc>
-            </a:pPr>
-            <a:r>
-              <a:rPr lang="en-US" dirty="0"/>
-              <a:t>Achieved by using latitude and longitude in data to</a:t>
-            </a:r>
-            <a:br>
-              <a:rPr lang="en-US" dirty="0"/>
-            </a:br>
-            <a:r>
-              <a:rPr lang="en-US" dirty="0"/>
-              <a:t>determine the distance from the CBD</a:t>
-            </a:r>
-          </a:p>
-          <a:p>
-            <a:pPr marL="0" indent="0">
-              <a:lnSpc>
-                <a:spcPct val="120000"/>
-              </a:lnSpc>
-              <a:buNone/>
-            </a:pPr>
-            <a:r>
-              <a:rPr lang="en-US" b="1" dirty="0"/>
-              <a:t>Used loc property for Room type and </a:t>
-            </a:r>
-            <a:r>
-              <a:rPr lang="en-US" b="1" dirty="0" err="1"/>
-              <a:t>Neighbourhood</a:t>
-            </a:r>
-            <a:endParaRPr lang="en-US" b="1" dirty="0"/>
-          </a:p>
-          <a:p>
-            <a:pPr marL="0" indent="0">
-              <a:lnSpc>
-                <a:spcPct val="120000"/>
-              </a:lnSpc>
-              <a:buNone/>
-            </a:pPr>
-            <a:endParaRPr lang="en-US" dirty="0"/>
-          </a:p>
-        </p:txBody>
-      </p:sp>
-      <p:sp>
-        <p:nvSpPr>
-          <p:cNvPr id="7" name="Rectangle 6">
-            <a:extLst>
-              <a:ext uri="{FF2B5EF4-FFF2-40B4-BE49-F238E27FC236}">
-                <a16:creationId xmlns:a16="http://schemas.microsoft.com/office/drawing/2014/main" id="{2E40D634-B637-AD40-9A07-4D10AFF75408}"/>
-              </a:ext>
-            </a:extLst>
-          </p:cNvPr>
-          <p:cNvSpPr/>
-          <p:nvPr/>
-        </p:nvSpPr>
-        <p:spPr>
-          <a:xfrm>
-            <a:off x="1610036" y="471496"/>
-            <a:ext cx="5173852" cy="643831"/>
-          </a:xfrm>
-          <a:prstGeom prst="rect">
-            <a:avLst/>
-          </a:prstGeom>
-        </p:spPr>
-        <p:txBody>
-          <a:bodyPr wrap="none">
-            <a:spAutoFit/>
-          </a:bodyPr>
-          <a:lstStyle/>
-          <a:p>
-            <a:pPr>
-              <a:lnSpc>
-                <a:spcPct val="120000"/>
-              </a:lnSpc>
-            </a:pPr>
-            <a:r>
-              <a:rPr lang="en-AU" sz="3200" dirty="0"/>
-              <a:t>First Wave - Irrelevant records</a:t>
-            </a:r>
-          </a:p>
-        </p:txBody>
-      </p:sp>
-      <p:sp>
-        <p:nvSpPr>
-          <p:cNvPr id="8" name="Rectangle 7">
-            <a:extLst>
-              <a:ext uri="{FF2B5EF4-FFF2-40B4-BE49-F238E27FC236}">
-                <a16:creationId xmlns:a16="http://schemas.microsoft.com/office/drawing/2014/main" id="{82A7FDA2-FF28-4D42-8B9F-CD4D579EEF14}"/>
-              </a:ext>
-            </a:extLst>
-          </p:cNvPr>
-          <p:cNvSpPr/>
-          <p:nvPr/>
-        </p:nvSpPr>
-        <p:spPr>
-          <a:xfrm>
-            <a:off x="9713533" y="150265"/>
-            <a:ext cx="1893788" cy="369332"/>
-          </a:xfrm>
-          <a:prstGeom prst="rect">
-            <a:avLst/>
-          </a:prstGeom>
-        </p:spPr>
-        <p:txBody>
-          <a:bodyPr wrap="none">
-            <a:spAutoFit/>
-          </a:bodyPr>
-          <a:lstStyle/>
-          <a:p>
-            <a:r>
-              <a:rPr lang="en-AU" b="1" dirty="0"/>
-              <a:t>C. Data Wrangling</a:t>
-            </a:r>
-            <a:endParaRPr lang="en-US" dirty="0"/>
-          </a:p>
-        </p:txBody>
-      </p:sp>
-      <p:pic>
-        <p:nvPicPr>
-          <p:cNvPr id="3074" name="Picture 2">
-            <a:extLst>
-              <a:ext uri="{FF2B5EF4-FFF2-40B4-BE49-F238E27FC236}">
-                <a16:creationId xmlns:a16="http://schemas.microsoft.com/office/drawing/2014/main" id="{2A02DC4D-0A45-9540-A869-B25F145FC739}"/>
-              </a:ext>
-            </a:extLst>
-          </p:cNvPr>
-          <p:cNvPicPr>
-            <a:picLocks noChangeAspect="1" noChangeArrowheads="1"/>
-          </p:cNvPicPr>
-          <p:nvPr/>
-        </p:nvPicPr>
-        <p:blipFill>
-          <a:blip r:embed="rId3">
-            <a:extLst>
-              <a:ext uri="{28A0092B-C50C-407E-A947-70E740481C1C}">
-                <a14:useLocalDpi xmlns:a14="http://schemas.microsoft.com/office/drawing/2010/main" val="0"/>
-              </a:ext>
-            </a:extLst>
-          </a:blip>
-          <a:srcRect/>
-          <a:stretch>
-            <a:fillRect/>
-          </a:stretch>
-        </p:blipFill>
-        <p:spPr bwMode="auto">
-          <a:xfrm>
-            <a:off x="9439840" y="3157135"/>
-            <a:ext cx="1903413" cy="1726042"/>
-          </a:xfrm>
-          <a:prstGeom prst="rect">
-            <a:avLst/>
-          </a:prstGeom>
-          <a:noFill/>
-          <a:extLst>
-            <a:ext uri="{909E8E84-426E-40DD-AFC4-6F175D3DCCD1}">
-              <a14:hiddenFill xmlns:a14="http://schemas.microsoft.com/office/drawing/2010/main">
-                <a:solidFill>
-                  <a:srgbClr val="FFFFFF"/>
-                </a:solidFill>
-              </a14:hiddenFill>
-            </a:ext>
-          </a:extLst>
-        </p:spPr>
-      </p:pic>
+            <a:endParaRPr lang="en-US"/>
+          </a:p>
+        </p:txBody>
+      </p:sp>
     </p:spTree>
     <p:extLst>
       <p:ext uri="{BB962C8B-B14F-4D97-AF65-F5344CB8AC3E}">
-        <p14:creationId xmlns:p14="http://schemas.microsoft.com/office/powerpoint/2010/main" val="1463287239"/>
+        <p14:creationId xmlns:p14="http://schemas.microsoft.com/office/powerpoint/2010/main" val="2184365700"/>
       </p:ext>
     </p:extLst>
   </p:cSld>
@@ -4986,10 +9190,196 @@
       </p:grpSpPr>
       <p:sp>
         <p:nvSpPr>
+          <p:cNvPr id="3" name="Content Placeholder 2">
+            <a:extLst>
+              <a:ext uri="{FF2B5EF4-FFF2-40B4-BE49-F238E27FC236}">
+                <a16:creationId xmlns:a16="http://schemas.microsoft.com/office/drawing/2014/main" id="{0FB7235C-C25A-DD4F-9DA3-9B342DBBB755}"/>
+              </a:ext>
+            </a:extLst>
+          </p:cNvPr>
+          <p:cNvSpPr>
+            <a:spLocks noGrp="1"/>
+          </p:cNvSpPr>
+          <p:nvPr>
+            <p:ph idx="1"/>
+          </p:nvPr>
+        </p:nvSpPr>
+        <p:spPr>
+          <a:xfrm>
+            <a:off x="1954924" y="1240221"/>
+            <a:ext cx="9335814" cy="4776951"/>
+          </a:xfrm>
+        </p:spPr>
+        <p:txBody>
+          <a:bodyPr>
+            <a:normAutofit fontScale="85000" lnSpcReduction="20000"/>
+          </a:bodyPr>
+          <a:lstStyle/>
+          <a:p>
+            <a:pPr>
+              <a:lnSpc>
+                <a:spcPct val="120000"/>
+              </a:lnSpc>
+            </a:pPr>
+            <a:r>
+              <a:rPr lang="en-US" dirty="0"/>
+              <a:t>Extremely large datasets</a:t>
+            </a:r>
+          </a:p>
+          <a:p>
+            <a:pPr>
+              <a:lnSpc>
+                <a:spcPct val="120000"/>
+              </a:lnSpc>
+            </a:pPr>
+            <a:r>
+              <a:rPr lang="en-US" dirty="0"/>
+              <a:t>Not clearly defined</a:t>
+            </a:r>
+          </a:p>
+          <a:p>
+            <a:pPr lvl="1">
+              <a:lnSpc>
+                <a:spcPct val="120000"/>
+              </a:lnSpc>
+            </a:pPr>
+            <a:r>
+              <a:rPr lang="en-US" dirty="0"/>
+              <a:t>Multiple columns referred to location property</a:t>
+            </a:r>
+            <a:br>
+              <a:rPr lang="en-US" dirty="0"/>
+            </a:br>
+            <a:r>
+              <a:rPr lang="en-US" dirty="0"/>
+              <a:t> - </a:t>
+            </a:r>
+            <a:r>
+              <a:rPr lang="en-US" dirty="0" err="1"/>
+              <a:t>neighbourhood</a:t>
+            </a:r>
+            <a:r>
+              <a:rPr lang="en-US" dirty="0"/>
+              <a:t> - </a:t>
+            </a:r>
+            <a:r>
+              <a:rPr lang="en-US" dirty="0" err="1"/>
+              <a:t>neighbourhood</a:t>
+            </a:r>
+            <a:r>
+              <a:rPr lang="en-US" dirty="0"/>
+              <a:t> cleansed – city - smart-location</a:t>
+            </a:r>
+          </a:p>
+          <a:p>
+            <a:pPr lvl="1">
+              <a:lnSpc>
+                <a:spcPct val="120000"/>
+              </a:lnSpc>
+            </a:pPr>
+            <a:r>
+              <a:rPr lang="en-US" dirty="0"/>
+              <a:t>Only one of these matched the coordinates stored against the Airbnb listing</a:t>
+            </a:r>
+          </a:p>
+          <a:p>
+            <a:pPr>
+              <a:lnSpc>
+                <a:spcPct val="120000"/>
+              </a:lnSpc>
+            </a:pPr>
+            <a:r>
+              <a:rPr lang="en-US" dirty="0"/>
+              <a:t>Quite messy</a:t>
+            </a:r>
+          </a:p>
+          <a:p>
+            <a:pPr lvl="1">
+              <a:lnSpc>
+                <a:spcPct val="120000"/>
+              </a:lnSpc>
+            </a:pPr>
+            <a:r>
+              <a:rPr lang="en-US" dirty="0" err="1"/>
+              <a:t>eg</a:t>
+            </a:r>
+            <a:r>
+              <a:rPr lang="en-US" dirty="0"/>
+              <a:t> room type was free form - we had 1 ”castle” in Melbourne on the listing</a:t>
+            </a:r>
+          </a:p>
+          <a:p>
+            <a:pPr>
+              <a:lnSpc>
+                <a:spcPct val="120000"/>
+              </a:lnSpc>
+            </a:pPr>
+            <a:r>
+              <a:rPr lang="en-US" dirty="0"/>
+              <a:t>Typos in information</a:t>
+            </a:r>
+          </a:p>
+          <a:p>
+            <a:pPr lvl="1">
+              <a:lnSpc>
+                <a:spcPct val="120000"/>
+              </a:lnSpc>
+            </a:pPr>
+            <a:r>
+              <a:rPr lang="en-US" dirty="0"/>
+              <a:t>multiple spellings and configuration of suburb names)</a:t>
+            </a:r>
+          </a:p>
+          <a:p>
+            <a:pPr marL="0" indent="0">
+              <a:lnSpc>
+                <a:spcPct val="120000"/>
+              </a:lnSpc>
+              <a:buNone/>
+            </a:pPr>
+            <a:endParaRPr lang="en-US" dirty="0"/>
+          </a:p>
+          <a:p>
+            <a:pPr marL="0" indent="0">
+              <a:lnSpc>
+                <a:spcPct val="120000"/>
+              </a:lnSpc>
+              <a:buNone/>
+            </a:pPr>
+            <a:endParaRPr lang="en-US" dirty="0"/>
+          </a:p>
+          <a:p>
+            <a:pPr>
+              <a:lnSpc>
+                <a:spcPct val="120000"/>
+              </a:lnSpc>
+            </a:pPr>
+            <a:endParaRPr lang="en-US" dirty="0"/>
+          </a:p>
+          <a:p>
+            <a:pPr>
+              <a:lnSpc>
+                <a:spcPct val="120000"/>
+              </a:lnSpc>
+            </a:pPr>
+            <a:endParaRPr lang="en-US" dirty="0"/>
+          </a:p>
+          <a:p>
+            <a:pPr>
+              <a:lnSpc>
+                <a:spcPct val="120000"/>
+              </a:lnSpc>
+            </a:pPr>
+            <a:endParaRPr lang="en-US" dirty="0"/>
+          </a:p>
+        </p:txBody>
+      </p:sp>
+      <p:sp>
+        <p:nvSpPr>
           <p:cNvPr id="5" name="Rectangle 4">
             <a:extLst>
               <a:ext uri="{FF2B5EF4-FFF2-40B4-BE49-F238E27FC236}">
-                <a16:creationId xmlns:a16="http://schemas.microsoft.com/office/drawing/2014/main" id="{DCCA4C07-4DA0-8644-864C-2A8FD439EEEB}"/>
+                <a16:creationId xmlns:a16="http://schemas.microsoft.com/office/drawing/2014/main" id="{7CAF3F28-FC6D-FA47-BEDA-4E6B74930141}"/>
               </a:ext>
             </a:extLst>
           </p:cNvPr>
@@ -4998,8 +9388,89 @@
         </p:nvSpPr>
         <p:spPr>
           <a:xfrm>
+            <a:off x="1610036" y="471496"/>
+            <a:ext cx="4359527" cy="584775"/>
+          </a:xfrm>
+          <a:prstGeom prst="rect">
+            <a:avLst/>
+          </a:prstGeom>
+        </p:spPr>
+        <p:txBody>
+          <a:bodyPr wrap="none">
+            <a:spAutoFit/>
+          </a:bodyPr>
+          <a:lstStyle/>
+          <a:p>
+            <a:r>
+              <a:rPr lang="en-US" sz="3200" dirty="0"/>
+              <a:t>Data from inside Airbnb:</a:t>
+            </a:r>
+          </a:p>
+        </p:txBody>
+      </p:sp>
+      <p:pic>
+        <p:nvPicPr>
+          <p:cNvPr id="1030" name="Picture 6" descr="Scribble Icons - Download Free Vector Icons | Noun Project">
+            <a:extLst>
+              <a:ext uri="{FF2B5EF4-FFF2-40B4-BE49-F238E27FC236}">
+                <a16:creationId xmlns:a16="http://schemas.microsoft.com/office/drawing/2014/main" id="{452351F1-839B-174F-94BB-D66D5C219B75}"/>
+              </a:ext>
+            </a:extLst>
+          </p:cNvPr>
+          <p:cNvPicPr>
+            <a:picLocks noChangeAspect="1" noChangeArrowheads="1"/>
+          </p:cNvPicPr>
+          <p:nvPr/>
+        </p:nvPicPr>
+        <p:blipFill>
+          <a:blip r:embed="rId2">
+            <a:extLst>
+              <a:ext uri="{28A0092B-C50C-407E-A947-70E740481C1C}">
+                <a14:useLocalDpi xmlns:a14="http://schemas.microsoft.com/office/drawing/2010/main" val="0"/>
+              </a:ext>
+            </a:extLst>
+          </a:blip>
+          <a:srcRect/>
+          <a:stretch>
+            <a:fillRect/>
+          </a:stretch>
+        </p:blipFill>
+        <p:spPr bwMode="auto">
+          <a:xfrm>
+            <a:off x="9208814" y="4167735"/>
+            <a:ext cx="2540000" cy="2540000"/>
+          </a:xfrm>
+          <a:prstGeom prst="rect">
+            <a:avLst/>
+          </a:prstGeom>
+          <a:noFill/>
+          <a:extLst>
+            <a:ext uri="{909E8E84-426E-40DD-AFC4-6F175D3DCCD1}">
+              <a14:hiddenFill xmlns:a14="http://schemas.microsoft.com/office/drawing/2010/main">
+                <a:solidFill>
+                  <a:srgbClr val="FFFFFF"/>
+                </a:solidFill>
+              </a14:hiddenFill>
+            </a:ext>
+          </a:extLst>
+        </p:spPr>
+      </p:pic>
+      <p:sp>
+        <p:nvSpPr>
+          <p:cNvPr id="7" name="Rectangle 6">
+            <a:extLst>
+              <a:ext uri="{FF2B5EF4-FFF2-40B4-BE49-F238E27FC236}">
+                <a16:creationId xmlns:a16="http://schemas.microsoft.com/office/drawing/2014/main" id="{372481F3-DAD2-A140-B805-50EEA4B9699D}"/>
+              </a:ext>
+            </a:extLst>
+          </p:cNvPr>
+          <p:cNvSpPr/>
+          <p:nvPr/>
+        </p:nvSpPr>
+        <p:spPr>
+          <a:xfrm>
             <a:off x="0" y="0"/>
-            <a:ext cx="1240221" cy="6936828"/>
+            <a:ext cx="504497" cy="6936828"/>
           </a:xfrm>
           <a:prstGeom prst="rect">
             <a:avLst/>
@@ -5032,276 +9503,14 @@
           <a:lstStyle/>
           <a:p>
             <a:pPr algn="ctr"/>
-            <a:endParaRPr lang="en-US" dirty="0"/>
-          </a:p>
-        </p:txBody>
-      </p:sp>
-      <p:sp>
-        <p:nvSpPr>
-          <p:cNvPr id="6" name="Content Placeholder 2">
-            <a:extLst>
-              <a:ext uri="{FF2B5EF4-FFF2-40B4-BE49-F238E27FC236}">
-                <a16:creationId xmlns:a16="http://schemas.microsoft.com/office/drawing/2014/main" id="{DBD3A432-9AC2-914E-AE28-086F832CB8A9}"/>
-              </a:ext>
-            </a:extLst>
-          </p:cNvPr>
-          <p:cNvSpPr>
-            <a:spLocks noGrp="1"/>
-          </p:cNvSpPr>
-          <p:nvPr>
-            <p:ph idx="1"/>
-          </p:nvPr>
-        </p:nvSpPr>
-        <p:spPr>
-          <a:xfrm>
-            <a:off x="1954923" y="1240221"/>
-            <a:ext cx="9522373" cy="5467514"/>
-          </a:xfrm>
-        </p:spPr>
-        <p:txBody>
-          <a:bodyPr>
-            <a:normAutofit fontScale="85000" lnSpcReduction="20000"/>
-          </a:bodyPr>
-          <a:lstStyle/>
-          <a:p>
-            <a:pPr marL="0" indent="0">
-              <a:lnSpc>
-                <a:spcPct val="120000"/>
-              </a:lnSpc>
-              <a:buNone/>
-            </a:pPr>
-            <a:r>
-              <a:rPr lang="en-US" dirty="0"/>
-              <a:t>Followed the </a:t>
-            </a:r>
-            <a:r>
-              <a:rPr lang="en-US" i="1" dirty="0"/>
-              <a:t>Ultimate guide to data cleaning </a:t>
-            </a:r>
-            <a:r>
-              <a:rPr lang="en-US" dirty="0"/>
-              <a:t>- </a:t>
-            </a:r>
-            <a:r>
-              <a:rPr lang="en-US" dirty="0" err="1"/>
-              <a:t>towardsdatascience.com</a:t>
-            </a:r>
-            <a:endParaRPr lang="en-US" dirty="0"/>
-          </a:p>
-          <a:p>
-            <a:pPr>
-              <a:lnSpc>
-                <a:spcPct val="120000"/>
-              </a:lnSpc>
-            </a:pPr>
-            <a:r>
-              <a:rPr lang="en-US" dirty="0"/>
-              <a:t>Checked for duplicates</a:t>
-            </a:r>
-          </a:p>
-          <a:p>
-            <a:pPr lvl="1">
-              <a:lnSpc>
-                <a:spcPct val="120000"/>
-              </a:lnSpc>
-            </a:pPr>
-            <a:r>
-              <a:rPr lang="en-US" dirty="0"/>
-              <a:t>none identified</a:t>
-            </a:r>
-          </a:p>
-          <a:p>
-            <a:pPr>
-              <a:lnSpc>
-                <a:spcPct val="120000"/>
-              </a:lnSpc>
-            </a:pPr>
-            <a:r>
-              <a:rPr lang="en-US" dirty="0"/>
-              <a:t>Check data info for null field</a:t>
-            </a:r>
-          </a:p>
-          <a:p>
-            <a:pPr lvl="1">
-              <a:lnSpc>
-                <a:spcPct val="120000"/>
-              </a:lnSpc>
-            </a:pPr>
-            <a:r>
-              <a:rPr lang="en-US" i="1" dirty="0"/>
-              <a:t>using </a:t>
-            </a:r>
-            <a:r>
-              <a:rPr lang="en-US" i="1" dirty="0" err="1"/>
-              <a:t>df.info</a:t>
-            </a:r>
-            <a:r>
-              <a:rPr lang="en-US" i="1" dirty="0"/>
-              <a:t>()</a:t>
-            </a:r>
-          </a:p>
-          <a:p>
-            <a:pPr>
-              <a:lnSpc>
-                <a:spcPct val="120000"/>
-              </a:lnSpc>
-            </a:pPr>
-            <a:r>
-              <a:rPr lang="en-US" dirty="0"/>
-              <a:t>Replace null value with relevant data</a:t>
-            </a:r>
-          </a:p>
-          <a:p>
-            <a:pPr lvl="1">
-              <a:lnSpc>
-                <a:spcPct val="120000"/>
-              </a:lnSpc>
-            </a:pPr>
-            <a:r>
-              <a:rPr lang="en-US" dirty="0"/>
-              <a:t>Fill string values with "missing” or relevant value</a:t>
-            </a:r>
-          </a:p>
-          <a:p>
-            <a:pPr lvl="1">
-              <a:lnSpc>
-                <a:spcPct val="120000"/>
-              </a:lnSpc>
-            </a:pPr>
-            <a:r>
-              <a:rPr lang="en-US" dirty="0"/>
-              <a:t>Filled integer values with 0</a:t>
-            </a:r>
-          </a:p>
-          <a:p>
-            <a:pPr>
-              <a:lnSpc>
-                <a:spcPct val="120000"/>
-              </a:lnSpc>
-            </a:pPr>
-            <a:r>
-              <a:rPr lang="en-US" dirty="0"/>
-              <a:t>Check the relevant columns </a:t>
-            </a:r>
-            <a:r>
-              <a:rPr lang="en-US" dirty="0" err="1"/>
-              <a:t>dtypes</a:t>
-            </a:r>
-            <a:endParaRPr lang="en-US" dirty="0"/>
-          </a:p>
-          <a:p>
-            <a:pPr lvl="1">
-              <a:lnSpc>
-                <a:spcPct val="120000"/>
-              </a:lnSpc>
-            </a:pPr>
-            <a:r>
-              <a:rPr lang="en-US" dirty="0"/>
-              <a:t>All columns presented as objects (strings)</a:t>
-            </a:r>
-          </a:p>
-          <a:p>
-            <a:pPr>
-              <a:lnSpc>
-                <a:spcPct val="120000"/>
-              </a:lnSpc>
-            </a:pPr>
-            <a:r>
-              <a:rPr lang="en-US" dirty="0"/>
-              <a:t>converted relevant columns to integers and floats</a:t>
-            </a:r>
-          </a:p>
-          <a:p>
-            <a:pPr lvl="1">
-              <a:lnSpc>
-                <a:spcPct val="120000"/>
-              </a:lnSpc>
-            </a:pPr>
-            <a:r>
-              <a:rPr lang="en-US" dirty="0"/>
-              <a:t>including stripping currency of its formatting</a:t>
-            </a:r>
-          </a:p>
-        </p:txBody>
-      </p:sp>
-      <p:sp>
-        <p:nvSpPr>
-          <p:cNvPr id="7" name="Rectangle 6">
-            <a:extLst>
-              <a:ext uri="{FF2B5EF4-FFF2-40B4-BE49-F238E27FC236}">
-                <a16:creationId xmlns:a16="http://schemas.microsoft.com/office/drawing/2014/main" id="{2E40D634-B637-AD40-9A07-4D10AFF75408}"/>
-              </a:ext>
-            </a:extLst>
-          </p:cNvPr>
-          <p:cNvSpPr/>
-          <p:nvPr/>
-        </p:nvSpPr>
-        <p:spPr>
-          <a:xfrm>
-            <a:off x="1610036" y="471496"/>
-            <a:ext cx="7352910" cy="643831"/>
-          </a:xfrm>
-          <a:prstGeom prst="rect">
-            <a:avLst/>
-          </a:prstGeom>
-        </p:spPr>
-        <p:txBody>
-          <a:bodyPr wrap="none">
-            <a:spAutoFit/>
-          </a:bodyPr>
-          <a:lstStyle/>
-          <a:p>
-            <a:pPr>
-              <a:lnSpc>
-                <a:spcPct val="120000"/>
-              </a:lnSpc>
-            </a:pPr>
-            <a:r>
-              <a:rPr lang="en-AU" sz="3200" dirty="0"/>
-              <a:t>Second Wave - Data clean of rubbish fields </a:t>
-            </a:r>
-          </a:p>
-        </p:txBody>
-      </p:sp>
-      <p:sp>
-        <p:nvSpPr>
-          <p:cNvPr id="8" name="Rectangle 7">
-            <a:extLst>
-              <a:ext uri="{FF2B5EF4-FFF2-40B4-BE49-F238E27FC236}">
-                <a16:creationId xmlns:a16="http://schemas.microsoft.com/office/drawing/2014/main" id="{82A7FDA2-FF28-4D42-8B9F-CD4D579EEF14}"/>
-              </a:ext>
-            </a:extLst>
-          </p:cNvPr>
-          <p:cNvSpPr/>
-          <p:nvPr/>
-        </p:nvSpPr>
-        <p:spPr>
-          <a:xfrm>
-            <a:off x="9713533" y="150265"/>
-            <a:ext cx="1893788" cy="369332"/>
-          </a:xfrm>
-          <a:prstGeom prst="rect">
-            <a:avLst/>
-          </a:prstGeom>
-        </p:spPr>
-        <p:txBody>
-          <a:bodyPr wrap="none">
-            <a:spAutoFit/>
-          </a:bodyPr>
-          <a:lstStyle/>
-          <a:p>
-            <a:r>
-              <a:rPr lang="en-AU" b="1" dirty="0"/>
-              <a:t>C. Data Wrangling</a:t>
-            </a:r>
-            <a:endParaRPr lang="en-US" dirty="0"/>
+            <a:endParaRPr lang="en-US"/>
           </a:p>
         </p:txBody>
       </p:sp>
     </p:spTree>
     <p:extLst>
       <p:ext uri="{BB962C8B-B14F-4D97-AF65-F5344CB8AC3E}">
-        <p14:creationId xmlns:p14="http://schemas.microsoft.com/office/powerpoint/2010/main" val="3457103126"/>
+        <p14:creationId xmlns:p14="http://schemas.microsoft.com/office/powerpoint/2010/main" val="3809756242"/>
       </p:ext>
     </p:extLst>
   </p:cSld>
@@ -5328,12 +9537,170 @@
           <a:chExt cx="0" cy="0"/>
         </a:xfrm>
       </p:grpSpPr>
+      <p:sp>
+        <p:nvSpPr>
+          <p:cNvPr id="6" name="Content Placeholder 2">
+            <a:extLst>
+              <a:ext uri="{FF2B5EF4-FFF2-40B4-BE49-F238E27FC236}">
+                <a16:creationId xmlns:a16="http://schemas.microsoft.com/office/drawing/2014/main" id="{DBD3A432-9AC2-914E-AE28-086F832CB8A9}"/>
+              </a:ext>
+            </a:extLst>
+          </p:cNvPr>
+          <p:cNvSpPr>
+            <a:spLocks noGrp="1"/>
+          </p:cNvSpPr>
+          <p:nvPr>
+            <p:ph idx="1"/>
+          </p:nvPr>
+        </p:nvSpPr>
+        <p:spPr>
+          <a:xfrm>
+            <a:off x="1954924" y="1240221"/>
+            <a:ext cx="9335814" cy="4776951"/>
+          </a:xfrm>
+        </p:spPr>
+        <p:txBody>
+          <a:bodyPr>
+            <a:normAutofit fontScale="85000" lnSpcReduction="20000"/>
+          </a:bodyPr>
+          <a:lstStyle/>
+          <a:p>
+            <a:pPr>
+              <a:lnSpc>
+                <a:spcPct val="120000"/>
+              </a:lnSpc>
+            </a:pPr>
+            <a:r>
+              <a:rPr lang="en-US" dirty="0"/>
+              <a:t>containing train stop name, stop id, longitude and latitude</a:t>
+            </a:r>
+          </a:p>
+          <a:p>
+            <a:pPr>
+              <a:lnSpc>
+                <a:spcPct val="120000"/>
+              </a:lnSpc>
+            </a:pPr>
+            <a:r>
+              <a:rPr lang="en-US" dirty="0"/>
+              <a:t>Quite large</a:t>
+            </a:r>
+          </a:p>
+          <a:p>
+            <a:pPr lvl="1">
+              <a:lnSpc>
+                <a:spcPct val="120000"/>
+              </a:lnSpc>
+            </a:pPr>
+            <a:r>
+              <a:rPr lang="en-US" dirty="0"/>
+              <a:t>this was be reduced once scope for the data from </a:t>
+            </a:r>
+            <a:r>
+              <a:rPr lang="en-US" dirty="0" err="1"/>
+              <a:t>insideairbnb</a:t>
+            </a:r>
+            <a:r>
+              <a:rPr lang="en-US" dirty="0"/>
+              <a:t> is </a:t>
+            </a:r>
+            <a:r>
+              <a:rPr lang="en-US" dirty="0" err="1"/>
+              <a:t>finalised</a:t>
+            </a:r>
+            <a:endParaRPr lang="en-US" dirty="0"/>
+          </a:p>
+          <a:p>
+            <a:pPr>
+              <a:lnSpc>
+                <a:spcPct val="120000"/>
+              </a:lnSpc>
+            </a:pPr>
+            <a:r>
+              <a:rPr lang="en-US" dirty="0"/>
+              <a:t>Clean, succinct, ready to be mined</a:t>
+            </a:r>
+          </a:p>
+          <a:p>
+            <a:pPr marL="0" indent="0">
+              <a:lnSpc>
+                <a:spcPct val="120000"/>
+              </a:lnSpc>
+              <a:buNone/>
+            </a:pPr>
+            <a:endParaRPr lang="en-US" dirty="0"/>
+          </a:p>
+          <a:p>
+            <a:pPr>
+              <a:lnSpc>
+                <a:spcPct val="120000"/>
+              </a:lnSpc>
+            </a:pPr>
+            <a:endParaRPr lang="en-US" dirty="0"/>
+          </a:p>
+          <a:p>
+            <a:pPr>
+              <a:lnSpc>
+                <a:spcPct val="120000"/>
+              </a:lnSpc>
+            </a:pPr>
+            <a:endParaRPr lang="en-US" dirty="0"/>
+          </a:p>
+          <a:p>
+            <a:pPr>
+              <a:lnSpc>
+                <a:spcPct val="120000"/>
+              </a:lnSpc>
+            </a:pPr>
+            <a:endParaRPr lang="en-US" dirty="0"/>
+          </a:p>
+        </p:txBody>
+      </p:sp>
+      <p:sp>
+        <p:nvSpPr>
+          <p:cNvPr id="7" name="Rectangle 6">
+            <a:extLst>
+              <a:ext uri="{FF2B5EF4-FFF2-40B4-BE49-F238E27FC236}">
+                <a16:creationId xmlns:a16="http://schemas.microsoft.com/office/drawing/2014/main" id="{2E40D634-B637-AD40-9A07-4D10AFF75408}"/>
+              </a:ext>
+            </a:extLst>
+          </p:cNvPr>
+          <p:cNvSpPr/>
+          <p:nvPr/>
+        </p:nvSpPr>
+        <p:spPr>
+          <a:xfrm>
+            <a:off x="1610036" y="471496"/>
+            <a:ext cx="3983398" cy="643831"/>
+          </a:xfrm>
+          <a:prstGeom prst="rect">
+            <a:avLst/>
+          </a:prstGeom>
+        </p:spPr>
+        <p:txBody>
+          <a:bodyPr wrap="none">
+            <a:spAutoFit/>
+          </a:bodyPr>
+          <a:lstStyle/>
+          <a:p>
+            <a:pPr>
+              <a:lnSpc>
+                <a:spcPct val="120000"/>
+              </a:lnSpc>
+            </a:pPr>
+            <a:r>
+              <a:rPr lang="en-US" sz="3200" dirty="0"/>
+              <a:t>Data from DELWP was:</a:t>
+            </a:r>
+          </a:p>
+        </p:txBody>
+      </p:sp>
       <p:pic>
         <p:nvPicPr>
-          <p:cNvPr id="9218" name="Picture 2" descr="Smiley Scribble Vector Images (over 680)">
-            <a:extLst>
-              <a:ext uri="{FF2B5EF4-FFF2-40B4-BE49-F238E27FC236}">
-                <a16:creationId xmlns:a16="http://schemas.microsoft.com/office/drawing/2014/main" id="{446AACB2-F4F9-5142-A58D-CE9A2B8D2DBE}"/>
+          <p:cNvPr id="2052" name="Picture 4" descr="Check Mark Icons - Download Free Vector Icons | Noun Project">
+            <a:extLst>
+              <a:ext uri="{FF2B5EF4-FFF2-40B4-BE49-F238E27FC236}">
+                <a16:creationId xmlns:a16="http://schemas.microsoft.com/office/drawing/2014/main" id="{28BEB303-D4F7-BD49-BA87-5853DA2C6A17}"/>
               </a:ext>
             </a:extLst>
           </p:cNvPr>
@@ -5342,31 +9709,23 @@
           </p:cNvPicPr>
           <p:nvPr/>
         </p:nvPicPr>
-        <p:blipFill rotWithShape="1">
+        <p:blipFill>
           <a:blip r:embed="rId2">
-            <a:alphaModFix/>
-            <a:extLst>
-              <a:ext uri="{BEBA8EAE-BF5A-486C-A8C5-ECC9F3942E4B}">
-                <a14:imgProps xmlns:a14="http://schemas.microsoft.com/office/drawing/2010/main">
-                  <a14:imgLayer r:embed="rId3">
-                    <a14:imgEffect>
-                      <a14:brightnessContrast bright="24000" contrast="-2000"/>
-                    </a14:imgEffect>
-                  </a14:imgLayer>
-                </a14:imgProps>
-              </a:ext>
+            <a:extLst>
               <a:ext uri="{28A0092B-C50C-407E-A947-70E740481C1C}">
                 <a14:useLocalDpi xmlns:a14="http://schemas.microsoft.com/office/drawing/2010/main" val="0"/>
               </a:ext>
             </a:extLst>
           </a:blip>
-          <a:srcRect l="-14" t="16416" r="1" b="31342"/>
-          <a:stretch/>
+          <a:srcRect/>
+          <a:stretch>
+            <a:fillRect/>
+          </a:stretch>
         </p:blipFill>
         <p:spPr bwMode="auto">
           <a:xfrm>
-            <a:off x="7416733" y="3973978"/>
-            <a:ext cx="4593600" cy="2520000"/>
+            <a:off x="9970155" y="4983162"/>
+            <a:ext cx="1724573" cy="1724573"/>
           </a:xfrm>
           <a:prstGeom prst="rect">
             <a:avLst/>
@@ -5383,12 +9742,49 @@
           </a:extLst>
         </p:spPr>
       </p:pic>
-      <p:sp>
-        <p:nvSpPr>
-          <p:cNvPr id="5" name="Rectangle 4">
-            <a:extLst>
-              <a:ext uri="{FF2B5EF4-FFF2-40B4-BE49-F238E27FC236}">
-                <a16:creationId xmlns:a16="http://schemas.microsoft.com/office/drawing/2014/main" id="{DCCA4C07-4DA0-8644-864C-2A8FD439EEEB}"/>
+      <p:pic>
+        <p:nvPicPr>
+          <p:cNvPr id="9" name="Picture 8">
+            <a:extLst>
+              <a:ext uri="{FF2B5EF4-FFF2-40B4-BE49-F238E27FC236}">
+                <a16:creationId xmlns:a16="http://schemas.microsoft.com/office/drawing/2014/main" id="{706E3CEC-18DB-524B-B6C2-E65BC060A9DD}"/>
+              </a:ext>
+            </a:extLst>
+          </p:cNvPr>
+          <p:cNvPicPr>
+            <a:picLocks noChangeAspect="1"/>
+          </p:cNvPicPr>
+          <p:nvPr/>
+        </p:nvPicPr>
+        <p:blipFill>
+          <a:blip r:embed="rId3"/>
+          <a:stretch>
+            <a:fillRect/>
+          </a:stretch>
+        </p:blipFill>
+        <p:spPr>
+          <a:xfrm>
+            <a:off x="1610036" y="3468414"/>
+            <a:ext cx="8489999" cy="1729264"/>
+          </a:xfrm>
+          <a:prstGeom prst="rect">
+            <a:avLst/>
+          </a:prstGeom>
+          <a:effectLst>
+            <a:outerShdw blurRad="152400" dist="38100" dir="2700000" algn="tl" rotWithShape="0">
+              <a:prstClr val="black">
+                <a:alpha val="40000"/>
+              </a:prstClr>
+            </a:outerShdw>
+          </a:effectLst>
+        </p:spPr>
+      </p:pic>
+      <p:sp>
+        <p:nvSpPr>
+          <p:cNvPr id="8" name="Rectangle 7">
+            <a:extLst>
+              <a:ext uri="{FF2B5EF4-FFF2-40B4-BE49-F238E27FC236}">
+                <a16:creationId xmlns:a16="http://schemas.microsoft.com/office/drawing/2014/main" id="{35C31D89-F43D-2342-8EA3-A73DFC806BF3}"/>
               </a:ext>
             </a:extLst>
           </p:cNvPr>
@@ -5398,7 +9794,7 @@
         <p:spPr>
           <a:xfrm>
             <a:off x="0" y="0"/>
-            <a:ext cx="1240221" cy="6936828"/>
+            <a:ext cx="504497" cy="6936828"/>
           </a:xfrm>
           <a:prstGeom prst="rect">
             <a:avLst/>
@@ -5431,246 +9827,14 @@
           <a:lstStyle/>
           <a:p>
             <a:pPr algn="ctr"/>
-            <a:endParaRPr lang="en-US" dirty="0"/>
-          </a:p>
-        </p:txBody>
-      </p:sp>
-      <p:sp>
-        <p:nvSpPr>
-          <p:cNvPr id="6" name="Content Placeholder 2">
-            <a:extLst>
-              <a:ext uri="{FF2B5EF4-FFF2-40B4-BE49-F238E27FC236}">
-                <a16:creationId xmlns:a16="http://schemas.microsoft.com/office/drawing/2014/main" id="{DBD3A432-9AC2-914E-AE28-086F832CB8A9}"/>
-              </a:ext>
-            </a:extLst>
-          </p:cNvPr>
-          <p:cNvSpPr>
-            <a:spLocks noGrp="1"/>
-          </p:cNvSpPr>
-          <p:nvPr>
-            <p:ph idx="1"/>
-          </p:nvPr>
-        </p:nvSpPr>
-        <p:spPr>
-          <a:xfrm>
-            <a:off x="1954923" y="1240221"/>
-            <a:ext cx="9522373" cy="5467514"/>
-          </a:xfrm>
-        </p:spPr>
-        <p:txBody>
-          <a:bodyPr>
-            <a:normAutofit fontScale="85000" lnSpcReduction="20000"/>
-          </a:bodyPr>
-          <a:lstStyle/>
-          <a:p>
-            <a:pPr>
-              <a:lnSpc>
-                <a:spcPct val="120000"/>
-              </a:lnSpc>
-            </a:pPr>
-            <a:r>
-              <a:rPr lang="en-US" dirty="0"/>
-              <a:t>strip leading and trailing space</a:t>
-            </a:r>
-          </a:p>
-          <a:p>
-            <a:pPr>
-              <a:lnSpc>
-                <a:spcPct val="120000"/>
-              </a:lnSpc>
-            </a:pPr>
-            <a:r>
-              <a:rPr lang="en-US" dirty="0"/>
-              <a:t>checked unique values in city column</a:t>
-            </a:r>
-          </a:p>
-          <a:p>
-            <a:pPr>
-              <a:lnSpc>
-                <a:spcPct val="120000"/>
-              </a:lnSpc>
-            </a:pPr>
-            <a:r>
-              <a:rPr lang="en-US" dirty="0"/>
-              <a:t>corrected spelling mistakes</a:t>
-            </a:r>
-          </a:p>
-          <a:p>
-            <a:pPr>
-              <a:lnSpc>
-                <a:spcPct val="120000"/>
-              </a:lnSpc>
-            </a:pPr>
-            <a:r>
-              <a:rPr lang="en-US" dirty="0"/>
-              <a:t>formalized suburb naming conventions</a:t>
-            </a:r>
-          </a:p>
-          <a:p>
-            <a:pPr>
-              <a:lnSpc>
-                <a:spcPct val="120000"/>
-              </a:lnSpc>
-            </a:pPr>
-            <a:r>
-              <a:rPr lang="en-US" dirty="0"/>
-              <a:t>dropped non-sensical data</a:t>
-            </a:r>
-          </a:p>
-          <a:p>
-            <a:pPr>
-              <a:lnSpc>
-                <a:spcPct val="120000"/>
-              </a:lnSpc>
-            </a:pPr>
-            <a:r>
-              <a:rPr lang="en-US" dirty="0"/>
-              <a:t>Drop further irrelevant columns as awareness of data grew.</a:t>
-            </a:r>
-          </a:p>
-          <a:p>
-            <a:pPr marL="0" indent="0">
-              <a:lnSpc>
-                <a:spcPct val="120000"/>
-              </a:lnSpc>
-              <a:buNone/>
-            </a:pPr>
-            <a:r>
-              <a:rPr lang="en-US" b="1" dirty="0"/>
-              <a:t>Lesson learned</a:t>
-            </a:r>
-          </a:p>
-          <a:p>
-            <a:pPr>
-              <a:lnSpc>
-                <a:spcPct val="120000"/>
-              </a:lnSpc>
-            </a:pPr>
-            <a:r>
-              <a:rPr lang="en-US" dirty="0"/>
-              <a:t>Once the null values had been populated, each </a:t>
-            </a:r>
-            <a:br>
-              <a:rPr lang="en-US" dirty="0"/>
-            </a:br>
-            <a:r>
-              <a:rPr lang="en-US" dirty="0"/>
-              <a:t>cleaning step was a discrete task</a:t>
-            </a:r>
-            <a:br>
-              <a:rPr lang="en-US" dirty="0"/>
-            </a:br>
-            <a:r>
-              <a:rPr lang="en-US" dirty="0"/>
-              <a:t>– not </a:t>
-            </a:r>
-            <a:r>
-              <a:rPr lang="en-US" dirty="0" err="1"/>
-              <a:t>dependant</a:t>
-            </a:r>
-            <a:r>
-              <a:rPr lang="en-US" dirty="0"/>
-              <a:t>  on the previous step.</a:t>
-            </a:r>
-          </a:p>
-          <a:p>
-            <a:pPr>
-              <a:lnSpc>
-                <a:spcPct val="120000"/>
-              </a:lnSpc>
-            </a:pPr>
-            <a:r>
-              <a:rPr lang="en-US" dirty="0"/>
-              <a:t>The work could have been divided among</a:t>
-            </a:r>
-            <a:br>
-              <a:rPr lang="en-US" dirty="0"/>
-            </a:br>
-            <a:r>
-              <a:rPr lang="en-US" dirty="0"/>
-              <a:t>the group to avoid delays.</a:t>
-            </a:r>
-          </a:p>
-        </p:txBody>
-      </p:sp>
-      <p:sp>
-        <p:nvSpPr>
-          <p:cNvPr id="7" name="Rectangle 6">
-            <a:extLst>
-              <a:ext uri="{FF2B5EF4-FFF2-40B4-BE49-F238E27FC236}">
-                <a16:creationId xmlns:a16="http://schemas.microsoft.com/office/drawing/2014/main" id="{2E40D634-B637-AD40-9A07-4D10AFF75408}"/>
-              </a:ext>
-            </a:extLst>
-          </p:cNvPr>
-          <p:cNvSpPr/>
-          <p:nvPr/>
-        </p:nvSpPr>
-        <p:spPr>
-          <a:xfrm>
-            <a:off x="1610036" y="471496"/>
-            <a:ext cx="7352910" cy="643831"/>
-          </a:xfrm>
-          <a:prstGeom prst="rect">
-            <a:avLst/>
-          </a:prstGeom>
-        </p:spPr>
-        <p:txBody>
-          <a:bodyPr wrap="none">
-            <a:spAutoFit/>
-          </a:bodyPr>
-          <a:lstStyle/>
-          <a:p>
-            <a:pPr>
-              <a:lnSpc>
-                <a:spcPct val="120000"/>
-              </a:lnSpc>
-            </a:pPr>
-            <a:r>
-              <a:rPr lang="en-AU" sz="3200" dirty="0"/>
-              <a:t>Second Wave - Data clean of rubbish fields </a:t>
-            </a:r>
-          </a:p>
-        </p:txBody>
-      </p:sp>
-      <p:sp>
-        <p:nvSpPr>
-          <p:cNvPr id="8" name="Rectangle 7">
-            <a:extLst>
-              <a:ext uri="{FF2B5EF4-FFF2-40B4-BE49-F238E27FC236}">
-                <a16:creationId xmlns:a16="http://schemas.microsoft.com/office/drawing/2014/main" id="{82A7FDA2-FF28-4D42-8B9F-CD4D579EEF14}"/>
-              </a:ext>
-            </a:extLst>
-          </p:cNvPr>
-          <p:cNvSpPr/>
-          <p:nvPr/>
-        </p:nvSpPr>
-        <p:spPr>
-          <a:xfrm>
-            <a:off x="9713533" y="150265"/>
-            <a:ext cx="1893788" cy="369332"/>
-          </a:xfrm>
-          <a:prstGeom prst="rect">
-            <a:avLst/>
-          </a:prstGeom>
-        </p:spPr>
-        <p:txBody>
-          <a:bodyPr wrap="none">
-            <a:spAutoFit/>
-          </a:bodyPr>
-          <a:lstStyle/>
-          <a:p>
-            <a:r>
-              <a:rPr lang="en-AU" b="1" dirty="0"/>
-              <a:t>C. Data Wrangling</a:t>
-            </a:r>
-            <a:endParaRPr lang="en-US" dirty="0"/>
+            <a:endParaRPr lang="en-US"/>
           </a:p>
         </p:txBody>
       </p:sp>
     </p:spTree>
     <p:extLst>
       <p:ext uri="{BB962C8B-B14F-4D97-AF65-F5344CB8AC3E}">
-        <p14:creationId xmlns:p14="http://schemas.microsoft.com/office/powerpoint/2010/main" val="2458435817"/>
+        <p14:creationId xmlns:p14="http://schemas.microsoft.com/office/powerpoint/2010/main" val="2384315402"/>
       </p:ext>
     </p:extLst>
   </p:cSld>
@@ -5697,12 +9861,243 @@
           <a:chExt cx="0" cy="0"/>
         </a:xfrm>
       </p:grpSpPr>
-      <p:sp>
-        <p:nvSpPr>
-          <p:cNvPr id="5" name="Rectangle 4">
-            <a:extLst>
-              <a:ext uri="{FF2B5EF4-FFF2-40B4-BE49-F238E27FC236}">
-                <a16:creationId xmlns:a16="http://schemas.microsoft.com/office/drawing/2014/main" id="{DCCA4C07-4DA0-8644-864C-2A8FD439EEEB}"/>
+      <p:pic>
+        <p:nvPicPr>
+          <p:cNvPr id="15" name="Picture 14">
+            <a:extLst>
+              <a:ext uri="{FF2B5EF4-FFF2-40B4-BE49-F238E27FC236}">
+                <a16:creationId xmlns:a16="http://schemas.microsoft.com/office/drawing/2014/main" id="{DA3CBA02-8294-BB42-8784-4A73C30234FC}"/>
+              </a:ext>
+            </a:extLst>
+          </p:cNvPr>
+          <p:cNvPicPr>
+            <a:picLocks noChangeAspect="1"/>
+          </p:cNvPicPr>
+          <p:nvPr/>
+        </p:nvPicPr>
+        <p:blipFill>
+          <a:blip r:embed="rId2"/>
+          <a:stretch>
+            <a:fillRect/>
+          </a:stretch>
+        </p:blipFill>
+        <p:spPr>
+          <a:xfrm>
+            <a:off x="8706050" y="2836311"/>
+            <a:ext cx="3062052" cy="2652288"/>
+          </a:xfrm>
+          <a:prstGeom prst="rect">
+            <a:avLst/>
+          </a:prstGeom>
+          <a:effectLst>
+            <a:outerShdw blurRad="152400" dist="38100" dir="2700000" algn="tl" rotWithShape="0">
+              <a:prstClr val="black">
+                <a:alpha val="40000"/>
+              </a:prstClr>
+            </a:outerShdw>
+          </a:effectLst>
+        </p:spPr>
+      </p:pic>
+      <p:sp>
+        <p:nvSpPr>
+          <p:cNvPr id="6" name="Content Placeholder 2">
+            <a:extLst>
+              <a:ext uri="{FF2B5EF4-FFF2-40B4-BE49-F238E27FC236}">
+                <a16:creationId xmlns:a16="http://schemas.microsoft.com/office/drawing/2014/main" id="{DBD3A432-9AC2-914E-AE28-086F832CB8A9}"/>
+              </a:ext>
+            </a:extLst>
+          </p:cNvPr>
+          <p:cNvSpPr>
+            <a:spLocks noGrp="1"/>
+          </p:cNvSpPr>
+          <p:nvPr>
+            <p:ph idx="1"/>
+          </p:nvPr>
+        </p:nvSpPr>
+        <p:spPr>
+          <a:xfrm>
+            <a:off x="1954924" y="1240221"/>
+            <a:ext cx="9335814" cy="5467514"/>
+          </a:xfrm>
+        </p:spPr>
+        <p:txBody>
+          <a:bodyPr>
+            <a:normAutofit fontScale="85000" lnSpcReduction="20000"/>
+          </a:bodyPr>
+          <a:lstStyle/>
+          <a:p>
+            <a:pPr marL="0" indent="0">
+              <a:lnSpc>
+                <a:spcPct val="120000"/>
+              </a:lnSpc>
+              <a:buNone/>
+            </a:pPr>
+            <a:r>
+              <a:rPr lang="en-US" dirty="0"/>
+              <a:t>CSV file read into </a:t>
+            </a:r>
+            <a:r>
+              <a:rPr lang="en-US" dirty="0" err="1"/>
+              <a:t>Jupyter</a:t>
+            </a:r>
+            <a:r>
+              <a:rPr lang="en-US" dirty="0"/>
+              <a:t> Notebook</a:t>
+            </a:r>
+            <a:endParaRPr lang="en-US" b="1" dirty="0"/>
+          </a:p>
+          <a:p>
+            <a:pPr marL="0" indent="0">
+              <a:lnSpc>
+                <a:spcPct val="120000"/>
+              </a:lnSpc>
+              <a:buNone/>
+            </a:pPr>
+            <a:r>
+              <a:rPr lang="en-US" dirty="0"/>
+              <a:t>Based on the data needs for our questions, the following records were not required and dropped from the data frame.</a:t>
+            </a:r>
+          </a:p>
+          <a:p>
+            <a:pPr marL="457200" lvl="1" indent="0">
+              <a:lnSpc>
+                <a:spcPct val="120000"/>
+              </a:lnSpc>
+              <a:buNone/>
+            </a:pPr>
+            <a:r>
+              <a:rPr lang="en-US" b="1" dirty="0"/>
+              <a:t>Room type:</a:t>
+            </a:r>
+          </a:p>
+          <a:p>
+            <a:pPr lvl="1">
+              <a:lnSpc>
+                <a:spcPct val="120000"/>
+              </a:lnSpc>
+            </a:pPr>
+            <a:r>
+              <a:rPr lang="en-US" dirty="0"/>
+              <a:t>The question is around investing in an Airbnb property</a:t>
+            </a:r>
+            <a:br>
+              <a:rPr lang="en-US" dirty="0"/>
+            </a:br>
+            <a:r>
+              <a:rPr lang="en-US" dirty="0"/>
+              <a:t>so we are only interested in entire homes</a:t>
+            </a:r>
+          </a:p>
+          <a:p>
+            <a:pPr lvl="1">
+              <a:lnSpc>
+                <a:spcPct val="120000"/>
+              </a:lnSpc>
+            </a:pPr>
+            <a:r>
+              <a:rPr lang="en-US" dirty="0"/>
+              <a:t>Dropped private rooms / shared rooms / hotel rooms</a:t>
+            </a:r>
+          </a:p>
+          <a:p>
+            <a:pPr marL="457200" lvl="1" indent="0">
+              <a:lnSpc>
+                <a:spcPct val="120000"/>
+              </a:lnSpc>
+              <a:buNone/>
+            </a:pPr>
+            <a:r>
+              <a:rPr lang="en-US" b="1" dirty="0"/>
+              <a:t>Drop irrelevant columns</a:t>
+            </a:r>
+            <a:endParaRPr lang="en-US" dirty="0"/>
+          </a:p>
+          <a:p>
+            <a:pPr marL="457200" lvl="1" indent="0">
+              <a:lnSpc>
+                <a:spcPct val="120000"/>
+              </a:lnSpc>
+              <a:buNone/>
+            </a:pPr>
+            <a:r>
+              <a:rPr lang="en-US" b="1" dirty="0" err="1"/>
+              <a:t>Neighbourhood</a:t>
+            </a:r>
+            <a:r>
+              <a:rPr lang="en-US" dirty="0"/>
+              <a:t>:</a:t>
+            </a:r>
+          </a:p>
+          <a:p>
+            <a:pPr lvl="1">
+              <a:lnSpc>
+                <a:spcPct val="120000"/>
+              </a:lnSpc>
+            </a:pPr>
+            <a:r>
+              <a:rPr lang="en-US" dirty="0"/>
+              <a:t>To focus on purely metropolitan properties we</a:t>
+            </a:r>
+            <a:br>
+              <a:rPr lang="en-US" dirty="0"/>
+            </a:br>
+            <a:r>
+              <a:rPr lang="en-US" dirty="0"/>
+              <a:t>dropped listings to within 15km of CBD</a:t>
+            </a:r>
+          </a:p>
+          <a:p>
+            <a:pPr lvl="1">
+              <a:lnSpc>
+                <a:spcPct val="120000"/>
+              </a:lnSpc>
+            </a:pPr>
+            <a:r>
+              <a:rPr lang="en-US" dirty="0"/>
+              <a:t>Achieved by using latitude and longitude in data to</a:t>
+            </a:r>
+            <a:br>
+              <a:rPr lang="en-US" dirty="0"/>
+            </a:br>
+            <a:r>
+              <a:rPr lang="en-US" dirty="0"/>
+              <a:t>determine the distance from the CBD</a:t>
+            </a:r>
+          </a:p>
+          <a:p>
+            <a:pPr marL="0" indent="0">
+              <a:lnSpc>
+                <a:spcPct val="120000"/>
+              </a:lnSpc>
+              <a:buNone/>
+            </a:pPr>
+            <a:r>
+              <a:rPr lang="en-US" b="1" dirty="0"/>
+              <a:t>Used loc property for Room type and </a:t>
+            </a:r>
+            <a:r>
+              <a:rPr lang="en-US" b="1" dirty="0" err="1"/>
+              <a:t>Neighbourhood</a:t>
+            </a:r>
+            <a:endParaRPr lang="en-US" b="1" dirty="0"/>
+          </a:p>
+          <a:p>
+            <a:pPr marL="0" indent="0">
+              <a:lnSpc>
+                <a:spcPct val="120000"/>
+              </a:lnSpc>
+              <a:buNone/>
+            </a:pPr>
+            <a:endParaRPr lang="en-US" dirty="0"/>
+          </a:p>
+        </p:txBody>
+      </p:sp>
+      <p:sp>
+        <p:nvSpPr>
+          <p:cNvPr id="7" name="Rectangle 6">
+            <a:extLst>
+              <a:ext uri="{FF2B5EF4-FFF2-40B4-BE49-F238E27FC236}">
+                <a16:creationId xmlns:a16="http://schemas.microsoft.com/office/drawing/2014/main" id="{2E40D634-B637-AD40-9A07-4D10AFF75408}"/>
               </a:ext>
             </a:extLst>
           </p:cNvPr>
@@ -5711,8 +10106,94 @@
         </p:nvSpPr>
         <p:spPr>
           <a:xfrm>
+            <a:off x="1610036" y="471496"/>
+            <a:ext cx="5173852" cy="643831"/>
+          </a:xfrm>
+          <a:prstGeom prst="rect">
+            <a:avLst/>
+          </a:prstGeom>
+        </p:spPr>
+        <p:txBody>
+          <a:bodyPr wrap="none">
+            <a:spAutoFit/>
+          </a:bodyPr>
+          <a:lstStyle/>
+          <a:p>
+            <a:pPr>
+              <a:lnSpc>
+                <a:spcPct val="120000"/>
+              </a:lnSpc>
+            </a:pPr>
+            <a:r>
+              <a:rPr lang="en-AU" sz="3200" dirty="0"/>
+              <a:t>First Wave - Irrelevant records</a:t>
+            </a:r>
+          </a:p>
+        </p:txBody>
+      </p:sp>
+      <p:pic>
+        <p:nvPicPr>
+          <p:cNvPr id="3074" name="Picture 2">
+            <a:extLst>
+              <a:ext uri="{FF2B5EF4-FFF2-40B4-BE49-F238E27FC236}">
+                <a16:creationId xmlns:a16="http://schemas.microsoft.com/office/drawing/2014/main" id="{2A02DC4D-0A45-9540-A869-B25F145FC739}"/>
+              </a:ext>
+            </a:extLst>
+          </p:cNvPr>
+          <p:cNvPicPr>
+            <a:picLocks noChangeAspect="1" noChangeArrowheads="1"/>
+          </p:cNvPicPr>
+          <p:nvPr/>
+        </p:nvPicPr>
+        <p:blipFill>
+          <a:blip r:embed="rId3">
+            <a:extLst>
+              <a:ext uri="{28A0092B-C50C-407E-A947-70E740481C1C}">
+                <a14:useLocalDpi xmlns:a14="http://schemas.microsoft.com/office/drawing/2010/main" val="0"/>
+              </a:ext>
+            </a:extLst>
+          </a:blip>
+          <a:srcRect/>
+          <a:stretch>
+            <a:fillRect/>
+          </a:stretch>
+        </p:blipFill>
+        <p:spPr bwMode="auto">
+          <a:xfrm>
+            <a:off x="9439840" y="3157135"/>
+            <a:ext cx="1903413" cy="1726042"/>
+          </a:xfrm>
+          <a:prstGeom prst="rect">
+            <a:avLst/>
+          </a:prstGeom>
+          <a:noFill/>
+          <a:extLst>
+            <a:ext uri="{909E8E84-426E-40DD-AFC4-6F175D3DCCD1}">
+              <a14:hiddenFill xmlns:a14="http://schemas.microsoft.com/office/drawing/2010/main">
+                <a:solidFill>
+                  <a:srgbClr val="FFFFFF"/>
+                </a:solidFill>
+              </a14:hiddenFill>
+            </a:ext>
+          </a:extLst>
+        </p:spPr>
+      </p:pic>
+      <p:sp>
+        <p:nvSpPr>
+          <p:cNvPr id="9" name="Rectangle 8">
+            <a:extLst>
+              <a:ext uri="{FF2B5EF4-FFF2-40B4-BE49-F238E27FC236}">
+                <a16:creationId xmlns:a16="http://schemas.microsoft.com/office/drawing/2014/main" id="{A0176451-7DF8-3144-9DE6-65E0E7BFE846}"/>
+              </a:ext>
+            </a:extLst>
+          </p:cNvPr>
+          <p:cNvSpPr/>
+          <p:nvPr/>
+        </p:nvSpPr>
+        <p:spPr>
+          <a:xfrm>
             <a:off x="0" y="0"/>
-            <a:ext cx="1240221" cy="6936828"/>
+            <a:ext cx="504497" cy="6936828"/>
           </a:xfrm>
           <a:prstGeom prst="rect">
             <a:avLst/>
@@ -5745,473 +10226,14 @@
           <a:lstStyle/>
           <a:p>
             <a:pPr algn="ctr"/>
-            <a:endParaRPr lang="en-US" dirty="0"/>
-          </a:p>
-        </p:txBody>
-      </p:sp>
-      <p:sp>
-        <p:nvSpPr>
-          <p:cNvPr id="7" name="Rectangle 6">
-            <a:extLst>
-              <a:ext uri="{FF2B5EF4-FFF2-40B4-BE49-F238E27FC236}">
-                <a16:creationId xmlns:a16="http://schemas.microsoft.com/office/drawing/2014/main" id="{2E40D634-B637-AD40-9A07-4D10AFF75408}"/>
-              </a:ext>
-            </a:extLst>
-          </p:cNvPr>
-          <p:cNvSpPr/>
-          <p:nvPr/>
-        </p:nvSpPr>
-        <p:spPr>
-          <a:xfrm>
-            <a:off x="1610036" y="471496"/>
-            <a:ext cx="8413842" cy="643831"/>
-          </a:xfrm>
-          <a:prstGeom prst="rect">
-            <a:avLst/>
-          </a:prstGeom>
-        </p:spPr>
-        <p:txBody>
-          <a:bodyPr wrap="none">
-            <a:spAutoFit/>
-          </a:bodyPr>
-          <a:lstStyle/>
-          <a:p>
-            <a:pPr>
-              <a:lnSpc>
-                <a:spcPct val="120000"/>
-              </a:lnSpc>
-            </a:pPr>
-            <a:r>
-              <a:rPr lang="en-AU" sz="3200" dirty="0"/>
-              <a:t>Third Wave - Decision to only analyse apartments</a:t>
-            </a:r>
-          </a:p>
-        </p:txBody>
-      </p:sp>
-      <p:sp>
-        <p:nvSpPr>
-          <p:cNvPr id="8" name="Rectangle 7">
-            <a:extLst>
-              <a:ext uri="{FF2B5EF4-FFF2-40B4-BE49-F238E27FC236}">
-                <a16:creationId xmlns:a16="http://schemas.microsoft.com/office/drawing/2014/main" id="{82A7FDA2-FF28-4D42-8B9F-CD4D579EEF14}"/>
-              </a:ext>
-            </a:extLst>
-          </p:cNvPr>
-          <p:cNvSpPr/>
-          <p:nvPr/>
-        </p:nvSpPr>
-        <p:spPr>
-          <a:xfrm>
-            <a:off x="9713533" y="150265"/>
-            <a:ext cx="1893788" cy="369332"/>
-          </a:xfrm>
-          <a:prstGeom prst="rect">
-            <a:avLst/>
-          </a:prstGeom>
-        </p:spPr>
-        <p:txBody>
-          <a:bodyPr wrap="none">
-            <a:spAutoFit/>
-          </a:bodyPr>
-          <a:lstStyle/>
-          <a:p>
-            <a:r>
-              <a:rPr lang="en-AU" b="1" dirty="0"/>
-              <a:t>C. Data Wrangling</a:t>
-            </a:r>
-            <a:endParaRPr lang="en-US" dirty="0"/>
-          </a:p>
-        </p:txBody>
-      </p:sp>
-      <p:pic>
-        <p:nvPicPr>
-          <p:cNvPr id="9" name="Picture 8">
-            <a:extLst>
-              <a:ext uri="{FF2B5EF4-FFF2-40B4-BE49-F238E27FC236}">
-                <a16:creationId xmlns:a16="http://schemas.microsoft.com/office/drawing/2014/main" id="{3880D3C2-3857-F440-9F12-8A256029171A}"/>
-              </a:ext>
-            </a:extLst>
-          </p:cNvPr>
-          <p:cNvPicPr>
-            <a:picLocks noChangeAspect="1"/>
-          </p:cNvPicPr>
-          <p:nvPr/>
-        </p:nvPicPr>
-        <p:blipFill>
-          <a:blip r:embed="rId2"/>
-          <a:stretch>
-            <a:fillRect/>
-          </a:stretch>
-        </p:blipFill>
-        <p:spPr>
-          <a:xfrm>
-            <a:off x="4734517" y="1315708"/>
-            <a:ext cx="6772716" cy="3158461"/>
-          </a:xfrm>
-          <a:prstGeom prst="rect">
-            <a:avLst/>
-          </a:prstGeom>
-          <a:effectLst>
-            <a:outerShdw blurRad="152400" dist="38100" dir="2700000" algn="tl" rotWithShape="0">
-              <a:prstClr val="black">
-                <a:alpha val="40000"/>
-              </a:prstClr>
-            </a:outerShdw>
-          </a:effectLst>
-        </p:spPr>
-      </p:pic>
-      <p:pic>
-        <p:nvPicPr>
-          <p:cNvPr id="3" name="Picture 2">
-            <a:extLst>
-              <a:ext uri="{FF2B5EF4-FFF2-40B4-BE49-F238E27FC236}">
-                <a16:creationId xmlns:a16="http://schemas.microsoft.com/office/drawing/2014/main" id="{FEAB15D5-1361-8F45-BD0B-637D2BDB6C39}"/>
-              </a:ext>
-            </a:extLst>
-          </p:cNvPr>
-          <p:cNvPicPr>
-            <a:picLocks noChangeAspect="1"/>
-          </p:cNvPicPr>
-          <p:nvPr/>
-        </p:nvPicPr>
-        <p:blipFill rotWithShape="1">
-          <a:blip r:embed="rId3"/>
-          <a:srcRect l="4613" r="20573"/>
-          <a:stretch/>
-        </p:blipFill>
-        <p:spPr>
-          <a:xfrm>
-            <a:off x="6466916" y="2515975"/>
-            <a:ext cx="5400000" cy="4059267"/>
-          </a:xfrm>
-          <a:prstGeom prst="rect">
-            <a:avLst/>
-          </a:prstGeom>
-          <a:effectLst>
-            <a:outerShdw blurRad="152400" dist="38100" dir="2700000" algn="tl" rotWithShape="0">
-              <a:prstClr val="black">
-                <a:alpha val="40000"/>
-              </a:prstClr>
-            </a:outerShdw>
-          </a:effectLst>
-        </p:spPr>
-      </p:pic>
-      <p:pic>
-        <p:nvPicPr>
-          <p:cNvPr id="12" name="Picture 11">
-            <a:extLst>
-              <a:ext uri="{FF2B5EF4-FFF2-40B4-BE49-F238E27FC236}">
-                <a16:creationId xmlns:a16="http://schemas.microsoft.com/office/drawing/2014/main" id="{D9CAF0D3-C693-6E42-A2DC-B83F4EB894FA}"/>
-              </a:ext>
-            </a:extLst>
-          </p:cNvPr>
-          <p:cNvPicPr>
-            <a:picLocks noChangeAspect="1"/>
-          </p:cNvPicPr>
-          <p:nvPr/>
-        </p:nvPicPr>
-        <p:blipFill>
-          <a:blip r:embed="rId4"/>
-          <a:stretch>
-            <a:fillRect/>
-          </a:stretch>
-        </p:blipFill>
-        <p:spPr>
-          <a:xfrm rot="17902526">
-            <a:off x="6619888" y="2776373"/>
-            <a:ext cx="785737" cy="1309562"/>
-          </a:xfrm>
-          <a:prstGeom prst="rect">
-            <a:avLst/>
-          </a:prstGeom>
-        </p:spPr>
-      </p:pic>
-      <p:sp>
-        <p:nvSpPr>
-          <p:cNvPr id="14" name="Content Placeholder 2">
-            <a:extLst>
-              <a:ext uri="{FF2B5EF4-FFF2-40B4-BE49-F238E27FC236}">
-                <a16:creationId xmlns:a16="http://schemas.microsoft.com/office/drawing/2014/main" id="{D0A93715-D034-9E42-B1DF-86A1508AC155}"/>
-              </a:ext>
-            </a:extLst>
-          </p:cNvPr>
-          <p:cNvSpPr txBox="1">
-            <a:spLocks/>
-          </p:cNvSpPr>
-          <p:nvPr/>
-        </p:nvSpPr>
-        <p:spPr>
-          <a:xfrm>
-            <a:off x="1954924" y="1273751"/>
-            <a:ext cx="9909176" cy="5467514"/>
-          </a:xfrm>
-          <a:prstGeom prst="rect">
-            <a:avLst/>
-          </a:prstGeom>
-        </p:spPr>
-        <p:txBody>
-          <a:bodyPr vert="horz" lIns="91440" tIns="45720" rIns="91440" bIns="45720" rtlCol="0">
-            <a:normAutofit/>
-          </a:bodyPr>
-          <a:lstStyle>
-            <a:lvl1pPr marL="228600" indent="-228600" algn="l" defTabSz="914400" rtl="0" eaLnBrk="1" latinLnBrk="0" hangingPunct="1">
-              <a:lnSpc>
-                <a:spcPct val="90000"/>
-              </a:lnSpc>
-              <a:spcBef>
-                <a:spcPts val="1000"/>
-              </a:spcBef>
-              <a:buFont typeface="Arial" panose="020B0604020202020204" pitchFamily="34" charset="0"/>
-              <a:buChar char="•"/>
-              <a:defRPr sz="2800" kern="1200">
-                <a:solidFill>
-                  <a:schemeClr val="tx1"/>
-                </a:solidFill>
-                <a:latin typeface="+mn-lt"/>
-                <a:ea typeface="+mn-ea"/>
-                <a:cs typeface="+mn-cs"/>
-              </a:defRPr>
-            </a:lvl1pPr>
-            <a:lvl2pPr marL="685800" indent="-228600" algn="l" defTabSz="914400" rtl="0" eaLnBrk="1" latinLnBrk="0" hangingPunct="1">
-              <a:lnSpc>
-                <a:spcPct val="90000"/>
-              </a:lnSpc>
-              <a:spcBef>
-                <a:spcPts val="500"/>
-              </a:spcBef>
-              <a:buFont typeface="Arial" panose="020B0604020202020204" pitchFamily="34" charset="0"/>
-              <a:buChar char="•"/>
-              <a:defRPr sz="2400" kern="1200">
-                <a:solidFill>
-                  <a:schemeClr val="tx1"/>
-                </a:solidFill>
-                <a:latin typeface="+mn-lt"/>
-                <a:ea typeface="+mn-ea"/>
-                <a:cs typeface="+mn-cs"/>
-              </a:defRPr>
-            </a:lvl2pPr>
-            <a:lvl3pPr marL="1143000" indent="-228600" algn="l" defTabSz="914400" rtl="0" eaLnBrk="1" latinLnBrk="0" hangingPunct="1">
-              <a:lnSpc>
-                <a:spcPct val="90000"/>
-              </a:lnSpc>
-              <a:spcBef>
-                <a:spcPts val="500"/>
-              </a:spcBef>
-              <a:buFont typeface="Arial" panose="020B0604020202020204" pitchFamily="34" charset="0"/>
-              <a:buChar char="•"/>
-              <a:defRPr sz="2000" kern="1200">
-                <a:solidFill>
-                  <a:schemeClr val="tx1"/>
-                </a:solidFill>
-                <a:latin typeface="+mn-lt"/>
-                <a:ea typeface="+mn-ea"/>
-                <a:cs typeface="+mn-cs"/>
-              </a:defRPr>
-            </a:lvl3pPr>
-            <a:lvl4pPr marL="1600200" indent="-228600" algn="l" defTabSz="914400" rtl="0" eaLnBrk="1" latinLnBrk="0" hangingPunct="1">
-              <a:lnSpc>
-                <a:spcPct val="90000"/>
-              </a:lnSpc>
-              <a:spcBef>
-                <a:spcPts val="500"/>
-              </a:spcBef>
-              <a:buFont typeface="Arial" panose="020B0604020202020204" pitchFamily="34" charset="0"/>
-              <a:buChar char="•"/>
-              <a:defRPr sz="1800" kern="1200">
-                <a:solidFill>
-                  <a:schemeClr val="tx1"/>
-                </a:solidFill>
-                <a:latin typeface="+mn-lt"/>
-                <a:ea typeface="+mn-ea"/>
-                <a:cs typeface="+mn-cs"/>
-              </a:defRPr>
-            </a:lvl4pPr>
-            <a:lvl5pPr marL="2057400" indent="-228600" algn="l" defTabSz="914400" rtl="0" eaLnBrk="1" latinLnBrk="0" hangingPunct="1">
-              <a:lnSpc>
-                <a:spcPct val="90000"/>
-              </a:lnSpc>
-              <a:spcBef>
-                <a:spcPts val="500"/>
-              </a:spcBef>
-              <a:buFont typeface="Arial" panose="020B0604020202020204" pitchFamily="34" charset="0"/>
-              <a:buChar char="•"/>
-              <a:defRPr sz="1800" kern="1200">
-                <a:solidFill>
-                  <a:schemeClr val="tx1"/>
-                </a:solidFill>
-                <a:latin typeface="+mn-lt"/>
-                <a:ea typeface="+mn-ea"/>
-                <a:cs typeface="+mn-cs"/>
-              </a:defRPr>
-            </a:lvl5pPr>
-            <a:lvl6pPr marL="2514600" indent="-228600" algn="l" defTabSz="914400" rtl="0" eaLnBrk="1" latinLnBrk="0" hangingPunct="1">
-              <a:lnSpc>
-                <a:spcPct val="90000"/>
-              </a:lnSpc>
-              <a:spcBef>
-                <a:spcPts val="500"/>
-              </a:spcBef>
-              <a:buFont typeface="Arial" panose="020B0604020202020204" pitchFamily="34" charset="0"/>
-              <a:buChar char="•"/>
-              <a:defRPr sz="1800" kern="1200">
-                <a:solidFill>
-                  <a:schemeClr val="tx1"/>
-                </a:solidFill>
-                <a:latin typeface="+mn-lt"/>
-                <a:ea typeface="+mn-ea"/>
-                <a:cs typeface="+mn-cs"/>
-              </a:defRPr>
-            </a:lvl6pPr>
-            <a:lvl7pPr marL="2971800" indent="-228600" algn="l" defTabSz="914400" rtl="0" eaLnBrk="1" latinLnBrk="0" hangingPunct="1">
-              <a:lnSpc>
-                <a:spcPct val="90000"/>
-              </a:lnSpc>
-              <a:spcBef>
-                <a:spcPts val="500"/>
-              </a:spcBef>
-              <a:buFont typeface="Arial" panose="020B0604020202020204" pitchFamily="34" charset="0"/>
-              <a:buChar char="•"/>
-              <a:defRPr sz="1800" kern="1200">
-                <a:solidFill>
-                  <a:schemeClr val="tx1"/>
-                </a:solidFill>
-                <a:latin typeface="+mn-lt"/>
-                <a:ea typeface="+mn-ea"/>
-                <a:cs typeface="+mn-cs"/>
-              </a:defRPr>
-            </a:lvl7pPr>
-            <a:lvl8pPr marL="3429000" indent="-228600" algn="l" defTabSz="914400" rtl="0" eaLnBrk="1" latinLnBrk="0" hangingPunct="1">
-              <a:lnSpc>
-                <a:spcPct val="90000"/>
-              </a:lnSpc>
-              <a:spcBef>
-                <a:spcPts val="500"/>
-              </a:spcBef>
-              <a:buFont typeface="Arial" panose="020B0604020202020204" pitchFamily="34" charset="0"/>
-              <a:buChar char="•"/>
-              <a:defRPr sz="1800" kern="1200">
-                <a:solidFill>
-                  <a:schemeClr val="tx1"/>
-                </a:solidFill>
-                <a:latin typeface="+mn-lt"/>
-                <a:ea typeface="+mn-ea"/>
-                <a:cs typeface="+mn-cs"/>
-              </a:defRPr>
-            </a:lvl8pPr>
-            <a:lvl9pPr marL="3886200" indent="-228600" algn="l" defTabSz="914400" rtl="0" eaLnBrk="1" latinLnBrk="0" hangingPunct="1">
-              <a:lnSpc>
-                <a:spcPct val="90000"/>
-              </a:lnSpc>
-              <a:spcBef>
-                <a:spcPts val="500"/>
-              </a:spcBef>
-              <a:buFont typeface="Arial" panose="020B0604020202020204" pitchFamily="34" charset="0"/>
-              <a:buChar char="•"/>
-              <a:defRPr sz="1800" kern="1200">
-                <a:solidFill>
-                  <a:schemeClr val="tx1"/>
-                </a:solidFill>
-                <a:latin typeface="+mn-lt"/>
-                <a:ea typeface="+mn-ea"/>
-                <a:cs typeface="+mn-cs"/>
-              </a:defRPr>
-            </a:lvl9pPr>
-          </a:lstStyle>
-          <a:p>
-            <a:pPr>
-              <a:lnSpc>
-                <a:spcPct val="120000"/>
-              </a:lnSpc>
-            </a:pPr>
-            <a:r>
-              <a:rPr lang="en-US" sz="2400" dirty="0"/>
-              <a:t>Apartments were</a:t>
-            </a:r>
-            <a:br>
-              <a:rPr lang="en-US" sz="2400" dirty="0"/>
-            </a:br>
-            <a:r>
-              <a:rPr lang="en-US" sz="2400" dirty="0"/>
-              <a:t>the vast majority</a:t>
-            </a:r>
-            <a:br>
-              <a:rPr lang="en-US" sz="2400" dirty="0"/>
-            </a:br>
-            <a:r>
-              <a:rPr lang="en-US" sz="2400" dirty="0"/>
-              <a:t>of property types.</a:t>
-            </a:r>
-          </a:p>
-          <a:p>
-            <a:pPr>
-              <a:lnSpc>
-                <a:spcPct val="120000"/>
-              </a:lnSpc>
-            </a:pPr>
-            <a:r>
-              <a:rPr lang="en-US" sz="2400" dirty="0"/>
-              <a:t>Three other </a:t>
-            </a:r>
-            <a:br>
-              <a:rPr lang="en-US" sz="2400" dirty="0"/>
-            </a:br>
-            <a:r>
-              <a:rPr lang="en-US" sz="2400" dirty="0"/>
-              <a:t>property types</a:t>
-            </a:r>
-            <a:br>
-              <a:rPr lang="en-US" sz="2400" dirty="0"/>
-            </a:br>
-            <a:r>
-              <a:rPr lang="en-US" sz="2400" dirty="0"/>
-              <a:t>were showing</a:t>
-            </a:r>
-            <a:br>
-              <a:rPr lang="en-US" sz="2400" dirty="0"/>
-            </a:br>
-            <a:r>
-              <a:rPr lang="en-US" sz="2400" dirty="0"/>
-              <a:t>higher rates per</a:t>
-            </a:r>
-            <a:br>
-              <a:rPr lang="en-US" sz="2400" dirty="0"/>
-            </a:br>
-            <a:r>
-              <a:rPr lang="en-US" sz="2400" dirty="0"/>
-              <a:t>person</a:t>
-            </a:r>
-          </a:p>
-          <a:p>
-            <a:pPr>
-              <a:lnSpc>
-                <a:spcPct val="120000"/>
-              </a:lnSpc>
-            </a:pPr>
-            <a:r>
-              <a:rPr lang="en-US" sz="2400" dirty="0"/>
-              <a:t>It felt unwise to be basing</a:t>
-            </a:r>
-            <a:br>
-              <a:rPr lang="en-US" sz="2400" dirty="0"/>
-            </a:br>
-            <a:r>
-              <a:rPr lang="en-US" sz="2400" dirty="0"/>
-              <a:t>decisions on anything other than</a:t>
-            </a:r>
-            <a:br>
-              <a:rPr lang="en-US" sz="2400" dirty="0"/>
-            </a:br>
-            <a:r>
-              <a:rPr lang="en-US" sz="2400" dirty="0"/>
-              <a:t>apartments</a:t>
-            </a:r>
+            <a:endParaRPr lang="en-US"/>
           </a:p>
         </p:txBody>
       </p:sp>
     </p:spTree>
     <p:extLst>
       <p:ext uri="{BB962C8B-B14F-4D97-AF65-F5344CB8AC3E}">
-        <p14:creationId xmlns:p14="http://schemas.microsoft.com/office/powerpoint/2010/main" val="1116884221"/>
+        <p14:creationId xmlns:p14="http://schemas.microsoft.com/office/powerpoint/2010/main" val="1463287239"/>
       </p:ext>
     </p:extLst>
   </p:cSld>
@@ -6238,49 +10260,239 @@
           <a:chExt cx="0" cy="0"/>
         </a:xfrm>
       </p:grpSpPr>
-      <p:pic>
-        <p:nvPicPr>
-          <p:cNvPr id="3" name="Picture 2">
-            <a:extLst>
-              <a:ext uri="{FF2B5EF4-FFF2-40B4-BE49-F238E27FC236}">
-                <a16:creationId xmlns:a16="http://schemas.microsoft.com/office/drawing/2014/main" id="{5454DFBF-B196-AA4F-B803-45F1D28332E4}"/>
-              </a:ext>
-            </a:extLst>
-          </p:cNvPr>
-          <p:cNvPicPr>
-            <a:picLocks noChangeAspect="1"/>
-          </p:cNvPicPr>
+      <p:sp>
+        <p:nvSpPr>
+          <p:cNvPr id="6" name="Content Placeholder 2">
+            <a:extLst>
+              <a:ext uri="{FF2B5EF4-FFF2-40B4-BE49-F238E27FC236}">
+                <a16:creationId xmlns:a16="http://schemas.microsoft.com/office/drawing/2014/main" id="{DBD3A432-9AC2-914E-AE28-086F832CB8A9}"/>
+              </a:ext>
+            </a:extLst>
+          </p:cNvPr>
+          <p:cNvSpPr>
+            <a:spLocks noGrp="1"/>
+          </p:cNvSpPr>
+          <p:nvPr>
+            <p:ph idx="1"/>
+          </p:nvPr>
+        </p:nvSpPr>
+        <p:spPr>
+          <a:xfrm>
+            <a:off x="1954923" y="1240221"/>
+            <a:ext cx="9522373" cy="5467514"/>
+          </a:xfrm>
+        </p:spPr>
+        <p:txBody>
+          <a:bodyPr>
+            <a:normAutofit fontScale="85000" lnSpcReduction="20000"/>
+          </a:bodyPr>
+          <a:lstStyle/>
+          <a:p>
+            <a:pPr marL="0" indent="0">
+              <a:lnSpc>
+                <a:spcPct val="120000"/>
+              </a:lnSpc>
+              <a:buNone/>
+            </a:pPr>
+            <a:r>
+              <a:rPr lang="en-US" dirty="0"/>
+              <a:t>Followed the </a:t>
+            </a:r>
+            <a:r>
+              <a:rPr lang="en-US" i="1" dirty="0"/>
+              <a:t>Ultimate guide to data cleaning </a:t>
+            </a:r>
+            <a:r>
+              <a:rPr lang="en-US" dirty="0"/>
+              <a:t>- </a:t>
+            </a:r>
+            <a:r>
+              <a:rPr lang="en-US" dirty="0" err="1"/>
+              <a:t>towardsdatascience.com</a:t>
+            </a:r>
+            <a:endParaRPr lang="en-US" dirty="0"/>
+          </a:p>
+          <a:p>
+            <a:pPr>
+              <a:lnSpc>
+                <a:spcPct val="120000"/>
+              </a:lnSpc>
+            </a:pPr>
+            <a:r>
+              <a:rPr lang="en-US" dirty="0"/>
+              <a:t>Checked for duplicates</a:t>
+            </a:r>
+          </a:p>
+          <a:p>
+            <a:pPr lvl="1">
+              <a:lnSpc>
+                <a:spcPct val="120000"/>
+              </a:lnSpc>
+            </a:pPr>
+            <a:r>
+              <a:rPr lang="en-US" dirty="0"/>
+              <a:t>none identified</a:t>
+            </a:r>
+          </a:p>
+          <a:p>
+            <a:pPr>
+              <a:lnSpc>
+                <a:spcPct val="120000"/>
+              </a:lnSpc>
+            </a:pPr>
+            <a:r>
+              <a:rPr lang="en-US" dirty="0"/>
+              <a:t>Check data info for null field</a:t>
+            </a:r>
+          </a:p>
+          <a:p>
+            <a:pPr lvl="1">
+              <a:lnSpc>
+                <a:spcPct val="120000"/>
+              </a:lnSpc>
+            </a:pPr>
+            <a:r>
+              <a:rPr lang="en-US" i="1" dirty="0"/>
+              <a:t>using </a:t>
+            </a:r>
+            <a:r>
+              <a:rPr lang="en-US" i="1" dirty="0" err="1"/>
+              <a:t>df.info</a:t>
+            </a:r>
+            <a:r>
+              <a:rPr lang="en-US" i="1" dirty="0"/>
+              <a:t>()</a:t>
+            </a:r>
+          </a:p>
+          <a:p>
+            <a:pPr>
+              <a:lnSpc>
+                <a:spcPct val="120000"/>
+              </a:lnSpc>
+            </a:pPr>
+            <a:r>
+              <a:rPr lang="en-US" dirty="0"/>
+              <a:t>Replace null value with relevant data</a:t>
+            </a:r>
+          </a:p>
+          <a:p>
+            <a:pPr lvl="1">
+              <a:lnSpc>
+                <a:spcPct val="120000"/>
+              </a:lnSpc>
+            </a:pPr>
+            <a:r>
+              <a:rPr lang="en-US" dirty="0"/>
+              <a:t>Fill string values with "missing” or relevant value</a:t>
+            </a:r>
+          </a:p>
+          <a:p>
+            <a:pPr lvl="1">
+              <a:lnSpc>
+                <a:spcPct val="120000"/>
+              </a:lnSpc>
+            </a:pPr>
+            <a:r>
+              <a:rPr lang="en-US" dirty="0"/>
+              <a:t>Filled integer values with 0</a:t>
+            </a:r>
+          </a:p>
+          <a:p>
+            <a:pPr>
+              <a:lnSpc>
+                <a:spcPct val="120000"/>
+              </a:lnSpc>
+            </a:pPr>
+            <a:r>
+              <a:rPr lang="en-US" dirty="0"/>
+              <a:t>Check the relevant columns </a:t>
+            </a:r>
+            <a:r>
+              <a:rPr lang="en-US" dirty="0" err="1"/>
+              <a:t>dtypes</a:t>
+            </a:r>
+            <a:endParaRPr lang="en-US" dirty="0"/>
+          </a:p>
+          <a:p>
+            <a:pPr lvl="1">
+              <a:lnSpc>
+                <a:spcPct val="120000"/>
+              </a:lnSpc>
+            </a:pPr>
+            <a:r>
+              <a:rPr lang="en-US" dirty="0"/>
+              <a:t>All columns presented as objects (strings)</a:t>
+            </a:r>
+          </a:p>
+          <a:p>
+            <a:pPr>
+              <a:lnSpc>
+                <a:spcPct val="120000"/>
+              </a:lnSpc>
+            </a:pPr>
+            <a:r>
+              <a:rPr lang="en-US" dirty="0"/>
+              <a:t>converted relevant columns to integers and floats</a:t>
+            </a:r>
+          </a:p>
+          <a:p>
+            <a:pPr lvl="1">
+              <a:lnSpc>
+                <a:spcPct val="120000"/>
+              </a:lnSpc>
+            </a:pPr>
+            <a:r>
+              <a:rPr lang="en-US" dirty="0"/>
+              <a:t>including stripping currency of its formatting</a:t>
+            </a:r>
+          </a:p>
+        </p:txBody>
+      </p:sp>
+      <p:sp>
+        <p:nvSpPr>
+          <p:cNvPr id="7" name="Rectangle 6">
+            <a:extLst>
+              <a:ext uri="{FF2B5EF4-FFF2-40B4-BE49-F238E27FC236}">
+                <a16:creationId xmlns:a16="http://schemas.microsoft.com/office/drawing/2014/main" id="{2E40D634-B637-AD40-9A07-4D10AFF75408}"/>
+              </a:ext>
+            </a:extLst>
+          </p:cNvPr>
+          <p:cNvSpPr/>
           <p:nvPr/>
-        </p:nvPicPr>
-        <p:blipFill>
-          <a:blip r:embed="rId2"/>
-          <a:stretch>
-            <a:fillRect/>
-          </a:stretch>
-        </p:blipFill>
-        <p:spPr>
-          <a:xfrm>
-            <a:off x="6725823" y="2681785"/>
-            <a:ext cx="5061965" cy="3817391"/>
+        </p:nvSpPr>
+        <p:spPr>
+          <a:xfrm>
+            <a:off x="1610036" y="471496"/>
+            <a:ext cx="7352910" cy="643831"/>
           </a:xfrm>
           <a:prstGeom prst="rect">
             <a:avLst/>
           </a:prstGeom>
-          <a:effectLst>
-            <a:outerShdw blurRad="152400" dist="38100" dir="2700000" algn="tl" rotWithShape="0">
-              <a:prstClr val="black">
-                <a:alpha val="40000"/>
-              </a:prstClr>
-            </a:outerShdw>
-          </a:effectLst>
-        </p:spPr>
-      </p:pic>
-      <p:sp>
-        <p:nvSpPr>
-          <p:cNvPr id="5" name="Rectangle 4">
-            <a:extLst>
-              <a:ext uri="{FF2B5EF4-FFF2-40B4-BE49-F238E27FC236}">
-                <a16:creationId xmlns:a16="http://schemas.microsoft.com/office/drawing/2014/main" id="{DCCA4C07-4DA0-8644-864C-2A8FD439EEEB}"/>
+        </p:spPr>
+        <p:txBody>
+          <a:bodyPr wrap="none">
+            <a:spAutoFit/>
+          </a:bodyPr>
+          <a:lstStyle/>
+          <a:p>
+            <a:pPr>
+              <a:lnSpc>
+                <a:spcPct val="120000"/>
+              </a:lnSpc>
+            </a:pPr>
+            <a:r>
+              <a:rPr lang="en-AU" sz="3200" dirty="0"/>
+              <a:t>Second Wave - Data clean of rubbish fields </a:t>
+            </a:r>
+          </a:p>
+        </p:txBody>
+      </p:sp>
+      <p:sp>
+        <p:nvSpPr>
+          <p:cNvPr id="9" name="Rectangle 8">
+            <a:extLst>
+              <a:ext uri="{FF2B5EF4-FFF2-40B4-BE49-F238E27FC236}">
+                <a16:creationId xmlns:a16="http://schemas.microsoft.com/office/drawing/2014/main" id="{7D40BA3B-AADB-C64C-B305-7F0F635FC9AE}"/>
               </a:ext>
             </a:extLst>
           </p:cNvPr>
@@ -6290,7 +10502,7 @@
         <p:spPr>
           <a:xfrm>
             <a:off x="0" y="0"/>
-            <a:ext cx="1240221" cy="6936828"/>
+            <a:ext cx="504497" cy="6936828"/>
           </a:xfrm>
           <a:prstGeom prst="rect">
             <a:avLst/>
@@ -6323,283 +10535,14 @@
           <a:lstStyle/>
           <a:p>
             <a:pPr algn="ctr"/>
-            <a:endParaRPr lang="en-US" dirty="0"/>
-          </a:p>
-        </p:txBody>
-      </p:sp>
-      <p:sp>
-        <p:nvSpPr>
-          <p:cNvPr id="6" name="Content Placeholder 2">
-            <a:extLst>
-              <a:ext uri="{FF2B5EF4-FFF2-40B4-BE49-F238E27FC236}">
-                <a16:creationId xmlns:a16="http://schemas.microsoft.com/office/drawing/2014/main" id="{DBD3A432-9AC2-914E-AE28-086F832CB8A9}"/>
-              </a:ext>
-            </a:extLst>
-          </p:cNvPr>
-          <p:cNvSpPr>
-            <a:spLocks noGrp="1"/>
-          </p:cNvSpPr>
-          <p:nvPr>
-            <p:ph idx="1"/>
-          </p:nvPr>
-        </p:nvSpPr>
-        <p:spPr>
-          <a:xfrm>
-            <a:off x="1954924" y="1240221"/>
-            <a:ext cx="9335814" cy="5467514"/>
-          </a:xfrm>
-        </p:spPr>
-        <p:txBody>
-          <a:bodyPr>
-            <a:normAutofit fontScale="85000" lnSpcReduction="20000"/>
-          </a:bodyPr>
-          <a:lstStyle/>
-          <a:p>
-            <a:pPr>
-              <a:lnSpc>
-                <a:spcPct val="120000"/>
-              </a:lnSpc>
-            </a:pPr>
-            <a:r>
-              <a:rPr lang="en-US" dirty="0"/>
-              <a:t>This led to further exploration of the data and we found </a:t>
-            </a:r>
-            <a:br>
-              <a:rPr lang="en-US" dirty="0"/>
-            </a:br>
-            <a:r>
-              <a:rPr lang="en-US" dirty="0"/>
-              <a:t>a number of results didn’t ring true.</a:t>
-            </a:r>
-            <a:br>
-              <a:rPr lang="en-US" dirty="0"/>
-            </a:br>
-            <a:endParaRPr lang="en-US" dirty="0"/>
-          </a:p>
-          <a:p>
-            <a:pPr>
-              <a:lnSpc>
-                <a:spcPct val="120000"/>
-              </a:lnSpc>
-            </a:pPr>
-            <a:r>
-              <a:rPr lang="en-US" dirty="0"/>
-              <a:t>Was Brooklyn really getting </a:t>
-            </a:r>
-            <a:br>
-              <a:rPr lang="en-US" dirty="0"/>
-            </a:br>
-            <a:r>
-              <a:rPr lang="en-US" dirty="0"/>
-              <a:t>the most reviews per month?</a:t>
-            </a:r>
-            <a:br>
-              <a:rPr lang="en-US" dirty="0"/>
-            </a:br>
-            <a:r>
-              <a:rPr lang="en-US" dirty="0"/>
-              <a:t> </a:t>
-            </a:r>
-          </a:p>
-          <a:p>
-            <a:pPr>
-              <a:lnSpc>
-                <a:spcPct val="120000"/>
-              </a:lnSpc>
-            </a:pPr>
-            <a:r>
-              <a:rPr lang="en-US" dirty="0"/>
-              <a:t>Areas of very small data sets</a:t>
-            </a:r>
-            <a:br>
-              <a:rPr lang="en-US" dirty="0"/>
-            </a:br>
-            <a:r>
-              <a:rPr lang="en-US" dirty="0"/>
-              <a:t>were dramatically skewing the</a:t>
-            </a:r>
-            <a:br>
-              <a:rPr lang="en-US" dirty="0"/>
-            </a:br>
-            <a:r>
-              <a:rPr lang="en-US" dirty="0"/>
-              <a:t>results in a number of areas.</a:t>
-            </a:r>
-          </a:p>
-        </p:txBody>
-      </p:sp>
-      <p:sp>
-        <p:nvSpPr>
-          <p:cNvPr id="7" name="Rectangle 6">
-            <a:extLst>
-              <a:ext uri="{FF2B5EF4-FFF2-40B4-BE49-F238E27FC236}">
-                <a16:creationId xmlns:a16="http://schemas.microsoft.com/office/drawing/2014/main" id="{2E40D634-B637-AD40-9A07-4D10AFF75408}"/>
-              </a:ext>
-            </a:extLst>
-          </p:cNvPr>
-          <p:cNvSpPr/>
-          <p:nvPr/>
-        </p:nvSpPr>
-        <p:spPr>
-          <a:xfrm>
-            <a:off x="1610036" y="471496"/>
-            <a:ext cx="8060412" cy="643831"/>
-          </a:xfrm>
-          <a:prstGeom prst="rect">
-            <a:avLst/>
-          </a:prstGeom>
-        </p:spPr>
-        <p:txBody>
-          <a:bodyPr wrap="none">
-            <a:spAutoFit/>
-          </a:bodyPr>
-          <a:lstStyle/>
-          <a:p>
-            <a:pPr>
-              <a:lnSpc>
-                <a:spcPct val="120000"/>
-              </a:lnSpc>
-            </a:pPr>
-            <a:r>
-              <a:rPr lang="en-AU" sz="3200" dirty="0"/>
-              <a:t>Fourth Wave - small data misleading outcomes </a:t>
-            </a:r>
-          </a:p>
-        </p:txBody>
-      </p:sp>
-      <p:sp>
-        <p:nvSpPr>
-          <p:cNvPr id="8" name="Rectangle 7">
-            <a:extLst>
-              <a:ext uri="{FF2B5EF4-FFF2-40B4-BE49-F238E27FC236}">
-                <a16:creationId xmlns:a16="http://schemas.microsoft.com/office/drawing/2014/main" id="{82A7FDA2-FF28-4D42-8B9F-CD4D579EEF14}"/>
-              </a:ext>
-            </a:extLst>
-          </p:cNvPr>
-          <p:cNvSpPr/>
-          <p:nvPr/>
-        </p:nvSpPr>
-        <p:spPr>
-          <a:xfrm>
-            <a:off x="9713533" y="150265"/>
-            <a:ext cx="1893788" cy="369332"/>
-          </a:xfrm>
-          <a:prstGeom prst="rect">
-            <a:avLst/>
-          </a:prstGeom>
-        </p:spPr>
-        <p:txBody>
-          <a:bodyPr wrap="none">
-            <a:spAutoFit/>
-          </a:bodyPr>
-          <a:lstStyle/>
-          <a:p>
-            <a:r>
-              <a:rPr lang="en-AU" b="1" dirty="0"/>
-              <a:t>C. Data Wrangling</a:t>
-            </a:r>
-            <a:endParaRPr lang="en-US" dirty="0"/>
-          </a:p>
-        </p:txBody>
-      </p:sp>
-      <p:pic>
-        <p:nvPicPr>
-          <p:cNvPr id="7186" name="Picture 18" descr="Download Free png Red-arrow Free PNG Images &amp; Clipart Download #1212838 -  Sccpre.Cat - DLPNG.com">
-            <a:extLst>
-              <a:ext uri="{FF2B5EF4-FFF2-40B4-BE49-F238E27FC236}">
-                <a16:creationId xmlns:a16="http://schemas.microsoft.com/office/drawing/2014/main" id="{18B7785D-6E7E-4947-A5C3-163A00CEE150}"/>
-              </a:ext>
-            </a:extLst>
-          </p:cNvPr>
-          <p:cNvPicPr>
-            <a:picLocks noChangeAspect="1" noChangeArrowheads="1"/>
-          </p:cNvPicPr>
-          <p:nvPr/>
-        </p:nvPicPr>
-        <p:blipFill>
-          <a:blip r:embed="rId3">
-            <a:extLst>
-              <a:ext uri="{28A0092B-C50C-407E-A947-70E740481C1C}">
-                <a14:useLocalDpi xmlns:a14="http://schemas.microsoft.com/office/drawing/2010/main" val="0"/>
-              </a:ext>
-            </a:extLst>
-          </a:blip>
-          <a:srcRect/>
-          <a:stretch>
-            <a:fillRect/>
-          </a:stretch>
-        </p:blipFill>
-        <p:spPr bwMode="auto">
-          <a:xfrm rot="4670653">
-            <a:off x="8285727" y="3051090"/>
-            <a:ext cx="1362132" cy="1302909"/>
-          </a:xfrm>
-          <a:prstGeom prst="rect">
-            <a:avLst/>
-          </a:prstGeom>
-          <a:noFill/>
-          <a:extLst>
-            <a:ext uri="{909E8E84-426E-40DD-AFC4-6F175D3DCCD1}">
-              <a14:hiddenFill xmlns:a14="http://schemas.microsoft.com/office/drawing/2010/main">
-                <a:solidFill>
-                  <a:srgbClr val="FFFFFF"/>
-                </a:solidFill>
-              </a14:hiddenFill>
-            </a:ext>
-          </a:extLst>
-        </p:spPr>
-      </p:pic>
-      <p:pic>
-        <p:nvPicPr>
-          <p:cNvPr id="7188" name="Picture 20" descr="Red Question Mark Clipart - Free Clipart Images - ClipArt Best - ClipArt  Best">
-            <a:extLst>
-              <a:ext uri="{FF2B5EF4-FFF2-40B4-BE49-F238E27FC236}">
-                <a16:creationId xmlns:a16="http://schemas.microsoft.com/office/drawing/2014/main" id="{362D4FC5-E9B9-104F-BA67-6D256D0E1A21}"/>
-              </a:ext>
-            </a:extLst>
-          </p:cNvPr>
-          <p:cNvPicPr>
-            <a:picLocks noChangeAspect="1" noChangeArrowheads="1"/>
-          </p:cNvPicPr>
-          <p:nvPr/>
-        </p:nvPicPr>
-        <p:blipFill>
-          <a:blip r:embed="rId4">
-            <a:extLst>
-              <a:ext uri="{28A0092B-C50C-407E-A947-70E740481C1C}">
-                <a14:useLocalDpi xmlns:a14="http://schemas.microsoft.com/office/drawing/2010/main" val="0"/>
-              </a:ext>
-            </a:extLst>
-          </a:blip>
-          <a:srcRect/>
-          <a:stretch>
-            <a:fillRect/>
-          </a:stretch>
-        </p:blipFill>
-        <p:spPr bwMode="auto">
-          <a:xfrm rot="1123718">
-            <a:off x="9795727" y="3005600"/>
-            <a:ext cx="1330431" cy="1625355"/>
-          </a:xfrm>
-          <a:prstGeom prst="rect">
-            <a:avLst/>
-          </a:prstGeom>
-          <a:noFill/>
-          <a:extLst>
-            <a:ext uri="{909E8E84-426E-40DD-AFC4-6F175D3DCCD1}">
-              <a14:hiddenFill xmlns:a14="http://schemas.microsoft.com/office/drawing/2010/main">
-                <a:solidFill>
-                  <a:srgbClr val="FFFFFF"/>
-                </a:solidFill>
-              </a14:hiddenFill>
-            </a:ext>
-          </a:extLst>
-        </p:spPr>
-      </p:pic>
+            <a:endParaRPr lang="en-US"/>
+          </a:p>
+        </p:txBody>
+      </p:sp>
     </p:spTree>
     <p:extLst>
       <p:ext uri="{BB962C8B-B14F-4D97-AF65-F5344CB8AC3E}">
-        <p14:creationId xmlns:p14="http://schemas.microsoft.com/office/powerpoint/2010/main" val="1233976079"/>
+        <p14:creationId xmlns:p14="http://schemas.microsoft.com/office/powerpoint/2010/main" val="3457103126"/>
       </p:ext>
     </p:extLst>
   </p:cSld>
@@ -6628,10 +10571,10 @@
       </p:grpSpPr>
       <p:pic>
         <p:nvPicPr>
-          <p:cNvPr id="8200" name="Picture 8" descr="Black Circle 1393*786 transprent Png Free Download - Happiness,  Calligraphy, Text. - CleanPNG / KissPNG">
-            <a:extLst>
-              <a:ext uri="{FF2B5EF4-FFF2-40B4-BE49-F238E27FC236}">
-                <a16:creationId xmlns:a16="http://schemas.microsoft.com/office/drawing/2014/main" id="{EA6A9771-0723-564B-8787-DB3E5C00C4B7}"/>
+          <p:cNvPr id="9218" name="Picture 2" descr="Smiley Scribble Vector Images (over 680)">
+            <a:extLst>
+              <a:ext uri="{FF2B5EF4-FFF2-40B4-BE49-F238E27FC236}">
+                <a16:creationId xmlns:a16="http://schemas.microsoft.com/office/drawing/2014/main" id="{446AACB2-F4F9-5142-A58D-CE9A2B8D2DBE}"/>
               </a:ext>
             </a:extLst>
           </p:cNvPr>
@@ -6642,19 +10585,29 @@
         </p:nvPicPr>
         <p:blipFill rotWithShape="1">
           <a:blip r:embed="rId2">
-            <a:extLst>
+            <a:alphaModFix/>
+            <a:extLst>
+              <a:ext uri="{BEBA8EAE-BF5A-486C-A8C5-ECC9F3942E4B}">
+                <a14:imgProps xmlns:a14="http://schemas.microsoft.com/office/drawing/2010/main">
+                  <a14:imgLayer r:embed="rId3">
+                    <a14:imgEffect>
+                      <a14:brightnessContrast bright="24000" contrast="-2000"/>
+                    </a14:imgEffect>
+                  </a14:imgLayer>
+                </a14:imgProps>
+              </a:ext>
               <a:ext uri="{28A0092B-C50C-407E-A947-70E740481C1C}">
                 <a14:useLocalDpi xmlns:a14="http://schemas.microsoft.com/office/drawing/2010/main" val="0"/>
               </a:ext>
             </a:extLst>
           </a:blip>
-          <a:srcRect l="14924" t="45807" r="28196" b="-4514"/>
+          <a:srcRect l="-14" t="16416" r="1" b="31342"/>
           <a:stretch/>
         </p:blipFill>
         <p:spPr bwMode="auto">
-          <a:xfrm rot="20795926">
-            <a:off x="1577533" y="4995555"/>
-            <a:ext cx="2808245" cy="1638143"/>
+          <a:xfrm>
+            <a:off x="7416733" y="3973978"/>
+            <a:ext cx="4593600" cy="2520000"/>
           </a:xfrm>
           <a:prstGeom prst="rect">
             <a:avLst/>
@@ -6671,48 +10624,209 @@
           </a:extLst>
         </p:spPr>
       </p:pic>
-      <p:pic>
-        <p:nvPicPr>
-          <p:cNvPr id="11" name="Picture 10">
-            <a:extLst>
-              <a:ext uri="{FF2B5EF4-FFF2-40B4-BE49-F238E27FC236}">
-                <a16:creationId xmlns:a16="http://schemas.microsoft.com/office/drawing/2014/main" id="{9E485ACD-BBB7-1646-825B-23D6E3E0E726}"/>
-              </a:ext>
-            </a:extLst>
-          </p:cNvPr>
-          <p:cNvPicPr>
-            <a:picLocks noChangeAspect="1"/>
-          </p:cNvPicPr>
+      <p:sp>
+        <p:nvSpPr>
+          <p:cNvPr id="6" name="Content Placeholder 2">
+            <a:extLst>
+              <a:ext uri="{FF2B5EF4-FFF2-40B4-BE49-F238E27FC236}">
+                <a16:creationId xmlns:a16="http://schemas.microsoft.com/office/drawing/2014/main" id="{DBD3A432-9AC2-914E-AE28-086F832CB8A9}"/>
+              </a:ext>
+            </a:extLst>
+          </p:cNvPr>
+          <p:cNvSpPr>
+            <a:spLocks noGrp="1"/>
+          </p:cNvSpPr>
+          <p:nvPr>
+            <p:ph idx="1"/>
+          </p:nvPr>
+        </p:nvSpPr>
+        <p:spPr>
+          <a:xfrm>
+            <a:off x="1954923" y="1240221"/>
+            <a:ext cx="9522373" cy="5467514"/>
+          </a:xfrm>
+        </p:spPr>
+        <p:txBody>
+          <a:bodyPr>
+            <a:normAutofit fontScale="85000" lnSpcReduction="20000"/>
+          </a:bodyPr>
+          <a:lstStyle/>
+          <a:p>
+            <a:pPr>
+              <a:lnSpc>
+                <a:spcPct val="120000"/>
+              </a:lnSpc>
+            </a:pPr>
+            <a:r>
+              <a:rPr lang="en-US" dirty="0"/>
+              <a:t>strip leading and trailing space</a:t>
+            </a:r>
+          </a:p>
+          <a:p>
+            <a:pPr>
+              <a:lnSpc>
+                <a:spcPct val="120000"/>
+              </a:lnSpc>
+            </a:pPr>
+            <a:r>
+              <a:rPr lang="en-US" dirty="0"/>
+              <a:t>checked unique values in city column</a:t>
+            </a:r>
+          </a:p>
+          <a:p>
+            <a:pPr>
+              <a:lnSpc>
+                <a:spcPct val="120000"/>
+              </a:lnSpc>
+            </a:pPr>
+            <a:r>
+              <a:rPr lang="en-US" dirty="0"/>
+              <a:t>corrected spelling mistakes</a:t>
+            </a:r>
+          </a:p>
+          <a:p>
+            <a:pPr>
+              <a:lnSpc>
+                <a:spcPct val="120000"/>
+              </a:lnSpc>
+            </a:pPr>
+            <a:r>
+              <a:rPr lang="en-US" dirty="0"/>
+              <a:t>formalized suburb naming conventions</a:t>
+            </a:r>
+          </a:p>
+          <a:p>
+            <a:pPr>
+              <a:lnSpc>
+                <a:spcPct val="120000"/>
+              </a:lnSpc>
+            </a:pPr>
+            <a:r>
+              <a:rPr lang="en-US" dirty="0"/>
+              <a:t>dropped non-sensical data</a:t>
+            </a:r>
+          </a:p>
+          <a:p>
+            <a:pPr>
+              <a:lnSpc>
+                <a:spcPct val="120000"/>
+              </a:lnSpc>
+            </a:pPr>
+            <a:r>
+              <a:rPr lang="en-US" dirty="0"/>
+              <a:t>Drop further irrelevant columns as awareness of data grew.</a:t>
+            </a:r>
+          </a:p>
+          <a:p>
+            <a:pPr marL="0" indent="0">
+              <a:lnSpc>
+                <a:spcPct val="120000"/>
+              </a:lnSpc>
+              <a:buNone/>
+            </a:pPr>
+            <a:r>
+              <a:rPr lang="en-US" b="1" dirty="0"/>
+              <a:t>Lesson learned</a:t>
+            </a:r>
+          </a:p>
+          <a:p>
+            <a:pPr>
+              <a:lnSpc>
+                <a:spcPct val="120000"/>
+              </a:lnSpc>
+            </a:pPr>
+            <a:r>
+              <a:rPr lang="en-US" dirty="0"/>
+              <a:t>Once the null values had been populated, each </a:t>
+            </a:r>
+            <a:br>
+              <a:rPr lang="en-US" dirty="0"/>
+            </a:br>
+            <a:r>
+              <a:rPr lang="en-US" dirty="0"/>
+              <a:t>cleaning step was a discrete task</a:t>
+            </a:r>
+            <a:br>
+              <a:rPr lang="en-US" dirty="0"/>
+            </a:br>
+            <a:r>
+              <a:rPr lang="en-US" dirty="0"/>
+              <a:t>– not </a:t>
+            </a:r>
+            <a:r>
+              <a:rPr lang="en-US" dirty="0" err="1"/>
+              <a:t>dependant</a:t>
+            </a:r>
+            <a:r>
+              <a:rPr lang="en-US" dirty="0"/>
+              <a:t>  on the previous step.</a:t>
+            </a:r>
+          </a:p>
+          <a:p>
+            <a:pPr>
+              <a:lnSpc>
+                <a:spcPct val="120000"/>
+              </a:lnSpc>
+            </a:pPr>
+            <a:r>
+              <a:rPr lang="en-US" dirty="0"/>
+              <a:t>The work could have been divided among</a:t>
+            </a:r>
+            <a:br>
+              <a:rPr lang="en-US" dirty="0"/>
+            </a:br>
+            <a:r>
+              <a:rPr lang="en-US" dirty="0"/>
+              <a:t>the group to avoid delays.</a:t>
+            </a:r>
+          </a:p>
+        </p:txBody>
+      </p:sp>
+      <p:sp>
+        <p:nvSpPr>
+          <p:cNvPr id="7" name="Rectangle 6">
+            <a:extLst>
+              <a:ext uri="{FF2B5EF4-FFF2-40B4-BE49-F238E27FC236}">
+                <a16:creationId xmlns:a16="http://schemas.microsoft.com/office/drawing/2014/main" id="{2E40D634-B637-AD40-9A07-4D10AFF75408}"/>
+              </a:ext>
+            </a:extLst>
+          </p:cNvPr>
+          <p:cNvSpPr/>
           <p:nvPr/>
-        </p:nvPicPr>
-        <p:blipFill rotWithShape="1">
-          <a:blip r:embed="rId3"/>
-          <a:srcRect l="-26" t="10948" r="8090" b="51988"/>
-          <a:stretch/>
-        </p:blipFill>
-        <p:spPr>
-          <a:xfrm>
-            <a:off x="5190365" y="2587956"/>
-            <a:ext cx="6629365" cy="4009021"/>
+        </p:nvSpPr>
+        <p:spPr>
+          <a:xfrm>
+            <a:off x="1610036" y="471496"/>
+            <a:ext cx="7352910" cy="643831"/>
           </a:xfrm>
           <a:prstGeom prst="rect">
             <a:avLst/>
           </a:prstGeom>
-          <a:effectLst>
-            <a:outerShdw blurRad="152400" dist="38100" dir="2700000" algn="tl" rotWithShape="0">
-              <a:prstClr val="black">
-                <a:alpha val="40000"/>
-              </a:prstClr>
-            </a:outerShdw>
-          </a:effectLst>
-        </p:spPr>
-      </p:pic>
-      <p:sp>
-        <p:nvSpPr>
-          <p:cNvPr id="5" name="Rectangle 4">
-            <a:extLst>
-              <a:ext uri="{FF2B5EF4-FFF2-40B4-BE49-F238E27FC236}">
-                <a16:creationId xmlns:a16="http://schemas.microsoft.com/office/drawing/2014/main" id="{DCCA4C07-4DA0-8644-864C-2A8FD439EEEB}"/>
+        </p:spPr>
+        <p:txBody>
+          <a:bodyPr wrap="none">
+            <a:spAutoFit/>
+          </a:bodyPr>
+          <a:lstStyle/>
+          <a:p>
+            <a:pPr>
+              <a:lnSpc>
+                <a:spcPct val="120000"/>
+              </a:lnSpc>
+            </a:pPr>
+            <a:r>
+              <a:rPr lang="en-AU" sz="3200" dirty="0"/>
+              <a:t>Second Wave - Data clean of rubbish fields </a:t>
+            </a:r>
+          </a:p>
+        </p:txBody>
+      </p:sp>
+      <p:sp>
+        <p:nvSpPr>
+          <p:cNvPr id="9" name="Rectangle 8">
+            <a:extLst>
+              <a:ext uri="{FF2B5EF4-FFF2-40B4-BE49-F238E27FC236}">
+                <a16:creationId xmlns:a16="http://schemas.microsoft.com/office/drawing/2014/main" id="{FA1847F7-DDC9-6940-930C-48D866F5779D}"/>
               </a:ext>
             </a:extLst>
           </p:cNvPr>
@@ -6722,7 +10836,7 @@
         <p:spPr>
           <a:xfrm>
             <a:off x="0" y="0"/>
-            <a:ext cx="1240221" cy="6936828"/>
+            <a:ext cx="504497" cy="6936828"/>
           </a:xfrm>
           <a:prstGeom prst="rect">
             <a:avLst/>
@@ -6755,187 +10869,14 @@
           <a:lstStyle/>
           <a:p>
             <a:pPr algn="ctr"/>
-            <a:endParaRPr lang="en-US" dirty="0"/>
-          </a:p>
-        </p:txBody>
-      </p:sp>
-      <p:sp>
-        <p:nvSpPr>
-          <p:cNvPr id="6" name="Content Placeholder 2">
-            <a:extLst>
-              <a:ext uri="{FF2B5EF4-FFF2-40B4-BE49-F238E27FC236}">
-                <a16:creationId xmlns:a16="http://schemas.microsoft.com/office/drawing/2014/main" id="{DBD3A432-9AC2-914E-AE28-086F832CB8A9}"/>
-              </a:ext>
-            </a:extLst>
-          </p:cNvPr>
-          <p:cNvSpPr>
-            <a:spLocks noGrp="1"/>
-          </p:cNvSpPr>
-          <p:nvPr>
-            <p:ph idx="1"/>
-          </p:nvPr>
-        </p:nvSpPr>
-        <p:spPr>
-          <a:xfrm>
-            <a:off x="1954924" y="1240221"/>
-            <a:ext cx="9335814" cy="5467514"/>
-          </a:xfrm>
-        </p:spPr>
-        <p:txBody>
-          <a:bodyPr>
-            <a:normAutofit fontScale="85000" lnSpcReduction="20000"/>
-          </a:bodyPr>
-          <a:lstStyle/>
-          <a:p>
-            <a:pPr>
-              <a:lnSpc>
-                <a:spcPct val="120000"/>
-              </a:lnSpc>
-            </a:pPr>
-            <a:r>
-              <a:rPr lang="en-US" dirty="0"/>
-              <a:t>We made a decision to remove any suburbs with low data points as</a:t>
-            </a:r>
-            <a:br>
-              <a:rPr lang="en-US" dirty="0"/>
-            </a:br>
-            <a:r>
-              <a:rPr lang="en-US" dirty="0"/>
-              <a:t>they were too small to be meaningful</a:t>
-            </a:r>
-            <a:br>
-              <a:rPr lang="en-US" dirty="0"/>
-            </a:br>
-            <a:endParaRPr lang="en-US" dirty="0"/>
-          </a:p>
-          <a:p>
-            <a:pPr>
-              <a:lnSpc>
-                <a:spcPct val="120000"/>
-              </a:lnSpc>
-            </a:pPr>
-            <a:r>
-              <a:rPr lang="en-US" dirty="0"/>
-              <a:t>The resulting data</a:t>
-            </a:r>
-            <a:br>
-              <a:rPr lang="en-US" dirty="0"/>
-            </a:br>
-            <a:r>
-              <a:rPr lang="en-US" dirty="0"/>
-              <a:t>passed the common</a:t>
-            </a:r>
-            <a:br>
-              <a:rPr lang="en-US" dirty="0"/>
-            </a:br>
-            <a:r>
-              <a:rPr lang="en-US" dirty="0"/>
-              <a:t>sense test</a:t>
-            </a:r>
-            <a:br>
-              <a:rPr lang="en-US" dirty="0"/>
-            </a:br>
-            <a:endParaRPr lang="en-US" dirty="0"/>
-          </a:p>
-          <a:p>
-            <a:pPr marL="0" indent="0">
-              <a:lnSpc>
-                <a:spcPct val="120000"/>
-              </a:lnSpc>
-              <a:buNone/>
-            </a:pPr>
-            <a:r>
-              <a:rPr lang="en-US" b="1" dirty="0"/>
-              <a:t>At each wave a new</a:t>
-            </a:r>
-            <a:br>
-              <a:rPr lang="en-US" b="1" dirty="0"/>
-            </a:br>
-            <a:r>
-              <a:rPr lang="en-US" b="1" dirty="0"/>
-              <a:t>CSV was exported</a:t>
-            </a:r>
-          </a:p>
-        </p:txBody>
-      </p:sp>
-      <p:sp>
-        <p:nvSpPr>
-          <p:cNvPr id="7" name="Rectangle 6">
-            <a:extLst>
-              <a:ext uri="{FF2B5EF4-FFF2-40B4-BE49-F238E27FC236}">
-                <a16:creationId xmlns:a16="http://schemas.microsoft.com/office/drawing/2014/main" id="{2E40D634-B637-AD40-9A07-4D10AFF75408}"/>
-              </a:ext>
-            </a:extLst>
-          </p:cNvPr>
-          <p:cNvSpPr/>
-          <p:nvPr/>
-        </p:nvSpPr>
-        <p:spPr>
-          <a:xfrm>
-            <a:off x="1610036" y="471496"/>
-            <a:ext cx="8060412" cy="643831"/>
-          </a:xfrm>
-          <a:prstGeom prst="rect">
-            <a:avLst/>
-          </a:prstGeom>
-        </p:spPr>
-        <p:txBody>
-          <a:bodyPr wrap="none">
-            <a:spAutoFit/>
-          </a:bodyPr>
-          <a:lstStyle/>
-          <a:p>
-            <a:pPr>
-              <a:lnSpc>
-                <a:spcPct val="120000"/>
-              </a:lnSpc>
-            </a:pPr>
-            <a:r>
-              <a:rPr lang="en-AU" sz="3200" dirty="0"/>
-              <a:t>Fourth Wave - small data misleading outcomes </a:t>
-            </a:r>
-          </a:p>
-        </p:txBody>
-      </p:sp>
-      <p:sp>
-        <p:nvSpPr>
-          <p:cNvPr id="8" name="Rectangle 7">
-            <a:extLst>
-              <a:ext uri="{FF2B5EF4-FFF2-40B4-BE49-F238E27FC236}">
-                <a16:creationId xmlns:a16="http://schemas.microsoft.com/office/drawing/2014/main" id="{82A7FDA2-FF28-4D42-8B9F-CD4D579EEF14}"/>
-              </a:ext>
-            </a:extLst>
-          </p:cNvPr>
-          <p:cNvSpPr/>
-          <p:nvPr/>
-        </p:nvSpPr>
-        <p:spPr>
-          <a:xfrm>
-            <a:off x="9713533" y="150265"/>
-            <a:ext cx="1893788" cy="369332"/>
-          </a:xfrm>
-          <a:prstGeom prst="rect">
-            <a:avLst/>
-          </a:prstGeom>
-        </p:spPr>
-        <p:txBody>
-          <a:bodyPr wrap="none">
-            <a:spAutoFit/>
-          </a:bodyPr>
-          <a:lstStyle/>
-          <a:p>
-            <a:r>
-              <a:rPr lang="en-AU" b="1" dirty="0"/>
-              <a:t>C. Data Wrangling</a:t>
-            </a:r>
-            <a:endParaRPr lang="en-US" dirty="0"/>
+            <a:endParaRPr lang="en-US"/>
           </a:p>
         </p:txBody>
       </p:sp>
     </p:spTree>
     <p:extLst>
       <p:ext uri="{BB962C8B-B14F-4D97-AF65-F5344CB8AC3E}">
-        <p14:creationId xmlns:p14="http://schemas.microsoft.com/office/powerpoint/2010/main" val="2122889585"/>
+        <p14:creationId xmlns:p14="http://schemas.microsoft.com/office/powerpoint/2010/main" val="2458435817"/>
       </p:ext>
     </p:extLst>
   </p:cSld>
